--- a/AppendixFigures.pptx
+++ b/AppendixFigures.pptx
@@ -8,6 +8,8 @@
     <p:sldId id="256" r:id="rId2"/>
     <p:sldId id="257" r:id="rId3"/>
     <p:sldId id="258" r:id="rId4"/>
+    <p:sldId id="259" r:id="rId5"/>
+    <p:sldId id="260" r:id="rId6"/>
   </p:sldIdLst>
   <p:sldSz cx="12192000" cy="6858000"/>
   <p:notesSz cx="6858000" cy="9144000"/>
@@ -106,6 +108,11 @@
       </a:defRPr>
     </a:lvl9pPr>
   </p:defaultTextStyle>
+  <p:extLst>
+    <p:ext uri="{EFAFB233-063F-42B5-8137-9DF3F51BA10A}">
+      <p15:sldGuideLst xmlns:p15="http://schemas.microsoft.com/office/powerpoint/2012/main"/>
+    </p:ext>
+  </p:extLst>
 </p:presentation>
 </file>
 
@@ -9441,6 +9448,3799 @@
     <p:extLst>
       <p:ext uri="{BB962C8B-B14F-4D97-AF65-F5344CB8AC3E}">
         <p14:creationId xmlns:p14="http://schemas.microsoft.com/office/powerpoint/2010/main" val="3425606685"/>
+      </p:ext>
+    </p:extLst>
+  </p:cSld>
+  <p:clrMapOvr>
+    <a:masterClrMapping/>
+  </p:clrMapOvr>
+</p:sld>
+</file>
+
+<file path=ppt/slides/slide4.xml><?xml version="1.0" encoding="utf-8"?>
+<p:sld xmlns:a="http://schemas.openxmlformats.org/drawingml/2006/main" xmlns:r="http://schemas.openxmlformats.org/officeDocument/2006/relationships" xmlns:p="http://schemas.openxmlformats.org/presentationml/2006/main">
+  <p:cSld>
+    <p:spTree>
+      <p:nvGrpSpPr>
+        <p:cNvPr id="1" name=""/>
+        <p:cNvGrpSpPr/>
+        <p:nvPr/>
+      </p:nvGrpSpPr>
+      <p:grpSpPr>
+        <a:xfrm>
+          <a:off x="0" y="0"/>
+          <a:ext cx="0" cy="0"/>
+          <a:chOff x="0" y="0"/>
+          <a:chExt cx="0" cy="0"/>
+        </a:xfrm>
+      </p:grpSpPr>
+      <p:sp>
+        <p:nvSpPr>
+          <p:cNvPr id="4" name="Rectangle: Rounded Corners 3">
+            <a:extLst>
+              <a:ext uri="{FF2B5EF4-FFF2-40B4-BE49-F238E27FC236}">
+                <a16:creationId xmlns:a16="http://schemas.microsoft.com/office/drawing/2014/main" id="{E5F5204A-8A9D-4CD4-A8A0-CA92554FAF03}"/>
+              </a:ext>
+            </a:extLst>
+          </p:cNvPr>
+          <p:cNvSpPr/>
+          <p:nvPr/>
+        </p:nvSpPr>
+        <p:spPr>
+          <a:xfrm>
+            <a:off x="278674" y="252549"/>
+            <a:ext cx="3413760" cy="931817"/>
+          </a:xfrm>
+          <a:prstGeom prst="roundRect">
+            <a:avLst/>
+          </a:prstGeom>
+          <a:solidFill>
+            <a:srgbClr val="FF0000"/>
+          </a:solidFill>
+        </p:spPr>
+        <p:style>
+          <a:lnRef idx="2">
+            <a:schemeClr val="accent1">
+              <a:shade val="50000"/>
+            </a:schemeClr>
+          </a:lnRef>
+          <a:fillRef idx="1">
+            <a:schemeClr val="accent1"/>
+          </a:fillRef>
+          <a:effectRef idx="0">
+            <a:schemeClr val="accent1"/>
+          </a:effectRef>
+          <a:fontRef idx="minor">
+            <a:schemeClr val="lt1"/>
+          </a:fontRef>
+        </p:style>
+        <p:txBody>
+          <a:bodyPr rtlCol="0" anchor="ctr"/>
+          <a:lstStyle/>
+          <a:p>
+            <a:pPr algn="ctr"/>
+            <a:r>
+              <a:rPr lang="en-US" sz="3000" dirty="0"/>
+              <a:t>X</a:t>
+            </a:r>
+          </a:p>
+        </p:txBody>
+      </p:sp>
+      <p:sp>
+        <p:nvSpPr>
+          <p:cNvPr id="5" name="Rectangle: Rounded Corners 4">
+            <a:extLst>
+              <a:ext uri="{FF2B5EF4-FFF2-40B4-BE49-F238E27FC236}">
+                <a16:creationId xmlns:a16="http://schemas.microsoft.com/office/drawing/2014/main" id="{33C49972-3C42-49B0-B2BF-9DE07FEE7BF8}"/>
+              </a:ext>
+            </a:extLst>
+          </p:cNvPr>
+          <p:cNvSpPr/>
+          <p:nvPr/>
+        </p:nvSpPr>
+        <p:spPr>
+          <a:xfrm>
+            <a:off x="3866606" y="252549"/>
+            <a:ext cx="1341120" cy="931817"/>
+          </a:xfrm>
+          <a:prstGeom prst="roundRect">
+            <a:avLst/>
+          </a:prstGeom>
+          <a:solidFill>
+            <a:srgbClr val="FF0000"/>
+          </a:solidFill>
+        </p:spPr>
+        <p:style>
+          <a:lnRef idx="2">
+            <a:schemeClr val="accent1">
+              <a:shade val="50000"/>
+            </a:schemeClr>
+          </a:lnRef>
+          <a:fillRef idx="1">
+            <a:schemeClr val="accent1"/>
+          </a:fillRef>
+          <a:effectRef idx="0">
+            <a:schemeClr val="accent1"/>
+          </a:effectRef>
+          <a:fontRef idx="minor">
+            <a:schemeClr val="lt1"/>
+          </a:fontRef>
+        </p:style>
+        <p:txBody>
+          <a:bodyPr rtlCol="0" anchor="ctr"/>
+          <a:lstStyle/>
+          <a:p>
+            <a:pPr algn="ctr"/>
+            <a:r>
+              <a:rPr lang="en-US" sz="3000" dirty="0"/>
+              <a:t>X</a:t>
+            </a:r>
+          </a:p>
+        </p:txBody>
+      </p:sp>
+      <p:sp>
+        <p:nvSpPr>
+          <p:cNvPr id="10" name="Arrow: Up-Down 9">
+            <a:extLst>
+              <a:ext uri="{FF2B5EF4-FFF2-40B4-BE49-F238E27FC236}">
+                <a16:creationId xmlns:a16="http://schemas.microsoft.com/office/drawing/2014/main" id="{8E3232CA-75A6-486E-BDA1-7B32E1DA16A8}"/>
+              </a:ext>
+            </a:extLst>
+          </p:cNvPr>
+          <p:cNvSpPr/>
+          <p:nvPr/>
+        </p:nvSpPr>
+        <p:spPr>
+          <a:xfrm>
+            <a:off x="870857" y="1184366"/>
+            <a:ext cx="156754" cy="300446"/>
+          </a:xfrm>
+          <a:prstGeom prst="upDownArrow">
+            <a:avLst/>
+          </a:prstGeom>
+          <a:solidFill>
+            <a:schemeClr val="bg1">
+              <a:lumMod val="65000"/>
+            </a:schemeClr>
+          </a:solidFill>
+          <a:ln>
+            <a:noFill/>
+          </a:ln>
+        </p:spPr>
+        <p:style>
+          <a:lnRef idx="2">
+            <a:schemeClr val="accent1">
+              <a:shade val="50000"/>
+            </a:schemeClr>
+          </a:lnRef>
+          <a:fillRef idx="1">
+            <a:schemeClr val="accent1"/>
+          </a:fillRef>
+          <a:effectRef idx="0">
+            <a:schemeClr val="accent1"/>
+          </a:effectRef>
+          <a:fontRef idx="minor">
+            <a:schemeClr val="lt1"/>
+          </a:fontRef>
+        </p:style>
+        <p:txBody>
+          <a:bodyPr rtlCol="0" anchor="ctr"/>
+          <a:lstStyle/>
+          <a:p>
+            <a:pPr algn="ctr"/>
+            <a:endParaRPr lang="en-US"/>
+          </a:p>
+        </p:txBody>
+      </p:sp>
+      <p:sp>
+        <p:nvSpPr>
+          <p:cNvPr id="11" name="Arrow: Up-Down 10">
+            <a:extLst>
+              <a:ext uri="{FF2B5EF4-FFF2-40B4-BE49-F238E27FC236}">
+                <a16:creationId xmlns:a16="http://schemas.microsoft.com/office/drawing/2014/main" id="{72969B88-61C3-4281-8392-EF1AB0A32593}"/>
+              </a:ext>
+            </a:extLst>
+          </p:cNvPr>
+          <p:cNvSpPr/>
+          <p:nvPr/>
+        </p:nvSpPr>
+        <p:spPr>
+          <a:xfrm>
+            <a:off x="2943497" y="1184366"/>
+            <a:ext cx="156754" cy="300446"/>
+          </a:xfrm>
+          <a:prstGeom prst="upDownArrow">
+            <a:avLst/>
+          </a:prstGeom>
+          <a:solidFill>
+            <a:schemeClr val="bg1">
+              <a:lumMod val="65000"/>
+            </a:schemeClr>
+          </a:solidFill>
+          <a:ln>
+            <a:noFill/>
+          </a:ln>
+        </p:spPr>
+        <p:style>
+          <a:lnRef idx="2">
+            <a:schemeClr val="accent1">
+              <a:shade val="50000"/>
+            </a:schemeClr>
+          </a:lnRef>
+          <a:fillRef idx="1">
+            <a:schemeClr val="accent1"/>
+          </a:fillRef>
+          <a:effectRef idx="0">
+            <a:schemeClr val="accent1"/>
+          </a:effectRef>
+          <a:fontRef idx="minor">
+            <a:schemeClr val="lt1"/>
+          </a:fontRef>
+        </p:style>
+        <p:txBody>
+          <a:bodyPr rtlCol="0" anchor="ctr"/>
+          <a:lstStyle/>
+          <a:p>
+            <a:pPr algn="ctr"/>
+            <a:endParaRPr lang="en-US"/>
+          </a:p>
+        </p:txBody>
+      </p:sp>
+      <p:sp>
+        <p:nvSpPr>
+          <p:cNvPr id="12" name="Arrow: Up-Down 11">
+            <a:extLst>
+              <a:ext uri="{FF2B5EF4-FFF2-40B4-BE49-F238E27FC236}">
+                <a16:creationId xmlns:a16="http://schemas.microsoft.com/office/drawing/2014/main" id="{A48EE402-7629-4AFC-8A29-238CDC507672}"/>
+              </a:ext>
+            </a:extLst>
+          </p:cNvPr>
+          <p:cNvSpPr/>
+          <p:nvPr/>
+        </p:nvSpPr>
+        <p:spPr>
+          <a:xfrm>
+            <a:off x="4458789" y="1184366"/>
+            <a:ext cx="156754" cy="300446"/>
+          </a:xfrm>
+          <a:prstGeom prst="upDownArrow">
+            <a:avLst/>
+          </a:prstGeom>
+          <a:solidFill>
+            <a:schemeClr val="bg1">
+              <a:lumMod val="65000"/>
+            </a:schemeClr>
+          </a:solidFill>
+          <a:ln>
+            <a:noFill/>
+          </a:ln>
+        </p:spPr>
+        <p:style>
+          <a:lnRef idx="2">
+            <a:schemeClr val="accent1">
+              <a:shade val="50000"/>
+            </a:schemeClr>
+          </a:lnRef>
+          <a:fillRef idx="1">
+            <a:schemeClr val="accent1"/>
+          </a:fillRef>
+          <a:effectRef idx="0">
+            <a:schemeClr val="accent1"/>
+          </a:effectRef>
+          <a:fontRef idx="minor">
+            <a:schemeClr val="lt1"/>
+          </a:fontRef>
+        </p:style>
+        <p:txBody>
+          <a:bodyPr rtlCol="0" anchor="ctr"/>
+          <a:lstStyle/>
+          <a:p>
+            <a:pPr algn="ctr"/>
+            <a:endParaRPr lang="en-US"/>
+          </a:p>
+        </p:txBody>
+      </p:sp>
+      <p:sp>
+        <p:nvSpPr>
+          <p:cNvPr id="13" name="Rectangle: Rounded Corners 12">
+            <a:extLst>
+              <a:ext uri="{FF2B5EF4-FFF2-40B4-BE49-F238E27FC236}">
+                <a16:creationId xmlns:a16="http://schemas.microsoft.com/office/drawing/2014/main" id="{846D1B94-C6F7-40CD-9FF3-2A1E9B8ED539}"/>
+              </a:ext>
+            </a:extLst>
+          </p:cNvPr>
+          <p:cNvSpPr/>
+          <p:nvPr/>
+        </p:nvSpPr>
+        <p:spPr>
+          <a:xfrm>
+            <a:off x="6096000" y="252549"/>
+            <a:ext cx="1341120" cy="931817"/>
+          </a:xfrm>
+          <a:prstGeom prst="roundRect">
+            <a:avLst/>
+          </a:prstGeom>
+          <a:solidFill>
+            <a:srgbClr val="00B050"/>
+          </a:solidFill>
+        </p:spPr>
+        <p:style>
+          <a:lnRef idx="2">
+            <a:schemeClr val="accent1">
+              <a:shade val="50000"/>
+            </a:schemeClr>
+          </a:lnRef>
+          <a:fillRef idx="1">
+            <a:schemeClr val="accent1"/>
+          </a:fillRef>
+          <a:effectRef idx="0">
+            <a:schemeClr val="accent1"/>
+          </a:effectRef>
+          <a:fontRef idx="minor">
+            <a:schemeClr val="lt1"/>
+          </a:fontRef>
+        </p:style>
+        <p:txBody>
+          <a:bodyPr rtlCol="0" anchor="ctr"/>
+          <a:lstStyle/>
+          <a:p>
+            <a:pPr algn="ctr"/>
+            <a:r>
+              <a:rPr lang="en-US" sz="3000" dirty="0"/>
+              <a:t>A</a:t>
+            </a:r>
+          </a:p>
+        </p:txBody>
+      </p:sp>
+      <p:sp>
+        <p:nvSpPr>
+          <p:cNvPr id="14" name="Rectangle: Rounded Corners 13">
+            <a:extLst>
+              <a:ext uri="{FF2B5EF4-FFF2-40B4-BE49-F238E27FC236}">
+                <a16:creationId xmlns:a16="http://schemas.microsoft.com/office/drawing/2014/main" id="{6C88CBF3-CA5C-41BA-A7C9-9594A0121EF2}"/>
+              </a:ext>
+            </a:extLst>
+          </p:cNvPr>
+          <p:cNvSpPr/>
+          <p:nvPr/>
+        </p:nvSpPr>
+        <p:spPr>
+          <a:xfrm>
+            <a:off x="6096000" y="1484811"/>
+            <a:ext cx="1341120" cy="931817"/>
+          </a:xfrm>
+          <a:prstGeom prst="roundRect">
+            <a:avLst/>
+          </a:prstGeom>
+          <a:solidFill>
+            <a:srgbClr val="00B050"/>
+          </a:solidFill>
+        </p:spPr>
+        <p:style>
+          <a:lnRef idx="2">
+            <a:schemeClr val="accent1">
+              <a:shade val="50000"/>
+            </a:schemeClr>
+          </a:lnRef>
+          <a:fillRef idx="1">
+            <a:schemeClr val="accent1"/>
+          </a:fillRef>
+          <a:effectRef idx="0">
+            <a:schemeClr val="accent1"/>
+          </a:effectRef>
+          <a:fontRef idx="minor">
+            <a:schemeClr val="lt1"/>
+          </a:fontRef>
+        </p:style>
+        <p:txBody>
+          <a:bodyPr rtlCol="0" anchor="ctr"/>
+          <a:lstStyle/>
+          <a:p>
+            <a:pPr algn="ctr"/>
+            <a:r>
+              <a:rPr lang="en-US" sz="3000" dirty="0"/>
+              <a:t>A</a:t>
+            </a:r>
+          </a:p>
+        </p:txBody>
+      </p:sp>
+      <p:sp>
+        <p:nvSpPr>
+          <p:cNvPr id="18" name="Rectangle: Rounded Corners 17">
+            <a:extLst>
+              <a:ext uri="{FF2B5EF4-FFF2-40B4-BE49-F238E27FC236}">
+                <a16:creationId xmlns:a16="http://schemas.microsoft.com/office/drawing/2014/main" id="{332F0E25-7ED4-46EC-98E9-04EC2C34278D}"/>
+              </a:ext>
+            </a:extLst>
+          </p:cNvPr>
+          <p:cNvSpPr/>
+          <p:nvPr/>
+        </p:nvSpPr>
+        <p:spPr>
+          <a:xfrm>
+            <a:off x="7576457" y="248191"/>
+            <a:ext cx="1341120" cy="931817"/>
+          </a:xfrm>
+          <a:prstGeom prst="roundRect">
+            <a:avLst/>
+          </a:prstGeom>
+          <a:solidFill>
+            <a:srgbClr val="00B050"/>
+          </a:solidFill>
+        </p:spPr>
+        <p:style>
+          <a:lnRef idx="2">
+            <a:schemeClr val="accent1">
+              <a:shade val="50000"/>
+            </a:schemeClr>
+          </a:lnRef>
+          <a:fillRef idx="1">
+            <a:schemeClr val="accent1"/>
+          </a:fillRef>
+          <a:effectRef idx="0">
+            <a:schemeClr val="accent1"/>
+          </a:effectRef>
+          <a:fontRef idx="minor">
+            <a:schemeClr val="lt1"/>
+          </a:fontRef>
+        </p:style>
+        <p:txBody>
+          <a:bodyPr rtlCol="0" anchor="ctr"/>
+          <a:lstStyle/>
+          <a:p>
+            <a:pPr algn="ctr"/>
+            <a:r>
+              <a:rPr lang="en-US" sz="3000" dirty="0"/>
+              <a:t>A</a:t>
+            </a:r>
+          </a:p>
+        </p:txBody>
+      </p:sp>
+      <p:sp>
+        <p:nvSpPr>
+          <p:cNvPr id="19" name="Rectangle: Rounded Corners 18">
+            <a:extLst>
+              <a:ext uri="{FF2B5EF4-FFF2-40B4-BE49-F238E27FC236}">
+                <a16:creationId xmlns:a16="http://schemas.microsoft.com/office/drawing/2014/main" id="{F4C227B5-3478-4B00-9A5F-3B4E941FFCA6}"/>
+              </a:ext>
+            </a:extLst>
+          </p:cNvPr>
+          <p:cNvSpPr/>
+          <p:nvPr/>
+        </p:nvSpPr>
+        <p:spPr>
+          <a:xfrm>
+            <a:off x="7576457" y="1484809"/>
+            <a:ext cx="1341120" cy="931817"/>
+          </a:xfrm>
+          <a:prstGeom prst="roundRect">
+            <a:avLst/>
+          </a:prstGeom>
+          <a:solidFill>
+            <a:srgbClr val="00B050"/>
+          </a:solidFill>
+        </p:spPr>
+        <p:style>
+          <a:lnRef idx="2">
+            <a:schemeClr val="accent1">
+              <a:shade val="50000"/>
+            </a:schemeClr>
+          </a:lnRef>
+          <a:fillRef idx="1">
+            <a:schemeClr val="accent1"/>
+          </a:fillRef>
+          <a:effectRef idx="0">
+            <a:schemeClr val="accent1"/>
+          </a:effectRef>
+          <a:fontRef idx="minor">
+            <a:schemeClr val="lt1"/>
+          </a:fontRef>
+        </p:style>
+        <p:txBody>
+          <a:bodyPr rtlCol="0" anchor="ctr"/>
+          <a:lstStyle/>
+          <a:p>
+            <a:pPr algn="ctr"/>
+            <a:r>
+              <a:rPr lang="en-US" sz="3000" dirty="0"/>
+              <a:t>A</a:t>
+            </a:r>
+          </a:p>
+        </p:txBody>
+      </p:sp>
+      <p:sp>
+        <p:nvSpPr>
+          <p:cNvPr id="20" name="Rectangle: Rounded Corners 19">
+            <a:extLst>
+              <a:ext uri="{FF2B5EF4-FFF2-40B4-BE49-F238E27FC236}">
+                <a16:creationId xmlns:a16="http://schemas.microsoft.com/office/drawing/2014/main" id="{0A6ACC7A-A9CB-4609-B6A4-E49F658D7426}"/>
+              </a:ext>
+            </a:extLst>
+          </p:cNvPr>
+          <p:cNvSpPr/>
+          <p:nvPr/>
+        </p:nvSpPr>
+        <p:spPr>
+          <a:xfrm>
+            <a:off x="9056914" y="1484808"/>
+            <a:ext cx="1341120" cy="931817"/>
+          </a:xfrm>
+          <a:prstGeom prst="roundRect">
+            <a:avLst/>
+          </a:prstGeom>
+          <a:solidFill>
+            <a:srgbClr val="00B050"/>
+          </a:solidFill>
+        </p:spPr>
+        <p:style>
+          <a:lnRef idx="2">
+            <a:schemeClr val="accent1">
+              <a:shade val="50000"/>
+            </a:schemeClr>
+          </a:lnRef>
+          <a:fillRef idx="1">
+            <a:schemeClr val="accent1"/>
+          </a:fillRef>
+          <a:effectRef idx="0">
+            <a:schemeClr val="accent1"/>
+          </a:effectRef>
+          <a:fontRef idx="minor">
+            <a:schemeClr val="lt1"/>
+          </a:fontRef>
+        </p:style>
+        <p:txBody>
+          <a:bodyPr rtlCol="0" anchor="ctr"/>
+          <a:lstStyle/>
+          <a:p>
+            <a:pPr algn="ctr"/>
+            <a:r>
+              <a:rPr lang="en-US" sz="3000" dirty="0"/>
+              <a:t>A</a:t>
+            </a:r>
+          </a:p>
+        </p:txBody>
+      </p:sp>
+      <p:sp>
+        <p:nvSpPr>
+          <p:cNvPr id="21" name="Rectangle: Rounded Corners 20">
+            <a:extLst>
+              <a:ext uri="{FF2B5EF4-FFF2-40B4-BE49-F238E27FC236}">
+                <a16:creationId xmlns:a16="http://schemas.microsoft.com/office/drawing/2014/main" id="{8FEE4750-36A3-413E-99F0-4FDD10639CDE}"/>
+              </a:ext>
+            </a:extLst>
+          </p:cNvPr>
+          <p:cNvSpPr/>
+          <p:nvPr/>
+        </p:nvSpPr>
+        <p:spPr>
+          <a:xfrm>
+            <a:off x="9056914" y="248191"/>
+            <a:ext cx="1341120" cy="931817"/>
+          </a:xfrm>
+          <a:prstGeom prst="roundRect">
+            <a:avLst/>
+          </a:prstGeom>
+          <a:solidFill>
+            <a:srgbClr val="00B050"/>
+          </a:solidFill>
+        </p:spPr>
+        <p:style>
+          <a:lnRef idx="2">
+            <a:schemeClr val="accent1">
+              <a:shade val="50000"/>
+            </a:schemeClr>
+          </a:lnRef>
+          <a:fillRef idx="1">
+            <a:schemeClr val="accent1"/>
+          </a:fillRef>
+          <a:effectRef idx="0">
+            <a:schemeClr val="accent1"/>
+          </a:effectRef>
+          <a:fontRef idx="minor">
+            <a:schemeClr val="lt1"/>
+          </a:fontRef>
+        </p:style>
+        <p:txBody>
+          <a:bodyPr rtlCol="0" anchor="ctr"/>
+          <a:lstStyle/>
+          <a:p>
+            <a:pPr algn="ctr"/>
+            <a:r>
+              <a:rPr lang="en-US" sz="3000" dirty="0"/>
+              <a:t>A</a:t>
+            </a:r>
+          </a:p>
+        </p:txBody>
+      </p:sp>
+      <p:sp>
+        <p:nvSpPr>
+          <p:cNvPr id="22" name="Rectangle: Rounded Corners 21">
+            <a:extLst>
+              <a:ext uri="{FF2B5EF4-FFF2-40B4-BE49-F238E27FC236}">
+                <a16:creationId xmlns:a16="http://schemas.microsoft.com/office/drawing/2014/main" id="{D158D767-0A1C-4D0F-A778-74A5406048D2}"/>
+              </a:ext>
+            </a:extLst>
+          </p:cNvPr>
+          <p:cNvSpPr/>
+          <p:nvPr/>
+        </p:nvSpPr>
+        <p:spPr>
+          <a:xfrm>
+            <a:off x="278674" y="3509555"/>
+            <a:ext cx="3413760" cy="931817"/>
+          </a:xfrm>
+          <a:prstGeom prst="roundRect">
+            <a:avLst/>
+          </a:prstGeom>
+          <a:solidFill>
+            <a:srgbClr val="FF0000"/>
+          </a:solidFill>
+        </p:spPr>
+        <p:style>
+          <a:lnRef idx="2">
+            <a:schemeClr val="accent1">
+              <a:shade val="50000"/>
+            </a:schemeClr>
+          </a:lnRef>
+          <a:fillRef idx="1">
+            <a:schemeClr val="accent1"/>
+          </a:fillRef>
+          <a:effectRef idx="0">
+            <a:schemeClr val="accent1"/>
+          </a:effectRef>
+          <a:fontRef idx="minor">
+            <a:schemeClr val="lt1"/>
+          </a:fontRef>
+        </p:style>
+        <p:txBody>
+          <a:bodyPr rtlCol="0" anchor="ctr"/>
+          <a:lstStyle/>
+          <a:p>
+            <a:pPr algn="ctr"/>
+            <a:r>
+              <a:rPr lang="en-US" sz="3000" dirty="0"/>
+              <a:t>X</a:t>
+            </a:r>
+          </a:p>
+        </p:txBody>
+      </p:sp>
+      <p:sp>
+        <p:nvSpPr>
+          <p:cNvPr id="23" name="Rectangle: Rounded Corners 22">
+            <a:extLst>
+              <a:ext uri="{FF2B5EF4-FFF2-40B4-BE49-F238E27FC236}">
+                <a16:creationId xmlns:a16="http://schemas.microsoft.com/office/drawing/2014/main" id="{D6FC9BC5-BCFC-4FD5-8797-ACF6F831AEAA}"/>
+              </a:ext>
+            </a:extLst>
+          </p:cNvPr>
+          <p:cNvSpPr/>
+          <p:nvPr/>
+        </p:nvSpPr>
+        <p:spPr>
+          <a:xfrm>
+            <a:off x="3866606" y="3509555"/>
+            <a:ext cx="1341120" cy="931817"/>
+          </a:xfrm>
+          <a:prstGeom prst="roundRect">
+            <a:avLst/>
+          </a:prstGeom>
+          <a:solidFill>
+            <a:srgbClr val="FF0000"/>
+          </a:solidFill>
+        </p:spPr>
+        <p:style>
+          <a:lnRef idx="2">
+            <a:schemeClr val="accent1">
+              <a:shade val="50000"/>
+            </a:schemeClr>
+          </a:lnRef>
+          <a:fillRef idx="1">
+            <a:schemeClr val="accent1"/>
+          </a:fillRef>
+          <a:effectRef idx="0">
+            <a:schemeClr val="accent1"/>
+          </a:effectRef>
+          <a:fontRef idx="minor">
+            <a:schemeClr val="lt1"/>
+          </a:fontRef>
+        </p:style>
+        <p:txBody>
+          <a:bodyPr rtlCol="0" anchor="ctr"/>
+          <a:lstStyle/>
+          <a:p>
+            <a:pPr algn="ctr"/>
+            <a:r>
+              <a:rPr lang="en-US" sz="3000" dirty="0"/>
+              <a:t>X</a:t>
+            </a:r>
+          </a:p>
+        </p:txBody>
+      </p:sp>
+      <p:sp>
+        <p:nvSpPr>
+          <p:cNvPr id="27" name="Arrow: Up-Down 26">
+            <a:extLst>
+              <a:ext uri="{FF2B5EF4-FFF2-40B4-BE49-F238E27FC236}">
+                <a16:creationId xmlns:a16="http://schemas.microsoft.com/office/drawing/2014/main" id="{9CBEA8A9-5DAE-42A1-B61E-1942D5B0D7DF}"/>
+              </a:ext>
+            </a:extLst>
+          </p:cNvPr>
+          <p:cNvSpPr/>
+          <p:nvPr/>
+        </p:nvSpPr>
+        <p:spPr>
+          <a:xfrm>
+            <a:off x="870857" y="4441372"/>
+            <a:ext cx="156754" cy="300446"/>
+          </a:xfrm>
+          <a:prstGeom prst="upDownArrow">
+            <a:avLst/>
+          </a:prstGeom>
+          <a:solidFill>
+            <a:schemeClr val="bg1">
+              <a:lumMod val="65000"/>
+            </a:schemeClr>
+          </a:solidFill>
+          <a:ln>
+            <a:noFill/>
+          </a:ln>
+        </p:spPr>
+        <p:style>
+          <a:lnRef idx="2">
+            <a:schemeClr val="accent1">
+              <a:shade val="50000"/>
+            </a:schemeClr>
+          </a:lnRef>
+          <a:fillRef idx="1">
+            <a:schemeClr val="accent1"/>
+          </a:fillRef>
+          <a:effectRef idx="0">
+            <a:schemeClr val="accent1"/>
+          </a:effectRef>
+          <a:fontRef idx="minor">
+            <a:schemeClr val="lt1"/>
+          </a:fontRef>
+        </p:style>
+        <p:txBody>
+          <a:bodyPr rtlCol="0" anchor="ctr"/>
+          <a:lstStyle/>
+          <a:p>
+            <a:pPr algn="ctr"/>
+            <a:endParaRPr lang="en-US"/>
+          </a:p>
+        </p:txBody>
+      </p:sp>
+      <p:sp>
+        <p:nvSpPr>
+          <p:cNvPr id="28" name="Arrow: Up-Down 27">
+            <a:extLst>
+              <a:ext uri="{FF2B5EF4-FFF2-40B4-BE49-F238E27FC236}">
+                <a16:creationId xmlns:a16="http://schemas.microsoft.com/office/drawing/2014/main" id="{1B33E49B-6E71-4C4F-8715-B96810174DAA}"/>
+              </a:ext>
+            </a:extLst>
+          </p:cNvPr>
+          <p:cNvSpPr/>
+          <p:nvPr/>
+        </p:nvSpPr>
+        <p:spPr>
+          <a:xfrm>
+            <a:off x="2943497" y="4441372"/>
+            <a:ext cx="156754" cy="300446"/>
+          </a:xfrm>
+          <a:prstGeom prst="upDownArrow">
+            <a:avLst/>
+          </a:prstGeom>
+          <a:solidFill>
+            <a:schemeClr val="bg1">
+              <a:lumMod val="65000"/>
+            </a:schemeClr>
+          </a:solidFill>
+          <a:ln>
+            <a:noFill/>
+          </a:ln>
+        </p:spPr>
+        <p:style>
+          <a:lnRef idx="2">
+            <a:schemeClr val="accent1">
+              <a:shade val="50000"/>
+            </a:schemeClr>
+          </a:lnRef>
+          <a:fillRef idx="1">
+            <a:schemeClr val="accent1"/>
+          </a:fillRef>
+          <a:effectRef idx="0">
+            <a:schemeClr val="accent1"/>
+          </a:effectRef>
+          <a:fontRef idx="minor">
+            <a:schemeClr val="lt1"/>
+          </a:fontRef>
+        </p:style>
+        <p:txBody>
+          <a:bodyPr rtlCol="0" anchor="ctr"/>
+          <a:lstStyle/>
+          <a:p>
+            <a:pPr algn="ctr"/>
+            <a:endParaRPr lang="en-US"/>
+          </a:p>
+        </p:txBody>
+      </p:sp>
+      <p:sp>
+        <p:nvSpPr>
+          <p:cNvPr id="29" name="Arrow: Up-Down 28">
+            <a:extLst>
+              <a:ext uri="{FF2B5EF4-FFF2-40B4-BE49-F238E27FC236}">
+                <a16:creationId xmlns:a16="http://schemas.microsoft.com/office/drawing/2014/main" id="{C0A0BA50-C070-49C6-8B38-6A39CD790745}"/>
+              </a:ext>
+            </a:extLst>
+          </p:cNvPr>
+          <p:cNvSpPr/>
+          <p:nvPr/>
+        </p:nvSpPr>
+        <p:spPr>
+          <a:xfrm>
+            <a:off x="4458789" y="4441372"/>
+            <a:ext cx="156754" cy="300446"/>
+          </a:xfrm>
+          <a:prstGeom prst="upDownArrow">
+            <a:avLst/>
+          </a:prstGeom>
+          <a:solidFill>
+            <a:schemeClr val="bg1">
+              <a:lumMod val="65000"/>
+            </a:schemeClr>
+          </a:solidFill>
+          <a:ln>
+            <a:noFill/>
+          </a:ln>
+        </p:spPr>
+        <p:style>
+          <a:lnRef idx="2">
+            <a:schemeClr val="accent1">
+              <a:shade val="50000"/>
+            </a:schemeClr>
+          </a:lnRef>
+          <a:fillRef idx="1">
+            <a:schemeClr val="accent1"/>
+          </a:fillRef>
+          <a:effectRef idx="0">
+            <a:schemeClr val="accent1"/>
+          </a:effectRef>
+          <a:fontRef idx="minor">
+            <a:schemeClr val="lt1"/>
+          </a:fontRef>
+        </p:style>
+        <p:txBody>
+          <a:bodyPr rtlCol="0" anchor="ctr"/>
+          <a:lstStyle/>
+          <a:p>
+            <a:pPr algn="ctr"/>
+            <a:endParaRPr lang="en-US"/>
+          </a:p>
+        </p:txBody>
+      </p:sp>
+      <p:sp>
+        <p:nvSpPr>
+          <p:cNvPr id="30" name="Rectangle: Rounded Corners 29">
+            <a:extLst>
+              <a:ext uri="{FF2B5EF4-FFF2-40B4-BE49-F238E27FC236}">
+                <a16:creationId xmlns:a16="http://schemas.microsoft.com/office/drawing/2014/main" id="{2AB36008-D80A-4D6C-AE49-DCC7E240D0FE}"/>
+              </a:ext>
+            </a:extLst>
+          </p:cNvPr>
+          <p:cNvSpPr/>
+          <p:nvPr/>
+        </p:nvSpPr>
+        <p:spPr>
+          <a:xfrm>
+            <a:off x="6096000" y="3509555"/>
+            <a:ext cx="1341120" cy="931817"/>
+          </a:xfrm>
+          <a:prstGeom prst="roundRect">
+            <a:avLst/>
+          </a:prstGeom>
+          <a:solidFill>
+            <a:srgbClr val="00B050"/>
+          </a:solidFill>
+        </p:spPr>
+        <p:style>
+          <a:lnRef idx="2">
+            <a:schemeClr val="accent1">
+              <a:shade val="50000"/>
+            </a:schemeClr>
+          </a:lnRef>
+          <a:fillRef idx="1">
+            <a:schemeClr val="accent1"/>
+          </a:fillRef>
+          <a:effectRef idx="0">
+            <a:schemeClr val="accent1"/>
+          </a:effectRef>
+          <a:fontRef idx="minor">
+            <a:schemeClr val="lt1"/>
+          </a:fontRef>
+        </p:style>
+        <p:txBody>
+          <a:bodyPr rtlCol="0" anchor="ctr"/>
+          <a:lstStyle/>
+          <a:p>
+            <a:pPr algn="ctr"/>
+            <a:r>
+              <a:rPr lang="en-US" sz="3000" dirty="0"/>
+              <a:t>A</a:t>
+            </a:r>
+          </a:p>
+        </p:txBody>
+      </p:sp>
+      <p:sp>
+        <p:nvSpPr>
+          <p:cNvPr id="31" name="Rectangle: Rounded Corners 30">
+            <a:extLst>
+              <a:ext uri="{FF2B5EF4-FFF2-40B4-BE49-F238E27FC236}">
+                <a16:creationId xmlns:a16="http://schemas.microsoft.com/office/drawing/2014/main" id="{C869C7D5-EFC4-4C61-9552-2AE8B70E5E91}"/>
+              </a:ext>
+            </a:extLst>
+          </p:cNvPr>
+          <p:cNvSpPr/>
+          <p:nvPr/>
+        </p:nvSpPr>
+        <p:spPr>
+          <a:xfrm>
+            <a:off x="6096000" y="4741817"/>
+            <a:ext cx="1341120" cy="931817"/>
+          </a:xfrm>
+          <a:prstGeom prst="roundRect">
+            <a:avLst/>
+          </a:prstGeom>
+          <a:solidFill>
+            <a:srgbClr val="00B050"/>
+          </a:solidFill>
+        </p:spPr>
+        <p:style>
+          <a:lnRef idx="2">
+            <a:schemeClr val="accent1">
+              <a:shade val="50000"/>
+            </a:schemeClr>
+          </a:lnRef>
+          <a:fillRef idx="1">
+            <a:schemeClr val="accent1"/>
+          </a:fillRef>
+          <a:effectRef idx="0">
+            <a:schemeClr val="accent1"/>
+          </a:effectRef>
+          <a:fontRef idx="minor">
+            <a:schemeClr val="lt1"/>
+          </a:fontRef>
+        </p:style>
+        <p:txBody>
+          <a:bodyPr rtlCol="0" anchor="ctr"/>
+          <a:lstStyle/>
+          <a:p>
+            <a:pPr algn="ctr"/>
+            <a:r>
+              <a:rPr lang="en-US" sz="3000" dirty="0"/>
+              <a:t>A</a:t>
+            </a:r>
+          </a:p>
+        </p:txBody>
+      </p:sp>
+      <p:sp>
+        <p:nvSpPr>
+          <p:cNvPr id="32" name="Rectangle: Rounded Corners 31">
+            <a:extLst>
+              <a:ext uri="{FF2B5EF4-FFF2-40B4-BE49-F238E27FC236}">
+                <a16:creationId xmlns:a16="http://schemas.microsoft.com/office/drawing/2014/main" id="{10304AAE-3059-4CE3-A212-859AC25556E7}"/>
+              </a:ext>
+            </a:extLst>
+          </p:cNvPr>
+          <p:cNvSpPr/>
+          <p:nvPr/>
+        </p:nvSpPr>
+        <p:spPr>
+          <a:xfrm>
+            <a:off x="7576457" y="3505197"/>
+            <a:ext cx="1341120" cy="931817"/>
+          </a:xfrm>
+          <a:prstGeom prst="roundRect">
+            <a:avLst/>
+          </a:prstGeom>
+          <a:solidFill>
+            <a:srgbClr val="00B050"/>
+          </a:solidFill>
+        </p:spPr>
+        <p:style>
+          <a:lnRef idx="2">
+            <a:schemeClr val="accent1">
+              <a:shade val="50000"/>
+            </a:schemeClr>
+          </a:lnRef>
+          <a:fillRef idx="1">
+            <a:schemeClr val="accent1"/>
+          </a:fillRef>
+          <a:effectRef idx="0">
+            <a:schemeClr val="accent1"/>
+          </a:effectRef>
+          <a:fontRef idx="minor">
+            <a:schemeClr val="lt1"/>
+          </a:fontRef>
+        </p:style>
+        <p:txBody>
+          <a:bodyPr rtlCol="0" anchor="ctr"/>
+          <a:lstStyle/>
+          <a:p>
+            <a:pPr algn="ctr"/>
+            <a:r>
+              <a:rPr lang="en-US" sz="3000" dirty="0"/>
+              <a:t>A</a:t>
+            </a:r>
+          </a:p>
+        </p:txBody>
+      </p:sp>
+      <p:sp>
+        <p:nvSpPr>
+          <p:cNvPr id="33" name="Rectangle: Rounded Corners 32">
+            <a:extLst>
+              <a:ext uri="{FF2B5EF4-FFF2-40B4-BE49-F238E27FC236}">
+                <a16:creationId xmlns:a16="http://schemas.microsoft.com/office/drawing/2014/main" id="{DBFE5110-7A78-43BB-89A4-9AB29070120D}"/>
+              </a:ext>
+            </a:extLst>
+          </p:cNvPr>
+          <p:cNvSpPr/>
+          <p:nvPr/>
+        </p:nvSpPr>
+        <p:spPr>
+          <a:xfrm>
+            <a:off x="7576457" y="4741815"/>
+            <a:ext cx="1341120" cy="931817"/>
+          </a:xfrm>
+          <a:prstGeom prst="roundRect">
+            <a:avLst/>
+          </a:prstGeom>
+          <a:solidFill>
+            <a:srgbClr val="00B050"/>
+          </a:solidFill>
+        </p:spPr>
+        <p:style>
+          <a:lnRef idx="2">
+            <a:schemeClr val="accent1">
+              <a:shade val="50000"/>
+            </a:schemeClr>
+          </a:lnRef>
+          <a:fillRef idx="1">
+            <a:schemeClr val="accent1"/>
+          </a:fillRef>
+          <a:effectRef idx="0">
+            <a:schemeClr val="accent1"/>
+          </a:effectRef>
+          <a:fontRef idx="minor">
+            <a:schemeClr val="lt1"/>
+          </a:fontRef>
+        </p:style>
+        <p:txBody>
+          <a:bodyPr rtlCol="0" anchor="ctr"/>
+          <a:lstStyle/>
+          <a:p>
+            <a:pPr algn="ctr"/>
+            <a:r>
+              <a:rPr lang="en-US" sz="3000" dirty="0"/>
+              <a:t>A</a:t>
+            </a:r>
+          </a:p>
+        </p:txBody>
+      </p:sp>
+      <p:sp>
+        <p:nvSpPr>
+          <p:cNvPr id="34" name="Rectangle: Rounded Corners 33">
+            <a:extLst>
+              <a:ext uri="{FF2B5EF4-FFF2-40B4-BE49-F238E27FC236}">
+                <a16:creationId xmlns:a16="http://schemas.microsoft.com/office/drawing/2014/main" id="{42779B6C-7AAA-487F-84C0-E9907A3F7486}"/>
+              </a:ext>
+            </a:extLst>
+          </p:cNvPr>
+          <p:cNvSpPr/>
+          <p:nvPr/>
+        </p:nvSpPr>
+        <p:spPr>
+          <a:xfrm>
+            <a:off x="9056914" y="4741814"/>
+            <a:ext cx="1341120" cy="931817"/>
+          </a:xfrm>
+          <a:prstGeom prst="roundRect">
+            <a:avLst/>
+          </a:prstGeom>
+          <a:solidFill>
+            <a:srgbClr val="00B050"/>
+          </a:solidFill>
+        </p:spPr>
+        <p:style>
+          <a:lnRef idx="2">
+            <a:schemeClr val="accent1">
+              <a:shade val="50000"/>
+            </a:schemeClr>
+          </a:lnRef>
+          <a:fillRef idx="1">
+            <a:schemeClr val="accent1"/>
+          </a:fillRef>
+          <a:effectRef idx="0">
+            <a:schemeClr val="accent1"/>
+          </a:effectRef>
+          <a:fontRef idx="minor">
+            <a:schemeClr val="lt1"/>
+          </a:fontRef>
+        </p:style>
+        <p:txBody>
+          <a:bodyPr rtlCol="0" anchor="ctr"/>
+          <a:lstStyle/>
+          <a:p>
+            <a:pPr algn="ctr"/>
+            <a:r>
+              <a:rPr lang="en-US" sz="3000" dirty="0"/>
+              <a:t>A</a:t>
+            </a:r>
+          </a:p>
+        </p:txBody>
+      </p:sp>
+      <p:sp>
+        <p:nvSpPr>
+          <p:cNvPr id="35" name="Rectangle: Rounded Corners 34">
+            <a:extLst>
+              <a:ext uri="{FF2B5EF4-FFF2-40B4-BE49-F238E27FC236}">
+                <a16:creationId xmlns:a16="http://schemas.microsoft.com/office/drawing/2014/main" id="{5FA23064-BFDD-4EB7-934E-E7485EF53F78}"/>
+              </a:ext>
+            </a:extLst>
+          </p:cNvPr>
+          <p:cNvSpPr/>
+          <p:nvPr/>
+        </p:nvSpPr>
+        <p:spPr>
+          <a:xfrm>
+            <a:off x="9056914" y="3505197"/>
+            <a:ext cx="1341120" cy="931817"/>
+          </a:xfrm>
+          <a:prstGeom prst="roundRect">
+            <a:avLst/>
+          </a:prstGeom>
+          <a:solidFill>
+            <a:srgbClr val="00B050"/>
+          </a:solidFill>
+        </p:spPr>
+        <p:style>
+          <a:lnRef idx="2">
+            <a:schemeClr val="accent1">
+              <a:shade val="50000"/>
+            </a:schemeClr>
+          </a:lnRef>
+          <a:fillRef idx="1">
+            <a:schemeClr val="accent1"/>
+          </a:fillRef>
+          <a:effectRef idx="0">
+            <a:schemeClr val="accent1"/>
+          </a:effectRef>
+          <a:fontRef idx="minor">
+            <a:schemeClr val="lt1"/>
+          </a:fontRef>
+        </p:style>
+        <p:txBody>
+          <a:bodyPr rtlCol="0" anchor="ctr"/>
+          <a:lstStyle/>
+          <a:p>
+            <a:pPr algn="ctr"/>
+            <a:r>
+              <a:rPr lang="en-US" sz="3000" dirty="0"/>
+              <a:t>A</a:t>
+            </a:r>
+          </a:p>
+        </p:txBody>
+      </p:sp>
+      <p:sp>
+        <p:nvSpPr>
+          <p:cNvPr id="36" name="Multiplication Sign 35">
+            <a:extLst>
+              <a:ext uri="{FF2B5EF4-FFF2-40B4-BE49-F238E27FC236}">
+                <a16:creationId xmlns:a16="http://schemas.microsoft.com/office/drawing/2014/main" id="{F50D53ED-9B59-442D-948A-AB28DD17C1EF}"/>
+              </a:ext>
+            </a:extLst>
+          </p:cNvPr>
+          <p:cNvSpPr/>
+          <p:nvPr/>
+        </p:nvSpPr>
+        <p:spPr>
+          <a:xfrm>
+            <a:off x="1018539" y="3010566"/>
+            <a:ext cx="1915886" cy="1921078"/>
+          </a:xfrm>
+          <a:prstGeom prst="mathMultiply">
+            <a:avLst/>
+          </a:prstGeom>
+          <a:solidFill>
+            <a:schemeClr val="tx1"/>
+          </a:solidFill>
+          <a:ln>
+            <a:noFill/>
+          </a:ln>
+        </p:spPr>
+        <p:style>
+          <a:lnRef idx="2">
+            <a:schemeClr val="accent1">
+              <a:shade val="50000"/>
+            </a:schemeClr>
+          </a:lnRef>
+          <a:fillRef idx="1">
+            <a:schemeClr val="accent1"/>
+          </a:fillRef>
+          <a:effectRef idx="0">
+            <a:schemeClr val="accent1"/>
+          </a:effectRef>
+          <a:fontRef idx="minor">
+            <a:schemeClr val="lt1"/>
+          </a:fontRef>
+        </p:style>
+        <p:txBody>
+          <a:bodyPr rtlCol="0" anchor="ctr"/>
+          <a:lstStyle/>
+          <a:p>
+            <a:pPr algn="ctr"/>
+            <a:endParaRPr lang="en-US" dirty="0"/>
+          </a:p>
+        </p:txBody>
+      </p:sp>
+      <p:sp>
+        <p:nvSpPr>
+          <p:cNvPr id="40" name="TextBox 39">
+            <a:extLst>
+              <a:ext uri="{FF2B5EF4-FFF2-40B4-BE49-F238E27FC236}">
+                <a16:creationId xmlns:a16="http://schemas.microsoft.com/office/drawing/2014/main" id="{35452F7F-B3D5-42D2-902E-C98E34F12C7E}"/>
+              </a:ext>
+            </a:extLst>
+          </p:cNvPr>
+          <p:cNvSpPr txBox="1"/>
+          <p:nvPr/>
+        </p:nvSpPr>
+        <p:spPr>
+          <a:xfrm>
+            <a:off x="10537371" y="942174"/>
+            <a:ext cx="1132041" cy="784830"/>
+          </a:xfrm>
+          <a:prstGeom prst="rect">
+            <a:avLst/>
+          </a:prstGeom>
+          <a:noFill/>
+        </p:spPr>
+        <p:txBody>
+          <a:bodyPr wrap="none" rtlCol="0">
+            <a:spAutoFit/>
+          </a:bodyPr>
+          <a:lstStyle/>
+          <a:p>
+            <a:r>
+              <a:rPr lang="en-US" sz="4500" dirty="0"/>
+              <a:t>P(X)</a:t>
+            </a:r>
+          </a:p>
+        </p:txBody>
+      </p:sp>
+      <p:sp>
+        <p:nvSpPr>
+          <p:cNvPr id="41" name="TextBox 40">
+            <a:extLst>
+              <a:ext uri="{FF2B5EF4-FFF2-40B4-BE49-F238E27FC236}">
+                <a16:creationId xmlns:a16="http://schemas.microsoft.com/office/drawing/2014/main" id="{1220067B-FD50-468E-BADF-E132DA50D9AC}"/>
+              </a:ext>
+            </a:extLst>
+          </p:cNvPr>
+          <p:cNvSpPr txBox="1"/>
+          <p:nvPr/>
+        </p:nvSpPr>
+        <p:spPr>
+          <a:xfrm>
+            <a:off x="10537370" y="4199180"/>
+            <a:ext cx="1697901" cy="784830"/>
+          </a:xfrm>
+          <a:prstGeom prst="rect">
+            <a:avLst/>
+          </a:prstGeom>
+          <a:noFill/>
+        </p:spPr>
+        <p:txBody>
+          <a:bodyPr wrap="none" rtlCol="0">
+            <a:spAutoFit/>
+          </a:bodyPr>
+          <a:lstStyle/>
+          <a:p>
+            <a:r>
+              <a:rPr lang="en-US" sz="4500" dirty="0"/>
+              <a:t>P(X|X)</a:t>
+            </a:r>
+          </a:p>
+        </p:txBody>
+      </p:sp>
+      <p:sp>
+        <p:nvSpPr>
+          <p:cNvPr id="42" name="Arrow: Up-Down 41">
+            <a:extLst>
+              <a:ext uri="{FF2B5EF4-FFF2-40B4-BE49-F238E27FC236}">
+                <a16:creationId xmlns:a16="http://schemas.microsoft.com/office/drawing/2014/main" id="{C6C68A54-9302-4B73-9D3F-82E2BCE46918}"/>
+              </a:ext>
+            </a:extLst>
+          </p:cNvPr>
+          <p:cNvSpPr/>
+          <p:nvPr/>
+        </p:nvSpPr>
+        <p:spPr>
+          <a:xfrm>
+            <a:off x="6693615" y="1184366"/>
+            <a:ext cx="156754" cy="300446"/>
+          </a:xfrm>
+          <a:prstGeom prst="upDownArrow">
+            <a:avLst/>
+          </a:prstGeom>
+          <a:solidFill>
+            <a:schemeClr val="bg1">
+              <a:lumMod val="65000"/>
+            </a:schemeClr>
+          </a:solidFill>
+          <a:ln>
+            <a:noFill/>
+          </a:ln>
+        </p:spPr>
+        <p:style>
+          <a:lnRef idx="2">
+            <a:schemeClr val="accent1">
+              <a:shade val="50000"/>
+            </a:schemeClr>
+          </a:lnRef>
+          <a:fillRef idx="1">
+            <a:schemeClr val="accent1"/>
+          </a:fillRef>
+          <a:effectRef idx="0">
+            <a:schemeClr val="accent1"/>
+          </a:effectRef>
+          <a:fontRef idx="minor">
+            <a:schemeClr val="lt1"/>
+          </a:fontRef>
+        </p:style>
+        <p:txBody>
+          <a:bodyPr rtlCol="0" anchor="ctr"/>
+          <a:lstStyle/>
+          <a:p>
+            <a:pPr algn="ctr"/>
+            <a:endParaRPr lang="en-US"/>
+          </a:p>
+        </p:txBody>
+      </p:sp>
+      <p:sp>
+        <p:nvSpPr>
+          <p:cNvPr id="43" name="Arrow: Up-Down 42">
+            <a:extLst>
+              <a:ext uri="{FF2B5EF4-FFF2-40B4-BE49-F238E27FC236}">
+                <a16:creationId xmlns:a16="http://schemas.microsoft.com/office/drawing/2014/main" id="{17CB07AB-169F-4952-9D9B-A19667E8B69C}"/>
+              </a:ext>
+            </a:extLst>
+          </p:cNvPr>
+          <p:cNvSpPr/>
+          <p:nvPr/>
+        </p:nvSpPr>
+        <p:spPr>
+          <a:xfrm>
+            <a:off x="8168640" y="1180008"/>
+            <a:ext cx="156754" cy="300446"/>
+          </a:xfrm>
+          <a:prstGeom prst="upDownArrow">
+            <a:avLst/>
+          </a:prstGeom>
+          <a:solidFill>
+            <a:schemeClr val="bg1">
+              <a:lumMod val="65000"/>
+            </a:schemeClr>
+          </a:solidFill>
+          <a:ln>
+            <a:noFill/>
+          </a:ln>
+        </p:spPr>
+        <p:style>
+          <a:lnRef idx="2">
+            <a:schemeClr val="accent1">
+              <a:shade val="50000"/>
+            </a:schemeClr>
+          </a:lnRef>
+          <a:fillRef idx="1">
+            <a:schemeClr val="accent1"/>
+          </a:fillRef>
+          <a:effectRef idx="0">
+            <a:schemeClr val="accent1"/>
+          </a:effectRef>
+          <a:fontRef idx="minor">
+            <a:schemeClr val="lt1"/>
+          </a:fontRef>
+        </p:style>
+        <p:txBody>
+          <a:bodyPr rtlCol="0" anchor="ctr"/>
+          <a:lstStyle/>
+          <a:p>
+            <a:pPr algn="ctr"/>
+            <a:endParaRPr lang="en-US"/>
+          </a:p>
+        </p:txBody>
+      </p:sp>
+      <p:sp>
+        <p:nvSpPr>
+          <p:cNvPr id="44" name="Arrow: Up-Down 43">
+            <a:extLst>
+              <a:ext uri="{FF2B5EF4-FFF2-40B4-BE49-F238E27FC236}">
+                <a16:creationId xmlns:a16="http://schemas.microsoft.com/office/drawing/2014/main" id="{C1181C6C-E184-4C27-A5ED-0E50F1E2B683}"/>
+              </a:ext>
+            </a:extLst>
+          </p:cNvPr>
+          <p:cNvSpPr/>
+          <p:nvPr/>
+        </p:nvSpPr>
+        <p:spPr>
+          <a:xfrm>
+            <a:off x="9643665" y="1180008"/>
+            <a:ext cx="156754" cy="300446"/>
+          </a:xfrm>
+          <a:prstGeom prst="upDownArrow">
+            <a:avLst/>
+          </a:prstGeom>
+          <a:solidFill>
+            <a:schemeClr val="bg1">
+              <a:lumMod val="65000"/>
+            </a:schemeClr>
+          </a:solidFill>
+          <a:ln>
+            <a:noFill/>
+          </a:ln>
+        </p:spPr>
+        <p:style>
+          <a:lnRef idx="2">
+            <a:schemeClr val="accent1">
+              <a:shade val="50000"/>
+            </a:schemeClr>
+          </a:lnRef>
+          <a:fillRef idx="1">
+            <a:schemeClr val="accent1"/>
+          </a:fillRef>
+          <a:effectRef idx="0">
+            <a:schemeClr val="accent1"/>
+          </a:effectRef>
+          <a:fontRef idx="minor">
+            <a:schemeClr val="lt1"/>
+          </a:fontRef>
+        </p:style>
+        <p:txBody>
+          <a:bodyPr rtlCol="0" anchor="ctr"/>
+          <a:lstStyle/>
+          <a:p>
+            <a:pPr algn="ctr"/>
+            <a:endParaRPr lang="en-US"/>
+          </a:p>
+        </p:txBody>
+      </p:sp>
+      <p:sp>
+        <p:nvSpPr>
+          <p:cNvPr id="45" name="Arrow: Up-Down 44">
+            <a:extLst>
+              <a:ext uri="{FF2B5EF4-FFF2-40B4-BE49-F238E27FC236}">
+                <a16:creationId xmlns:a16="http://schemas.microsoft.com/office/drawing/2014/main" id="{F6B0F8FC-75B2-49B0-BEF2-839DB53932F9}"/>
+              </a:ext>
+            </a:extLst>
+          </p:cNvPr>
+          <p:cNvSpPr/>
+          <p:nvPr/>
+        </p:nvSpPr>
+        <p:spPr>
+          <a:xfrm>
+            <a:off x="6688183" y="4437014"/>
+            <a:ext cx="156754" cy="300446"/>
+          </a:xfrm>
+          <a:prstGeom prst="upDownArrow">
+            <a:avLst/>
+          </a:prstGeom>
+          <a:solidFill>
+            <a:schemeClr val="bg1">
+              <a:lumMod val="65000"/>
+            </a:schemeClr>
+          </a:solidFill>
+          <a:ln>
+            <a:noFill/>
+          </a:ln>
+        </p:spPr>
+        <p:style>
+          <a:lnRef idx="2">
+            <a:schemeClr val="accent1">
+              <a:shade val="50000"/>
+            </a:schemeClr>
+          </a:lnRef>
+          <a:fillRef idx="1">
+            <a:schemeClr val="accent1"/>
+          </a:fillRef>
+          <a:effectRef idx="0">
+            <a:schemeClr val="accent1"/>
+          </a:effectRef>
+          <a:fontRef idx="minor">
+            <a:schemeClr val="lt1"/>
+          </a:fontRef>
+        </p:style>
+        <p:txBody>
+          <a:bodyPr rtlCol="0" anchor="ctr"/>
+          <a:lstStyle/>
+          <a:p>
+            <a:pPr algn="ctr"/>
+            <a:endParaRPr lang="en-US"/>
+          </a:p>
+        </p:txBody>
+      </p:sp>
+      <p:sp>
+        <p:nvSpPr>
+          <p:cNvPr id="46" name="Arrow: Up-Down 45">
+            <a:extLst>
+              <a:ext uri="{FF2B5EF4-FFF2-40B4-BE49-F238E27FC236}">
+                <a16:creationId xmlns:a16="http://schemas.microsoft.com/office/drawing/2014/main" id="{D899EB01-75EF-4A96-A6C6-12D19260CA1A}"/>
+              </a:ext>
+            </a:extLst>
+          </p:cNvPr>
+          <p:cNvSpPr/>
+          <p:nvPr/>
+        </p:nvSpPr>
+        <p:spPr>
+          <a:xfrm>
+            <a:off x="8168640" y="4437014"/>
+            <a:ext cx="156754" cy="300446"/>
+          </a:xfrm>
+          <a:prstGeom prst="upDownArrow">
+            <a:avLst/>
+          </a:prstGeom>
+          <a:solidFill>
+            <a:schemeClr val="bg1">
+              <a:lumMod val="65000"/>
+            </a:schemeClr>
+          </a:solidFill>
+          <a:ln>
+            <a:noFill/>
+          </a:ln>
+        </p:spPr>
+        <p:style>
+          <a:lnRef idx="2">
+            <a:schemeClr val="accent1">
+              <a:shade val="50000"/>
+            </a:schemeClr>
+          </a:lnRef>
+          <a:fillRef idx="1">
+            <a:schemeClr val="accent1"/>
+          </a:fillRef>
+          <a:effectRef idx="0">
+            <a:schemeClr val="accent1"/>
+          </a:effectRef>
+          <a:fontRef idx="minor">
+            <a:schemeClr val="lt1"/>
+          </a:fontRef>
+        </p:style>
+        <p:txBody>
+          <a:bodyPr rtlCol="0" anchor="ctr"/>
+          <a:lstStyle/>
+          <a:p>
+            <a:pPr algn="ctr"/>
+            <a:endParaRPr lang="en-US"/>
+          </a:p>
+        </p:txBody>
+      </p:sp>
+      <p:sp>
+        <p:nvSpPr>
+          <p:cNvPr id="47" name="Arrow: Up-Down 46">
+            <a:extLst>
+              <a:ext uri="{FF2B5EF4-FFF2-40B4-BE49-F238E27FC236}">
+                <a16:creationId xmlns:a16="http://schemas.microsoft.com/office/drawing/2014/main" id="{81F10637-D98B-4255-A64D-1EB5A4E0EFA0}"/>
+              </a:ext>
+            </a:extLst>
+          </p:cNvPr>
+          <p:cNvSpPr/>
+          <p:nvPr/>
+        </p:nvSpPr>
+        <p:spPr>
+          <a:xfrm>
+            <a:off x="9642867" y="4437014"/>
+            <a:ext cx="156754" cy="300446"/>
+          </a:xfrm>
+          <a:prstGeom prst="upDownArrow">
+            <a:avLst/>
+          </a:prstGeom>
+          <a:solidFill>
+            <a:schemeClr val="bg1">
+              <a:lumMod val="65000"/>
+            </a:schemeClr>
+          </a:solidFill>
+          <a:ln>
+            <a:noFill/>
+          </a:ln>
+        </p:spPr>
+        <p:style>
+          <a:lnRef idx="2">
+            <a:schemeClr val="accent1">
+              <a:shade val="50000"/>
+            </a:schemeClr>
+          </a:lnRef>
+          <a:fillRef idx="1">
+            <a:schemeClr val="accent1"/>
+          </a:fillRef>
+          <a:effectRef idx="0">
+            <a:schemeClr val="accent1"/>
+          </a:effectRef>
+          <a:fontRef idx="minor">
+            <a:schemeClr val="lt1"/>
+          </a:fontRef>
+        </p:style>
+        <p:txBody>
+          <a:bodyPr rtlCol="0" anchor="ctr"/>
+          <a:lstStyle/>
+          <a:p>
+            <a:pPr algn="ctr"/>
+            <a:endParaRPr lang="en-US"/>
+          </a:p>
+        </p:txBody>
+      </p:sp>
+      <p:sp>
+        <p:nvSpPr>
+          <p:cNvPr id="48" name="Rectangle: Rounded Corners 47">
+            <a:extLst>
+              <a:ext uri="{FF2B5EF4-FFF2-40B4-BE49-F238E27FC236}">
+                <a16:creationId xmlns:a16="http://schemas.microsoft.com/office/drawing/2014/main" id="{119DD6E7-036C-4FB6-911E-8B068011C83E}"/>
+              </a:ext>
+            </a:extLst>
+          </p:cNvPr>
+          <p:cNvSpPr/>
+          <p:nvPr/>
+        </p:nvSpPr>
+        <p:spPr>
+          <a:xfrm>
+            <a:off x="278674" y="1484808"/>
+            <a:ext cx="3413760" cy="931817"/>
+          </a:xfrm>
+          <a:prstGeom prst="roundRect">
+            <a:avLst/>
+          </a:prstGeom>
+          <a:solidFill>
+            <a:srgbClr val="FF0000"/>
+          </a:solidFill>
+        </p:spPr>
+        <p:style>
+          <a:lnRef idx="2">
+            <a:schemeClr val="accent1">
+              <a:shade val="50000"/>
+            </a:schemeClr>
+          </a:lnRef>
+          <a:fillRef idx="1">
+            <a:schemeClr val="accent1"/>
+          </a:fillRef>
+          <a:effectRef idx="0">
+            <a:schemeClr val="accent1"/>
+          </a:effectRef>
+          <a:fontRef idx="minor">
+            <a:schemeClr val="lt1"/>
+          </a:fontRef>
+        </p:style>
+        <p:txBody>
+          <a:bodyPr rtlCol="0" anchor="ctr"/>
+          <a:lstStyle/>
+          <a:p>
+            <a:pPr algn="ctr"/>
+            <a:r>
+              <a:rPr lang="en-US" sz="3000" dirty="0"/>
+              <a:t>X</a:t>
+            </a:r>
+          </a:p>
+        </p:txBody>
+      </p:sp>
+      <p:sp>
+        <p:nvSpPr>
+          <p:cNvPr id="49" name="Rectangle: Rounded Corners 48">
+            <a:extLst>
+              <a:ext uri="{FF2B5EF4-FFF2-40B4-BE49-F238E27FC236}">
+                <a16:creationId xmlns:a16="http://schemas.microsoft.com/office/drawing/2014/main" id="{B6AF7203-1D7D-40C8-81A2-B83680333817}"/>
+              </a:ext>
+            </a:extLst>
+          </p:cNvPr>
+          <p:cNvSpPr/>
+          <p:nvPr/>
+        </p:nvSpPr>
+        <p:spPr>
+          <a:xfrm>
+            <a:off x="3866606" y="1484808"/>
+            <a:ext cx="1341120" cy="931817"/>
+          </a:xfrm>
+          <a:prstGeom prst="roundRect">
+            <a:avLst/>
+          </a:prstGeom>
+          <a:solidFill>
+            <a:srgbClr val="FF0000"/>
+          </a:solidFill>
+        </p:spPr>
+        <p:style>
+          <a:lnRef idx="2">
+            <a:schemeClr val="accent1">
+              <a:shade val="50000"/>
+            </a:schemeClr>
+          </a:lnRef>
+          <a:fillRef idx="1">
+            <a:schemeClr val="accent1"/>
+          </a:fillRef>
+          <a:effectRef idx="0">
+            <a:schemeClr val="accent1"/>
+          </a:effectRef>
+          <a:fontRef idx="minor">
+            <a:schemeClr val="lt1"/>
+          </a:fontRef>
+        </p:style>
+        <p:txBody>
+          <a:bodyPr rtlCol="0" anchor="ctr"/>
+          <a:lstStyle/>
+          <a:p>
+            <a:pPr algn="ctr"/>
+            <a:r>
+              <a:rPr lang="en-US" sz="3000" dirty="0"/>
+              <a:t>X</a:t>
+            </a:r>
+          </a:p>
+        </p:txBody>
+      </p:sp>
+      <p:sp>
+        <p:nvSpPr>
+          <p:cNvPr id="50" name="Rectangle: Rounded Corners 49">
+            <a:extLst>
+              <a:ext uri="{FF2B5EF4-FFF2-40B4-BE49-F238E27FC236}">
+                <a16:creationId xmlns:a16="http://schemas.microsoft.com/office/drawing/2014/main" id="{6801328F-A3BD-43C1-8530-CD719D5025EA}"/>
+              </a:ext>
+            </a:extLst>
+          </p:cNvPr>
+          <p:cNvSpPr/>
+          <p:nvPr/>
+        </p:nvSpPr>
+        <p:spPr>
+          <a:xfrm>
+            <a:off x="278674" y="4741817"/>
+            <a:ext cx="3413760" cy="931817"/>
+          </a:xfrm>
+          <a:prstGeom prst="roundRect">
+            <a:avLst/>
+          </a:prstGeom>
+          <a:solidFill>
+            <a:srgbClr val="FF0000"/>
+          </a:solidFill>
+        </p:spPr>
+        <p:style>
+          <a:lnRef idx="2">
+            <a:schemeClr val="accent1">
+              <a:shade val="50000"/>
+            </a:schemeClr>
+          </a:lnRef>
+          <a:fillRef idx="1">
+            <a:schemeClr val="accent1"/>
+          </a:fillRef>
+          <a:effectRef idx="0">
+            <a:schemeClr val="accent1"/>
+          </a:effectRef>
+          <a:fontRef idx="minor">
+            <a:schemeClr val="lt1"/>
+          </a:fontRef>
+        </p:style>
+        <p:txBody>
+          <a:bodyPr rtlCol="0" anchor="ctr"/>
+          <a:lstStyle/>
+          <a:p>
+            <a:pPr algn="ctr"/>
+            <a:r>
+              <a:rPr lang="en-US" sz="3000" dirty="0"/>
+              <a:t>X</a:t>
+            </a:r>
+          </a:p>
+        </p:txBody>
+      </p:sp>
+      <p:sp>
+        <p:nvSpPr>
+          <p:cNvPr id="51" name="Rectangle: Rounded Corners 50">
+            <a:extLst>
+              <a:ext uri="{FF2B5EF4-FFF2-40B4-BE49-F238E27FC236}">
+                <a16:creationId xmlns:a16="http://schemas.microsoft.com/office/drawing/2014/main" id="{55832E20-7BE1-4C3C-8E74-0FD0BA9A3A0F}"/>
+              </a:ext>
+            </a:extLst>
+          </p:cNvPr>
+          <p:cNvSpPr/>
+          <p:nvPr/>
+        </p:nvSpPr>
+        <p:spPr>
+          <a:xfrm>
+            <a:off x="3866606" y="4741817"/>
+            <a:ext cx="1341120" cy="931817"/>
+          </a:xfrm>
+          <a:prstGeom prst="roundRect">
+            <a:avLst/>
+          </a:prstGeom>
+          <a:solidFill>
+            <a:srgbClr val="FF0000"/>
+          </a:solidFill>
+        </p:spPr>
+        <p:style>
+          <a:lnRef idx="2">
+            <a:schemeClr val="accent1">
+              <a:shade val="50000"/>
+            </a:schemeClr>
+          </a:lnRef>
+          <a:fillRef idx="1">
+            <a:schemeClr val="accent1"/>
+          </a:fillRef>
+          <a:effectRef idx="0">
+            <a:schemeClr val="accent1"/>
+          </a:effectRef>
+          <a:fontRef idx="minor">
+            <a:schemeClr val="lt1"/>
+          </a:fontRef>
+        </p:style>
+        <p:txBody>
+          <a:bodyPr rtlCol="0" anchor="ctr"/>
+          <a:lstStyle/>
+          <a:p>
+            <a:pPr algn="ctr"/>
+            <a:r>
+              <a:rPr lang="en-US" sz="3000" dirty="0"/>
+              <a:t>X</a:t>
+            </a:r>
+          </a:p>
+        </p:txBody>
+      </p:sp>
+      <p:sp>
+        <p:nvSpPr>
+          <p:cNvPr id="52" name="Multiplication Sign 51">
+            <a:extLst>
+              <a:ext uri="{FF2B5EF4-FFF2-40B4-BE49-F238E27FC236}">
+                <a16:creationId xmlns:a16="http://schemas.microsoft.com/office/drawing/2014/main" id="{60B50A50-5FAA-45C2-875C-20AF736F7C85}"/>
+              </a:ext>
+            </a:extLst>
+          </p:cNvPr>
+          <p:cNvSpPr/>
+          <p:nvPr/>
+        </p:nvSpPr>
+        <p:spPr>
+          <a:xfrm>
+            <a:off x="1018539" y="4247183"/>
+            <a:ext cx="1915886" cy="1921078"/>
+          </a:xfrm>
+          <a:prstGeom prst="mathMultiply">
+            <a:avLst/>
+          </a:prstGeom>
+          <a:solidFill>
+            <a:schemeClr val="tx1"/>
+          </a:solidFill>
+          <a:ln>
+            <a:noFill/>
+          </a:ln>
+        </p:spPr>
+        <p:style>
+          <a:lnRef idx="2">
+            <a:schemeClr val="accent1">
+              <a:shade val="50000"/>
+            </a:schemeClr>
+          </a:lnRef>
+          <a:fillRef idx="1">
+            <a:schemeClr val="accent1"/>
+          </a:fillRef>
+          <a:effectRef idx="0">
+            <a:schemeClr val="accent1"/>
+          </a:effectRef>
+          <a:fontRef idx="minor">
+            <a:schemeClr val="lt1"/>
+          </a:fontRef>
+        </p:style>
+        <p:txBody>
+          <a:bodyPr rtlCol="0" anchor="ctr"/>
+          <a:lstStyle/>
+          <a:p>
+            <a:pPr algn="ctr"/>
+            <a:endParaRPr lang="en-US" dirty="0"/>
+          </a:p>
+        </p:txBody>
+      </p:sp>
+    </p:spTree>
+    <p:extLst>
+      <p:ext uri="{BB962C8B-B14F-4D97-AF65-F5344CB8AC3E}">
+        <p14:creationId xmlns:p14="http://schemas.microsoft.com/office/powerpoint/2010/main" val="952412554"/>
+      </p:ext>
+    </p:extLst>
+  </p:cSld>
+  <p:clrMapOvr>
+    <a:masterClrMapping/>
+  </p:clrMapOvr>
+</p:sld>
+</file>
+
+<file path=ppt/slides/slide5.xml><?xml version="1.0" encoding="utf-8"?>
+<p:sld xmlns:a="http://schemas.openxmlformats.org/drawingml/2006/main" xmlns:r="http://schemas.openxmlformats.org/officeDocument/2006/relationships" xmlns:p="http://schemas.openxmlformats.org/presentationml/2006/main">
+  <p:cSld>
+    <p:spTree>
+      <p:nvGrpSpPr>
+        <p:cNvPr id="1" name=""/>
+        <p:cNvGrpSpPr/>
+        <p:nvPr/>
+      </p:nvGrpSpPr>
+      <p:grpSpPr>
+        <a:xfrm>
+          <a:off x="0" y="0"/>
+          <a:ext cx="0" cy="0"/>
+          <a:chOff x="0" y="0"/>
+          <a:chExt cx="0" cy="0"/>
+        </a:xfrm>
+      </p:grpSpPr>
+      <p:sp>
+        <p:nvSpPr>
+          <p:cNvPr id="4" name="Rectangle: Rounded Corners 3">
+            <a:extLst>
+              <a:ext uri="{FF2B5EF4-FFF2-40B4-BE49-F238E27FC236}">
+                <a16:creationId xmlns:a16="http://schemas.microsoft.com/office/drawing/2014/main" id="{E5F5204A-8A9D-4CD4-A8A0-CA92554FAF03}"/>
+              </a:ext>
+            </a:extLst>
+          </p:cNvPr>
+          <p:cNvSpPr/>
+          <p:nvPr/>
+        </p:nvSpPr>
+        <p:spPr>
+          <a:xfrm>
+            <a:off x="278674" y="252549"/>
+            <a:ext cx="3413760" cy="931817"/>
+          </a:xfrm>
+          <a:prstGeom prst="roundRect">
+            <a:avLst/>
+          </a:prstGeom>
+          <a:solidFill>
+            <a:srgbClr val="FF0000"/>
+          </a:solidFill>
+        </p:spPr>
+        <p:style>
+          <a:lnRef idx="2">
+            <a:schemeClr val="accent1">
+              <a:shade val="50000"/>
+            </a:schemeClr>
+          </a:lnRef>
+          <a:fillRef idx="1">
+            <a:schemeClr val="accent1"/>
+          </a:fillRef>
+          <a:effectRef idx="0">
+            <a:schemeClr val="accent1"/>
+          </a:effectRef>
+          <a:fontRef idx="minor">
+            <a:schemeClr val="lt1"/>
+          </a:fontRef>
+        </p:style>
+        <p:txBody>
+          <a:bodyPr rtlCol="0" anchor="ctr"/>
+          <a:lstStyle/>
+          <a:p>
+            <a:pPr algn="ctr"/>
+            <a:r>
+              <a:rPr lang="en-US" sz="3000" dirty="0"/>
+              <a:t>X</a:t>
+            </a:r>
+          </a:p>
+        </p:txBody>
+      </p:sp>
+      <p:sp>
+        <p:nvSpPr>
+          <p:cNvPr id="5" name="Rectangle: Rounded Corners 4">
+            <a:extLst>
+              <a:ext uri="{FF2B5EF4-FFF2-40B4-BE49-F238E27FC236}">
+                <a16:creationId xmlns:a16="http://schemas.microsoft.com/office/drawing/2014/main" id="{33C49972-3C42-49B0-B2BF-9DE07FEE7BF8}"/>
+              </a:ext>
+            </a:extLst>
+          </p:cNvPr>
+          <p:cNvSpPr/>
+          <p:nvPr/>
+        </p:nvSpPr>
+        <p:spPr>
+          <a:xfrm>
+            <a:off x="3866606" y="252549"/>
+            <a:ext cx="1341120" cy="931817"/>
+          </a:xfrm>
+          <a:prstGeom prst="roundRect">
+            <a:avLst/>
+          </a:prstGeom>
+          <a:solidFill>
+            <a:srgbClr val="FF0000"/>
+          </a:solidFill>
+        </p:spPr>
+        <p:style>
+          <a:lnRef idx="2">
+            <a:schemeClr val="accent1">
+              <a:shade val="50000"/>
+            </a:schemeClr>
+          </a:lnRef>
+          <a:fillRef idx="1">
+            <a:schemeClr val="accent1"/>
+          </a:fillRef>
+          <a:effectRef idx="0">
+            <a:schemeClr val="accent1"/>
+          </a:effectRef>
+          <a:fontRef idx="minor">
+            <a:schemeClr val="lt1"/>
+          </a:fontRef>
+        </p:style>
+        <p:txBody>
+          <a:bodyPr rtlCol="0" anchor="ctr"/>
+          <a:lstStyle/>
+          <a:p>
+            <a:pPr algn="ctr"/>
+            <a:r>
+              <a:rPr lang="en-US" sz="3000" dirty="0"/>
+              <a:t>X</a:t>
+            </a:r>
+          </a:p>
+        </p:txBody>
+      </p:sp>
+      <p:sp>
+        <p:nvSpPr>
+          <p:cNvPr id="10" name="Arrow: Up-Down 9">
+            <a:extLst>
+              <a:ext uri="{FF2B5EF4-FFF2-40B4-BE49-F238E27FC236}">
+                <a16:creationId xmlns:a16="http://schemas.microsoft.com/office/drawing/2014/main" id="{8E3232CA-75A6-486E-BDA1-7B32E1DA16A8}"/>
+              </a:ext>
+            </a:extLst>
+          </p:cNvPr>
+          <p:cNvSpPr/>
+          <p:nvPr/>
+        </p:nvSpPr>
+        <p:spPr>
+          <a:xfrm>
+            <a:off x="870857" y="1184366"/>
+            <a:ext cx="156754" cy="300446"/>
+          </a:xfrm>
+          <a:prstGeom prst="upDownArrow">
+            <a:avLst/>
+          </a:prstGeom>
+          <a:solidFill>
+            <a:schemeClr val="bg1">
+              <a:lumMod val="65000"/>
+            </a:schemeClr>
+          </a:solidFill>
+          <a:ln>
+            <a:noFill/>
+          </a:ln>
+        </p:spPr>
+        <p:style>
+          <a:lnRef idx="2">
+            <a:schemeClr val="accent1">
+              <a:shade val="50000"/>
+            </a:schemeClr>
+          </a:lnRef>
+          <a:fillRef idx="1">
+            <a:schemeClr val="accent1"/>
+          </a:fillRef>
+          <a:effectRef idx="0">
+            <a:schemeClr val="accent1"/>
+          </a:effectRef>
+          <a:fontRef idx="minor">
+            <a:schemeClr val="lt1"/>
+          </a:fontRef>
+        </p:style>
+        <p:txBody>
+          <a:bodyPr rtlCol="0" anchor="ctr"/>
+          <a:lstStyle/>
+          <a:p>
+            <a:pPr algn="ctr"/>
+            <a:endParaRPr lang="en-US"/>
+          </a:p>
+        </p:txBody>
+      </p:sp>
+      <p:sp>
+        <p:nvSpPr>
+          <p:cNvPr id="11" name="Arrow: Up-Down 10">
+            <a:extLst>
+              <a:ext uri="{FF2B5EF4-FFF2-40B4-BE49-F238E27FC236}">
+                <a16:creationId xmlns:a16="http://schemas.microsoft.com/office/drawing/2014/main" id="{72969B88-61C3-4281-8392-EF1AB0A32593}"/>
+              </a:ext>
+            </a:extLst>
+          </p:cNvPr>
+          <p:cNvSpPr/>
+          <p:nvPr/>
+        </p:nvSpPr>
+        <p:spPr>
+          <a:xfrm>
+            <a:off x="2943497" y="1184366"/>
+            <a:ext cx="156754" cy="300446"/>
+          </a:xfrm>
+          <a:prstGeom prst="upDownArrow">
+            <a:avLst/>
+          </a:prstGeom>
+          <a:solidFill>
+            <a:schemeClr val="bg1">
+              <a:lumMod val="65000"/>
+            </a:schemeClr>
+          </a:solidFill>
+          <a:ln>
+            <a:noFill/>
+          </a:ln>
+        </p:spPr>
+        <p:style>
+          <a:lnRef idx="2">
+            <a:schemeClr val="accent1">
+              <a:shade val="50000"/>
+            </a:schemeClr>
+          </a:lnRef>
+          <a:fillRef idx="1">
+            <a:schemeClr val="accent1"/>
+          </a:fillRef>
+          <a:effectRef idx="0">
+            <a:schemeClr val="accent1"/>
+          </a:effectRef>
+          <a:fontRef idx="minor">
+            <a:schemeClr val="lt1"/>
+          </a:fontRef>
+        </p:style>
+        <p:txBody>
+          <a:bodyPr rtlCol="0" anchor="ctr"/>
+          <a:lstStyle/>
+          <a:p>
+            <a:pPr algn="ctr"/>
+            <a:endParaRPr lang="en-US"/>
+          </a:p>
+        </p:txBody>
+      </p:sp>
+      <p:sp>
+        <p:nvSpPr>
+          <p:cNvPr id="12" name="Arrow: Up-Down 11">
+            <a:extLst>
+              <a:ext uri="{FF2B5EF4-FFF2-40B4-BE49-F238E27FC236}">
+                <a16:creationId xmlns:a16="http://schemas.microsoft.com/office/drawing/2014/main" id="{A48EE402-7629-4AFC-8A29-238CDC507672}"/>
+              </a:ext>
+            </a:extLst>
+          </p:cNvPr>
+          <p:cNvSpPr/>
+          <p:nvPr/>
+        </p:nvSpPr>
+        <p:spPr>
+          <a:xfrm>
+            <a:off x="4458789" y="1184366"/>
+            <a:ext cx="156754" cy="300446"/>
+          </a:xfrm>
+          <a:prstGeom prst="upDownArrow">
+            <a:avLst/>
+          </a:prstGeom>
+          <a:solidFill>
+            <a:schemeClr val="bg1">
+              <a:lumMod val="65000"/>
+            </a:schemeClr>
+          </a:solidFill>
+          <a:ln>
+            <a:noFill/>
+          </a:ln>
+        </p:spPr>
+        <p:style>
+          <a:lnRef idx="2">
+            <a:schemeClr val="accent1">
+              <a:shade val="50000"/>
+            </a:schemeClr>
+          </a:lnRef>
+          <a:fillRef idx="1">
+            <a:schemeClr val="accent1"/>
+          </a:fillRef>
+          <a:effectRef idx="0">
+            <a:schemeClr val="accent1"/>
+          </a:effectRef>
+          <a:fontRef idx="minor">
+            <a:schemeClr val="lt1"/>
+          </a:fontRef>
+        </p:style>
+        <p:txBody>
+          <a:bodyPr rtlCol="0" anchor="ctr"/>
+          <a:lstStyle/>
+          <a:p>
+            <a:pPr algn="ctr"/>
+            <a:endParaRPr lang="en-US"/>
+          </a:p>
+        </p:txBody>
+      </p:sp>
+      <p:sp>
+        <p:nvSpPr>
+          <p:cNvPr id="13" name="Rectangle: Rounded Corners 12">
+            <a:extLst>
+              <a:ext uri="{FF2B5EF4-FFF2-40B4-BE49-F238E27FC236}">
+                <a16:creationId xmlns:a16="http://schemas.microsoft.com/office/drawing/2014/main" id="{846D1B94-C6F7-40CD-9FF3-2A1E9B8ED539}"/>
+              </a:ext>
+            </a:extLst>
+          </p:cNvPr>
+          <p:cNvSpPr/>
+          <p:nvPr/>
+        </p:nvSpPr>
+        <p:spPr>
+          <a:xfrm>
+            <a:off x="6096000" y="252549"/>
+            <a:ext cx="1341120" cy="931817"/>
+          </a:xfrm>
+          <a:prstGeom prst="roundRect">
+            <a:avLst/>
+          </a:prstGeom>
+          <a:solidFill>
+            <a:srgbClr val="00B050"/>
+          </a:solidFill>
+        </p:spPr>
+        <p:style>
+          <a:lnRef idx="2">
+            <a:schemeClr val="accent1">
+              <a:shade val="50000"/>
+            </a:schemeClr>
+          </a:lnRef>
+          <a:fillRef idx="1">
+            <a:schemeClr val="accent1"/>
+          </a:fillRef>
+          <a:effectRef idx="0">
+            <a:schemeClr val="accent1"/>
+          </a:effectRef>
+          <a:fontRef idx="minor">
+            <a:schemeClr val="lt1"/>
+          </a:fontRef>
+        </p:style>
+        <p:txBody>
+          <a:bodyPr rtlCol="0" anchor="ctr"/>
+          <a:lstStyle/>
+          <a:p>
+            <a:pPr algn="ctr"/>
+            <a:r>
+              <a:rPr lang="en-US" sz="3000" dirty="0"/>
+              <a:t>A</a:t>
+            </a:r>
+          </a:p>
+        </p:txBody>
+      </p:sp>
+      <p:sp>
+        <p:nvSpPr>
+          <p:cNvPr id="14" name="Rectangle: Rounded Corners 13">
+            <a:extLst>
+              <a:ext uri="{FF2B5EF4-FFF2-40B4-BE49-F238E27FC236}">
+                <a16:creationId xmlns:a16="http://schemas.microsoft.com/office/drawing/2014/main" id="{6C88CBF3-CA5C-41BA-A7C9-9594A0121EF2}"/>
+              </a:ext>
+            </a:extLst>
+          </p:cNvPr>
+          <p:cNvSpPr/>
+          <p:nvPr/>
+        </p:nvSpPr>
+        <p:spPr>
+          <a:xfrm>
+            <a:off x="6096000" y="1484811"/>
+            <a:ext cx="1341120" cy="931817"/>
+          </a:xfrm>
+          <a:prstGeom prst="roundRect">
+            <a:avLst/>
+          </a:prstGeom>
+          <a:solidFill>
+            <a:srgbClr val="00B050"/>
+          </a:solidFill>
+        </p:spPr>
+        <p:style>
+          <a:lnRef idx="2">
+            <a:schemeClr val="accent1">
+              <a:shade val="50000"/>
+            </a:schemeClr>
+          </a:lnRef>
+          <a:fillRef idx="1">
+            <a:schemeClr val="accent1"/>
+          </a:fillRef>
+          <a:effectRef idx="0">
+            <a:schemeClr val="accent1"/>
+          </a:effectRef>
+          <a:fontRef idx="minor">
+            <a:schemeClr val="lt1"/>
+          </a:fontRef>
+        </p:style>
+        <p:txBody>
+          <a:bodyPr rtlCol="0" anchor="ctr"/>
+          <a:lstStyle/>
+          <a:p>
+            <a:pPr algn="ctr"/>
+            <a:r>
+              <a:rPr lang="en-US" sz="3000" dirty="0"/>
+              <a:t>A</a:t>
+            </a:r>
+          </a:p>
+        </p:txBody>
+      </p:sp>
+      <p:sp>
+        <p:nvSpPr>
+          <p:cNvPr id="18" name="Rectangle: Rounded Corners 17">
+            <a:extLst>
+              <a:ext uri="{FF2B5EF4-FFF2-40B4-BE49-F238E27FC236}">
+                <a16:creationId xmlns:a16="http://schemas.microsoft.com/office/drawing/2014/main" id="{332F0E25-7ED4-46EC-98E9-04EC2C34278D}"/>
+              </a:ext>
+            </a:extLst>
+          </p:cNvPr>
+          <p:cNvSpPr/>
+          <p:nvPr/>
+        </p:nvSpPr>
+        <p:spPr>
+          <a:xfrm>
+            <a:off x="7576457" y="248191"/>
+            <a:ext cx="1341120" cy="931817"/>
+          </a:xfrm>
+          <a:prstGeom prst="roundRect">
+            <a:avLst/>
+          </a:prstGeom>
+          <a:solidFill>
+            <a:srgbClr val="00B050"/>
+          </a:solidFill>
+        </p:spPr>
+        <p:style>
+          <a:lnRef idx="2">
+            <a:schemeClr val="accent1">
+              <a:shade val="50000"/>
+            </a:schemeClr>
+          </a:lnRef>
+          <a:fillRef idx="1">
+            <a:schemeClr val="accent1"/>
+          </a:fillRef>
+          <a:effectRef idx="0">
+            <a:schemeClr val="accent1"/>
+          </a:effectRef>
+          <a:fontRef idx="minor">
+            <a:schemeClr val="lt1"/>
+          </a:fontRef>
+        </p:style>
+        <p:txBody>
+          <a:bodyPr rtlCol="0" anchor="ctr"/>
+          <a:lstStyle/>
+          <a:p>
+            <a:pPr algn="ctr"/>
+            <a:r>
+              <a:rPr lang="en-US" sz="3000" dirty="0"/>
+              <a:t>A</a:t>
+            </a:r>
+          </a:p>
+        </p:txBody>
+      </p:sp>
+      <p:sp>
+        <p:nvSpPr>
+          <p:cNvPr id="19" name="Rectangle: Rounded Corners 18">
+            <a:extLst>
+              <a:ext uri="{FF2B5EF4-FFF2-40B4-BE49-F238E27FC236}">
+                <a16:creationId xmlns:a16="http://schemas.microsoft.com/office/drawing/2014/main" id="{F4C227B5-3478-4B00-9A5F-3B4E941FFCA6}"/>
+              </a:ext>
+            </a:extLst>
+          </p:cNvPr>
+          <p:cNvSpPr/>
+          <p:nvPr/>
+        </p:nvSpPr>
+        <p:spPr>
+          <a:xfrm>
+            <a:off x="7576457" y="1484809"/>
+            <a:ext cx="1341120" cy="931817"/>
+          </a:xfrm>
+          <a:prstGeom prst="roundRect">
+            <a:avLst/>
+          </a:prstGeom>
+          <a:solidFill>
+            <a:srgbClr val="00B050"/>
+          </a:solidFill>
+        </p:spPr>
+        <p:style>
+          <a:lnRef idx="2">
+            <a:schemeClr val="accent1">
+              <a:shade val="50000"/>
+            </a:schemeClr>
+          </a:lnRef>
+          <a:fillRef idx="1">
+            <a:schemeClr val="accent1"/>
+          </a:fillRef>
+          <a:effectRef idx="0">
+            <a:schemeClr val="accent1"/>
+          </a:effectRef>
+          <a:fontRef idx="minor">
+            <a:schemeClr val="lt1"/>
+          </a:fontRef>
+        </p:style>
+        <p:txBody>
+          <a:bodyPr rtlCol="0" anchor="ctr"/>
+          <a:lstStyle/>
+          <a:p>
+            <a:pPr algn="ctr"/>
+            <a:r>
+              <a:rPr lang="en-US" sz="3000" dirty="0"/>
+              <a:t>A</a:t>
+            </a:r>
+          </a:p>
+        </p:txBody>
+      </p:sp>
+      <p:sp>
+        <p:nvSpPr>
+          <p:cNvPr id="20" name="Rectangle: Rounded Corners 19">
+            <a:extLst>
+              <a:ext uri="{FF2B5EF4-FFF2-40B4-BE49-F238E27FC236}">
+                <a16:creationId xmlns:a16="http://schemas.microsoft.com/office/drawing/2014/main" id="{0A6ACC7A-A9CB-4609-B6A4-E49F658D7426}"/>
+              </a:ext>
+            </a:extLst>
+          </p:cNvPr>
+          <p:cNvSpPr/>
+          <p:nvPr/>
+        </p:nvSpPr>
+        <p:spPr>
+          <a:xfrm>
+            <a:off x="9056914" y="1484808"/>
+            <a:ext cx="1341120" cy="931817"/>
+          </a:xfrm>
+          <a:prstGeom prst="roundRect">
+            <a:avLst/>
+          </a:prstGeom>
+          <a:solidFill>
+            <a:srgbClr val="00B050"/>
+          </a:solidFill>
+        </p:spPr>
+        <p:style>
+          <a:lnRef idx="2">
+            <a:schemeClr val="accent1">
+              <a:shade val="50000"/>
+            </a:schemeClr>
+          </a:lnRef>
+          <a:fillRef idx="1">
+            <a:schemeClr val="accent1"/>
+          </a:fillRef>
+          <a:effectRef idx="0">
+            <a:schemeClr val="accent1"/>
+          </a:effectRef>
+          <a:fontRef idx="minor">
+            <a:schemeClr val="lt1"/>
+          </a:fontRef>
+        </p:style>
+        <p:txBody>
+          <a:bodyPr rtlCol="0" anchor="ctr"/>
+          <a:lstStyle/>
+          <a:p>
+            <a:pPr algn="ctr"/>
+            <a:r>
+              <a:rPr lang="en-US" sz="3000" dirty="0"/>
+              <a:t>A</a:t>
+            </a:r>
+          </a:p>
+        </p:txBody>
+      </p:sp>
+      <p:sp>
+        <p:nvSpPr>
+          <p:cNvPr id="21" name="Rectangle: Rounded Corners 20">
+            <a:extLst>
+              <a:ext uri="{FF2B5EF4-FFF2-40B4-BE49-F238E27FC236}">
+                <a16:creationId xmlns:a16="http://schemas.microsoft.com/office/drawing/2014/main" id="{8FEE4750-36A3-413E-99F0-4FDD10639CDE}"/>
+              </a:ext>
+            </a:extLst>
+          </p:cNvPr>
+          <p:cNvSpPr/>
+          <p:nvPr/>
+        </p:nvSpPr>
+        <p:spPr>
+          <a:xfrm>
+            <a:off x="9056914" y="248191"/>
+            <a:ext cx="1341120" cy="931817"/>
+          </a:xfrm>
+          <a:prstGeom prst="roundRect">
+            <a:avLst/>
+          </a:prstGeom>
+          <a:solidFill>
+            <a:srgbClr val="00B050"/>
+          </a:solidFill>
+        </p:spPr>
+        <p:style>
+          <a:lnRef idx="2">
+            <a:schemeClr val="accent1">
+              <a:shade val="50000"/>
+            </a:schemeClr>
+          </a:lnRef>
+          <a:fillRef idx="1">
+            <a:schemeClr val="accent1"/>
+          </a:fillRef>
+          <a:effectRef idx="0">
+            <a:schemeClr val="accent1"/>
+          </a:effectRef>
+          <a:fontRef idx="minor">
+            <a:schemeClr val="lt1"/>
+          </a:fontRef>
+        </p:style>
+        <p:txBody>
+          <a:bodyPr rtlCol="0" anchor="ctr"/>
+          <a:lstStyle/>
+          <a:p>
+            <a:pPr algn="ctr"/>
+            <a:r>
+              <a:rPr lang="en-US" sz="3000" dirty="0"/>
+              <a:t>A</a:t>
+            </a:r>
+          </a:p>
+        </p:txBody>
+      </p:sp>
+      <p:sp>
+        <p:nvSpPr>
+          <p:cNvPr id="22" name="Rectangle: Rounded Corners 21">
+            <a:extLst>
+              <a:ext uri="{FF2B5EF4-FFF2-40B4-BE49-F238E27FC236}">
+                <a16:creationId xmlns:a16="http://schemas.microsoft.com/office/drawing/2014/main" id="{D158D767-0A1C-4D0F-A778-74A5406048D2}"/>
+              </a:ext>
+            </a:extLst>
+          </p:cNvPr>
+          <p:cNvSpPr/>
+          <p:nvPr/>
+        </p:nvSpPr>
+        <p:spPr>
+          <a:xfrm>
+            <a:off x="278674" y="3509555"/>
+            <a:ext cx="3413760" cy="931817"/>
+          </a:xfrm>
+          <a:prstGeom prst="roundRect">
+            <a:avLst/>
+          </a:prstGeom>
+          <a:solidFill>
+            <a:srgbClr val="FF0000"/>
+          </a:solidFill>
+        </p:spPr>
+        <p:style>
+          <a:lnRef idx="2">
+            <a:schemeClr val="accent1">
+              <a:shade val="50000"/>
+            </a:schemeClr>
+          </a:lnRef>
+          <a:fillRef idx="1">
+            <a:schemeClr val="accent1"/>
+          </a:fillRef>
+          <a:effectRef idx="0">
+            <a:schemeClr val="accent1"/>
+          </a:effectRef>
+          <a:fontRef idx="minor">
+            <a:schemeClr val="lt1"/>
+          </a:fontRef>
+        </p:style>
+        <p:txBody>
+          <a:bodyPr rtlCol="0" anchor="ctr"/>
+          <a:lstStyle/>
+          <a:p>
+            <a:pPr algn="ctr"/>
+            <a:r>
+              <a:rPr lang="en-US" sz="3000" dirty="0"/>
+              <a:t>X</a:t>
+            </a:r>
+          </a:p>
+        </p:txBody>
+      </p:sp>
+      <p:sp>
+        <p:nvSpPr>
+          <p:cNvPr id="23" name="Rectangle: Rounded Corners 22">
+            <a:extLst>
+              <a:ext uri="{FF2B5EF4-FFF2-40B4-BE49-F238E27FC236}">
+                <a16:creationId xmlns:a16="http://schemas.microsoft.com/office/drawing/2014/main" id="{D6FC9BC5-BCFC-4FD5-8797-ACF6F831AEAA}"/>
+              </a:ext>
+            </a:extLst>
+          </p:cNvPr>
+          <p:cNvSpPr/>
+          <p:nvPr/>
+        </p:nvSpPr>
+        <p:spPr>
+          <a:xfrm>
+            <a:off x="3866606" y="3509555"/>
+            <a:ext cx="1341120" cy="931817"/>
+          </a:xfrm>
+          <a:prstGeom prst="roundRect">
+            <a:avLst/>
+          </a:prstGeom>
+          <a:solidFill>
+            <a:srgbClr val="FF0000"/>
+          </a:solidFill>
+        </p:spPr>
+        <p:style>
+          <a:lnRef idx="2">
+            <a:schemeClr val="accent1">
+              <a:shade val="50000"/>
+            </a:schemeClr>
+          </a:lnRef>
+          <a:fillRef idx="1">
+            <a:schemeClr val="accent1"/>
+          </a:fillRef>
+          <a:effectRef idx="0">
+            <a:schemeClr val="accent1"/>
+          </a:effectRef>
+          <a:fontRef idx="minor">
+            <a:schemeClr val="lt1"/>
+          </a:fontRef>
+        </p:style>
+        <p:txBody>
+          <a:bodyPr rtlCol="0" anchor="ctr"/>
+          <a:lstStyle/>
+          <a:p>
+            <a:pPr algn="ctr"/>
+            <a:r>
+              <a:rPr lang="en-US" sz="3000" dirty="0"/>
+              <a:t>X</a:t>
+            </a:r>
+          </a:p>
+        </p:txBody>
+      </p:sp>
+      <p:sp>
+        <p:nvSpPr>
+          <p:cNvPr id="27" name="Arrow: Up-Down 26">
+            <a:extLst>
+              <a:ext uri="{FF2B5EF4-FFF2-40B4-BE49-F238E27FC236}">
+                <a16:creationId xmlns:a16="http://schemas.microsoft.com/office/drawing/2014/main" id="{9CBEA8A9-5DAE-42A1-B61E-1942D5B0D7DF}"/>
+              </a:ext>
+            </a:extLst>
+          </p:cNvPr>
+          <p:cNvSpPr/>
+          <p:nvPr/>
+        </p:nvSpPr>
+        <p:spPr>
+          <a:xfrm>
+            <a:off x="870857" y="4441372"/>
+            <a:ext cx="156754" cy="300446"/>
+          </a:xfrm>
+          <a:prstGeom prst="upDownArrow">
+            <a:avLst/>
+          </a:prstGeom>
+          <a:solidFill>
+            <a:schemeClr val="bg1">
+              <a:lumMod val="65000"/>
+            </a:schemeClr>
+          </a:solidFill>
+          <a:ln>
+            <a:noFill/>
+          </a:ln>
+        </p:spPr>
+        <p:style>
+          <a:lnRef idx="2">
+            <a:schemeClr val="accent1">
+              <a:shade val="50000"/>
+            </a:schemeClr>
+          </a:lnRef>
+          <a:fillRef idx="1">
+            <a:schemeClr val="accent1"/>
+          </a:fillRef>
+          <a:effectRef idx="0">
+            <a:schemeClr val="accent1"/>
+          </a:effectRef>
+          <a:fontRef idx="minor">
+            <a:schemeClr val="lt1"/>
+          </a:fontRef>
+        </p:style>
+        <p:txBody>
+          <a:bodyPr rtlCol="0" anchor="ctr"/>
+          <a:lstStyle/>
+          <a:p>
+            <a:pPr algn="ctr"/>
+            <a:endParaRPr lang="en-US"/>
+          </a:p>
+        </p:txBody>
+      </p:sp>
+      <p:sp>
+        <p:nvSpPr>
+          <p:cNvPr id="28" name="Arrow: Up-Down 27">
+            <a:extLst>
+              <a:ext uri="{FF2B5EF4-FFF2-40B4-BE49-F238E27FC236}">
+                <a16:creationId xmlns:a16="http://schemas.microsoft.com/office/drawing/2014/main" id="{1B33E49B-6E71-4C4F-8715-B96810174DAA}"/>
+              </a:ext>
+            </a:extLst>
+          </p:cNvPr>
+          <p:cNvSpPr/>
+          <p:nvPr/>
+        </p:nvSpPr>
+        <p:spPr>
+          <a:xfrm>
+            <a:off x="2943497" y="4441372"/>
+            <a:ext cx="156754" cy="300446"/>
+          </a:xfrm>
+          <a:prstGeom prst="upDownArrow">
+            <a:avLst/>
+          </a:prstGeom>
+          <a:solidFill>
+            <a:schemeClr val="bg1">
+              <a:lumMod val="65000"/>
+            </a:schemeClr>
+          </a:solidFill>
+          <a:ln>
+            <a:noFill/>
+          </a:ln>
+        </p:spPr>
+        <p:style>
+          <a:lnRef idx="2">
+            <a:schemeClr val="accent1">
+              <a:shade val="50000"/>
+            </a:schemeClr>
+          </a:lnRef>
+          <a:fillRef idx="1">
+            <a:schemeClr val="accent1"/>
+          </a:fillRef>
+          <a:effectRef idx="0">
+            <a:schemeClr val="accent1"/>
+          </a:effectRef>
+          <a:fontRef idx="minor">
+            <a:schemeClr val="lt1"/>
+          </a:fontRef>
+        </p:style>
+        <p:txBody>
+          <a:bodyPr rtlCol="0" anchor="ctr"/>
+          <a:lstStyle/>
+          <a:p>
+            <a:pPr algn="ctr"/>
+            <a:endParaRPr lang="en-US"/>
+          </a:p>
+        </p:txBody>
+      </p:sp>
+      <p:sp>
+        <p:nvSpPr>
+          <p:cNvPr id="29" name="Arrow: Up-Down 28">
+            <a:extLst>
+              <a:ext uri="{FF2B5EF4-FFF2-40B4-BE49-F238E27FC236}">
+                <a16:creationId xmlns:a16="http://schemas.microsoft.com/office/drawing/2014/main" id="{C0A0BA50-C070-49C6-8B38-6A39CD790745}"/>
+              </a:ext>
+            </a:extLst>
+          </p:cNvPr>
+          <p:cNvSpPr/>
+          <p:nvPr/>
+        </p:nvSpPr>
+        <p:spPr>
+          <a:xfrm>
+            <a:off x="4458789" y="4441372"/>
+            <a:ext cx="156754" cy="300446"/>
+          </a:xfrm>
+          <a:prstGeom prst="upDownArrow">
+            <a:avLst/>
+          </a:prstGeom>
+          <a:solidFill>
+            <a:schemeClr val="bg1">
+              <a:lumMod val="65000"/>
+            </a:schemeClr>
+          </a:solidFill>
+          <a:ln>
+            <a:noFill/>
+          </a:ln>
+        </p:spPr>
+        <p:style>
+          <a:lnRef idx="2">
+            <a:schemeClr val="accent1">
+              <a:shade val="50000"/>
+            </a:schemeClr>
+          </a:lnRef>
+          <a:fillRef idx="1">
+            <a:schemeClr val="accent1"/>
+          </a:fillRef>
+          <a:effectRef idx="0">
+            <a:schemeClr val="accent1"/>
+          </a:effectRef>
+          <a:fontRef idx="minor">
+            <a:schemeClr val="lt1"/>
+          </a:fontRef>
+        </p:style>
+        <p:txBody>
+          <a:bodyPr rtlCol="0" anchor="ctr"/>
+          <a:lstStyle/>
+          <a:p>
+            <a:pPr algn="ctr"/>
+            <a:endParaRPr lang="en-US"/>
+          </a:p>
+        </p:txBody>
+      </p:sp>
+      <p:sp>
+        <p:nvSpPr>
+          <p:cNvPr id="30" name="Rectangle: Rounded Corners 29">
+            <a:extLst>
+              <a:ext uri="{FF2B5EF4-FFF2-40B4-BE49-F238E27FC236}">
+                <a16:creationId xmlns:a16="http://schemas.microsoft.com/office/drawing/2014/main" id="{2AB36008-D80A-4D6C-AE49-DCC7E240D0FE}"/>
+              </a:ext>
+            </a:extLst>
+          </p:cNvPr>
+          <p:cNvSpPr/>
+          <p:nvPr/>
+        </p:nvSpPr>
+        <p:spPr>
+          <a:xfrm>
+            <a:off x="6096000" y="3509555"/>
+            <a:ext cx="1341120" cy="931817"/>
+          </a:xfrm>
+          <a:prstGeom prst="roundRect">
+            <a:avLst/>
+          </a:prstGeom>
+          <a:solidFill>
+            <a:srgbClr val="00B050"/>
+          </a:solidFill>
+        </p:spPr>
+        <p:style>
+          <a:lnRef idx="2">
+            <a:schemeClr val="accent1">
+              <a:shade val="50000"/>
+            </a:schemeClr>
+          </a:lnRef>
+          <a:fillRef idx="1">
+            <a:schemeClr val="accent1"/>
+          </a:fillRef>
+          <a:effectRef idx="0">
+            <a:schemeClr val="accent1"/>
+          </a:effectRef>
+          <a:fontRef idx="minor">
+            <a:schemeClr val="lt1"/>
+          </a:fontRef>
+        </p:style>
+        <p:txBody>
+          <a:bodyPr rtlCol="0" anchor="ctr"/>
+          <a:lstStyle/>
+          <a:p>
+            <a:pPr algn="ctr"/>
+            <a:r>
+              <a:rPr lang="en-US" sz="3000" dirty="0"/>
+              <a:t>A</a:t>
+            </a:r>
+          </a:p>
+        </p:txBody>
+      </p:sp>
+      <p:sp>
+        <p:nvSpPr>
+          <p:cNvPr id="31" name="Rectangle: Rounded Corners 30">
+            <a:extLst>
+              <a:ext uri="{FF2B5EF4-FFF2-40B4-BE49-F238E27FC236}">
+                <a16:creationId xmlns:a16="http://schemas.microsoft.com/office/drawing/2014/main" id="{C869C7D5-EFC4-4C61-9552-2AE8B70E5E91}"/>
+              </a:ext>
+            </a:extLst>
+          </p:cNvPr>
+          <p:cNvSpPr/>
+          <p:nvPr/>
+        </p:nvSpPr>
+        <p:spPr>
+          <a:xfrm>
+            <a:off x="6096000" y="4741817"/>
+            <a:ext cx="1341120" cy="931817"/>
+          </a:xfrm>
+          <a:prstGeom prst="roundRect">
+            <a:avLst/>
+          </a:prstGeom>
+          <a:solidFill>
+            <a:srgbClr val="00B050"/>
+          </a:solidFill>
+        </p:spPr>
+        <p:style>
+          <a:lnRef idx="2">
+            <a:schemeClr val="accent1">
+              <a:shade val="50000"/>
+            </a:schemeClr>
+          </a:lnRef>
+          <a:fillRef idx="1">
+            <a:schemeClr val="accent1"/>
+          </a:fillRef>
+          <a:effectRef idx="0">
+            <a:schemeClr val="accent1"/>
+          </a:effectRef>
+          <a:fontRef idx="minor">
+            <a:schemeClr val="lt1"/>
+          </a:fontRef>
+        </p:style>
+        <p:txBody>
+          <a:bodyPr rtlCol="0" anchor="ctr"/>
+          <a:lstStyle/>
+          <a:p>
+            <a:pPr algn="ctr"/>
+            <a:r>
+              <a:rPr lang="en-US" sz="3000" dirty="0"/>
+              <a:t>A</a:t>
+            </a:r>
+          </a:p>
+        </p:txBody>
+      </p:sp>
+      <p:sp>
+        <p:nvSpPr>
+          <p:cNvPr id="32" name="Rectangle: Rounded Corners 31">
+            <a:extLst>
+              <a:ext uri="{FF2B5EF4-FFF2-40B4-BE49-F238E27FC236}">
+                <a16:creationId xmlns:a16="http://schemas.microsoft.com/office/drawing/2014/main" id="{10304AAE-3059-4CE3-A212-859AC25556E7}"/>
+              </a:ext>
+            </a:extLst>
+          </p:cNvPr>
+          <p:cNvSpPr/>
+          <p:nvPr/>
+        </p:nvSpPr>
+        <p:spPr>
+          <a:xfrm>
+            <a:off x="7576457" y="3505197"/>
+            <a:ext cx="1341120" cy="931817"/>
+          </a:xfrm>
+          <a:prstGeom prst="roundRect">
+            <a:avLst/>
+          </a:prstGeom>
+          <a:solidFill>
+            <a:srgbClr val="00B050"/>
+          </a:solidFill>
+        </p:spPr>
+        <p:style>
+          <a:lnRef idx="2">
+            <a:schemeClr val="accent1">
+              <a:shade val="50000"/>
+            </a:schemeClr>
+          </a:lnRef>
+          <a:fillRef idx="1">
+            <a:schemeClr val="accent1"/>
+          </a:fillRef>
+          <a:effectRef idx="0">
+            <a:schemeClr val="accent1"/>
+          </a:effectRef>
+          <a:fontRef idx="minor">
+            <a:schemeClr val="lt1"/>
+          </a:fontRef>
+        </p:style>
+        <p:txBody>
+          <a:bodyPr rtlCol="0" anchor="ctr"/>
+          <a:lstStyle/>
+          <a:p>
+            <a:pPr algn="ctr"/>
+            <a:r>
+              <a:rPr lang="en-US" sz="3000" dirty="0"/>
+              <a:t>A</a:t>
+            </a:r>
+          </a:p>
+        </p:txBody>
+      </p:sp>
+      <p:sp>
+        <p:nvSpPr>
+          <p:cNvPr id="33" name="Rectangle: Rounded Corners 32">
+            <a:extLst>
+              <a:ext uri="{FF2B5EF4-FFF2-40B4-BE49-F238E27FC236}">
+                <a16:creationId xmlns:a16="http://schemas.microsoft.com/office/drawing/2014/main" id="{DBFE5110-7A78-43BB-89A4-9AB29070120D}"/>
+              </a:ext>
+            </a:extLst>
+          </p:cNvPr>
+          <p:cNvSpPr/>
+          <p:nvPr/>
+        </p:nvSpPr>
+        <p:spPr>
+          <a:xfrm>
+            <a:off x="7576457" y="4741815"/>
+            <a:ext cx="1341120" cy="931817"/>
+          </a:xfrm>
+          <a:prstGeom prst="roundRect">
+            <a:avLst/>
+          </a:prstGeom>
+          <a:solidFill>
+            <a:srgbClr val="00B050"/>
+          </a:solidFill>
+        </p:spPr>
+        <p:style>
+          <a:lnRef idx="2">
+            <a:schemeClr val="accent1">
+              <a:shade val="50000"/>
+            </a:schemeClr>
+          </a:lnRef>
+          <a:fillRef idx="1">
+            <a:schemeClr val="accent1"/>
+          </a:fillRef>
+          <a:effectRef idx="0">
+            <a:schemeClr val="accent1"/>
+          </a:effectRef>
+          <a:fontRef idx="minor">
+            <a:schemeClr val="lt1"/>
+          </a:fontRef>
+        </p:style>
+        <p:txBody>
+          <a:bodyPr rtlCol="0" anchor="ctr"/>
+          <a:lstStyle/>
+          <a:p>
+            <a:pPr algn="ctr"/>
+            <a:r>
+              <a:rPr lang="en-US" sz="3000" dirty="0"/>
+              <a:t>A</a:t>
+            </a:r>
+          </a:p>
+        </p:txBody>
+      </p:sp>
+      <p:sp>
+        <p:nvSpPr>
+          <p:cNvPr id="34" name="Rectangle: Rounded Corners 33">
+            <a:extLst>
+              <a:ext uri="{FF2B5EF4-FFF2-40B4-BE49-F238E27FC236}">
+                <a16:creationId xmlns:a16="http://schemas.microsoft.com/office/drawing/2014/main" id="{42779B6C-7AAA-487F-84C0-E9907A3F7486}"/>
+              </a:ext>
+            </a:extLst>
+          </p:cNvPr>
+          <p:cNvSpPr/>
+          <p:nvPr/>
+        </p:nvSpPr>
+        <p:spPr>
+          <a:xfrm>
+            <a:off x="9056914" y="4741814"/>
+            <a:ext cx="1341120" cy="931817"/>
+          </a:xfrm>
+          <a:prstGeom prst="roundRect">
+            <a:avLst/>
+          </a:prstGeom>
+          <a:solidFill>
+            <a:srgbClr val="00B050"/>
+          </a:solidFill>
+        </p:spPr>
+        <p:style>
+          <a:lnRef idx="2">
+            <a:schemeClr val="accent1">
+              <a:shade val="50000"/>
+            </a:schemeClr>
+          </a:lnRef>
+          <a:fillRef idx="1">
+            <a:schemeClr val="accent1"/>
+          </a:fillRef>
+          <a:effectRef idx="0">
+            <a:schemeClr val="accent1"/>
+          </a:effectRef>
+          <a:fontRef idx="minor">
+            <a:schemeClr val="lt1"/>
+          </a:fontRef>
+        </p:style>
+        <p:txBody>
+          <a:bodyPr rtlCol="0" anchor="ctr"/>
+          <a:lstStyle/>
+          <a:p>
+            <a:pPr algn="ctr"/>
+            <a:r>
+              <a:rPr lang="en-US" sz="3000" dirty="0"/>
+              <a:t>A</a:t>
+            </a:r>
+          </a:p>
+        </p:txBody>
+      </p:sp>
+      <p:sp>
+        <p:nvSpPr>
+          <p:cNvPr id="35" name="Rectangle: Rounded Corners 34">
+            <a:extLst>
+              <a:ext uri="{FF2B5EF4-FFF2-40B4-BE49-F238E27FC236}">
+                <a16:creationId xmlns:a16="http://schemas.microsoft.com/office/drawing/2014/main" id="{5FA23064-BFDD-4EB7-934E-E7485EF53F78}"/>
+              </a:ext>
+            </a:extLst>
+          </p:cNvPr>
+          <p:cNvSpPr/>
+          <p:nvPr/>
+        </p:nvSpPr>
+        <p:spPr>
+          <a:xfrm>
+            <a:off x="9056914" y="3505197"/>
+            <a:ext cx="1341120" cy="931817"/>
+          </a:xfrm>
+          <a:prstGeom prst="roundRect">
+            <a:avLst/>
+          </a:prstGeom>
+          <a:solidFill>
+            <a:srgbClr val="00B050"/>
+          </a:solidFill>
+        </p:spPr>
+        <p:style>
+          <a:lnRef idx="2">
+            <a:schemeClr val="accent1">
+              <a:shade val="50000"/>
+            </a:schemeClr>
+          </a:lnRef>
+          <a:fillRef idx="1">
+            <a:schemeClr val="accent1"/>
+          </a:fillRef>
+          <a:effectRef idx="0">
+            <a:schemeClr val="accent1"/>
+          </a:effectRef>
+          <a:fontRef idx="minor">
+            <a:schemeClr val="lt1"/>
+          </a:fontRef>
+        </p:style>
+        <p:txBody>
+          <a:bodyPr rtlCol="0" anchor="ctr"/>
+          <a:lstStyle/>
+          <a:p>
+            <a:pPr algn="ctr"/>
+            <a:r>
+              <a:rPr lang="en-US" sz="3000" dirty="0"/>
+              <a:t>A</a:t>
+            </a:r>
+          </a:p>
+        </p:txBody>
+      </p:sp>
+      <p:sp>
+        <p:nvSpPr>
+          <p:cNvPr id="36" name="Multiplication Sign 35">
+            <a:extLst>
+              <a:ext uri="{FF2B5EF4-FFF2-40B4-BE49-F238E27FC236}">
+                <a16:creationId xmlns:a16="http://schemas.microsoft.com/office/drawing/2014/main" id="{F50D53ED-9B59-442D-948A-AB28DD17C1EF}"/>
+              </a:ext>
+            </a:extLst>
+          </p:cNvPr>
+          <p:cNvSpPr/>
+          <p:nvPr/>
+        </p:nvSpPr>
+        <p:spPr>
+          <a:xfrm>
+            <a:off x="8763301" y="3010566"/>
+            <a:ext cx="1915886" cy="1921078"/>
+          </a:xfrm>
+          <a:prstGeom prst="mathMultiply">
+            <a:avLst/>
+          </a:prstGeom>
+          <a:solidFill>
+            <a:schemeClr val="tx1"/>
+          </a:solidFill>
+          <a:ln>
+            <a:noFill/>
+          </a:ln>
+        </p:spPr>
+        <p:style>
+          <a:lnRef idx="2">
+            <a:schemeClr val="accent1">
+              <a:shade val="50000"/>
+            </a:schemeClr>
+          </a:lnRef>
+          <a:fillRef idx="1">
+            <a:schemeClr val="accent1"/>
+          </a:fillRef>
+          <a:effectRef idx="0">
+            <a:schemeClr val="accent1"/>
+          </a:effectRef>
+          <a:fontRef idx="minor">
+            <a:schemeClr val="lt1"/>
+          </a:fontRef>
+        </p:style>
+        <p:txBody>
+          <a:bodyPr rtlCol="0" anchor="ctr"/>
+          <a:lstStyle/>
+          <a:p>
+            <a:pPr algn="ctr"/>
+            <a:endParaRPr lang="en-US" dirty="0"/>
+          </a:p>
+        </p:txBody>
+      </p:sp>
+      <p:sp>
+        <p:nvSpPr>
+          <p:cNvPr id="40" name="TextBox 39">
+            <a:extLst>
+              <a:ext uri="{FF2B5EF4-FFF2-40B4-BE49-F238E27FC236}">
+                <a16:creationId xmlns:a16="http://schemas.microsoft.com/office/drawing/2014/main" id="{35452F7F-B3D5-42D2-902E-C98E34F12C7E}"/>
+              </a:ext>
+            </a:extLst>
+          </p:cNvPr>
+          <p:cNvSpPr txBox="1"/>
+          <p:nvPr/>
+        </p:nvSpPr>
+        <p:spPr>
+          <a:xfrm>
+            <a:off x="10537371" y="942174"/>
+            <a:ext cx="1165704" cy="784830"/>
+          </a:xfrm>
+          <a:prstGeom prst="rect">
+            <a:avLst/>
+          </a:prstGeom>
+          <a:noFill/>
+        </p:spPr>
+        <p:txBody>
+          <a:bodyPr wrap="none" rtlCol="0">
+            <a:spAutoFit/>
+          </a:bodyPr>
+          <a:lstStyle/>
+          <a:p>
+            <a:r>
+              <a:rPr lang="en-US" sz="4500" dirty="0"/>
+              <a:t>P(A)</a:t>
+            </a:r>
+          </a:p>
+        </p:txBody>
+      </p:sp>
+      <p:sp>
+        <p:nvSpPr>
+          <p:cNvPr id="41" name="TextBox 40">
+            <a:extLst>
+              <a:ext uri="{FF2B5EF4-FFF2-40B4-BE49-F238E27FC236}">
+                <a16:creationId xmlns:a16="http://schemas.microsoft.com/office/drawing/2014/main" id="{1220067B-FD50-468E-BADF-E132DA50D9AC}"/>
+              </a:ext>
+            </a:extLst>
+          </p:cNvPr>
+          <p:cNvSpPr txBox="1"/>
+          <p:nvPr/>
+        </p:nvSpPr>
+        <p:spPr>
+          <a:xfrm>
+            <a:off x="10537370" y="4199180"/>
+            <a:ext cx="1765227" cy="784830"/>
+          </a:xfrm>
+          <a:prstGeom prst="rect">
+            <a:avLst/>
+          </a:prstGeom>
+          <a:noFill/>
+        </p:spPr>
+        <p:txBody>
+          <a:bodyPr wrap="none" rtlCol="0">
+            <a:spAutoFit/>
+          </a:bodyPr>
+          <a:lstStyle/>
+          <a:p>
+            <a:r>
+              <a:rPr lang="en-US" sz="4500"/>
+              <a:t>P(A|</a:t>
+            </a:r>
+            <a:r>
+              <a:rPr lang="en-US" sz="4500" dirty="0"/>
+              <a:t>A</a:t>
+            </a:r>
+            <a:r>
+              <a:rPr lang="en-US" sz="4500"/>
+              <a:t>)</a:t>
+            </a:r>
+            <a:endParaRPr lang="en-US" sz="4500" dirty="0"/>
+          </a:p>
+        </p:txBody>
+      </p:sp>
+      <p:sp>
+        <p:nvSpPr>
+          <p:cNvPr id="42" name="Arrow: Up-Down 41">
+            <a:extLst>
+              <a:ext uri="{FF2B5EF4-FFF2-40B4-BE49-F238E27FC236}">
+                <a16:creationId xmlns:a16="http://schemas.microsoft.com/office/drawing/2014/main" id="{C6C68A54-9302-4B73-9D3F-82E2BCE46918}"/>
+              </a:ext>
+            </a:extLst>
+          </p:cNvPr>
+          <p:cNvSpPr/>
+          <p:nvPr/>
+        </p:nvSpPr>
+        <p:spPr>
+          <a:xfrm>
+            <a:off x="6693615" y="1184366"/>
+            <a:ext cx="156754" cy="300446"/>
+          </a:xfrm>
+          <a:prstGeom prst="upDownArrow">
+            <a:avLst/>
+          </a:prstGeom>
+          <a:solidFill>
+            <a:schemeClr val="bg1">
+              <a:lumMod val="65000"/>
+            </a:schemeClr>
+          </a:solidFill>
+          <a:ln>
+            <a:noFill/>
+          </a:ln>
+        </p:spPr>
+        <p:style>
+          <a:lnRef idx="2">
+            <a:schemeClr val="accent1">
+              <a:shade val="50000"/>
+            </a:schemeClr>
+          </a:lnRef>
+          <a:fillRef idx="1">
+            <a:schemeClr val="accent1"/>
+          </a:fillRef>
+          <a:effectRef idx="0">
+            <a:schemeClr val="accent1"/>
+          </a:effectRef>
+          <a:fontRef idx="minor">
+            <a:schemeClr val="lt1"/>
+          </a:fontRef>
+        </p:style>
+        <p:txBody>
+          <a:bodyPr rtlCol="0" anchor="ctr"/>
+          <a:lstStyle/>
+          <a:p>
+            <a:pPr algn="ctr"/>
+            <a:endParaRPr lang="en-US"/>
+          </a:p>
+        </p:txBody>
+      </p:sp>
+      <p:sp>
+        <p:nvSpPr>
+          <p:cNvPr id="43" name="Arrow: Up-Down 42">
+            <a:extLst>
+              <a:ext uri="{FF2B5EF4-FFF2-40B4-BE49-F238E27FC236}">
+                <a16:creationId xmlns:a16="http://schemas.microsoft.com/office/drawing/2014/main" id="{17CB07AB-169F-4952-9D9B-A19667E8B69C}"/>
+              </a:ext>
+            </a:extLst>
+          </p:cNvPr>
+          <p:cNvSpPr/>
+          <p:nvPr/>
+        </p:nvSpPr>
+        <p:spPr>
+          <a:xfrm>
+            <a:off x="8168640" y="1180008"/>
+            <a:ext cx="156754" cy="300446"/>
+          </a:xfrm>
+          <a:prstGeom prst="upDownArrow">
+            <a:avLst/>
+          </a:prstGeom>
+          <a:solidFill>
+            <a:schemeClr val="bg1">
+              <a:lumMod val="65000"/>
+            </a:schemeClr>
+          </a:solidFill>
+          <a:ln>
+            <a:noFill/>
+          </a:ln>
+        </p:spPr>
+        <p:style>
+          <a:lnRef idx="2">
+            <a:schemeClr val="accent1">
+              <a:shade val="50000"/>
+            </a:schemeClr>
+          </a:lnRef>
+          <a:fillRef idx="1">
+            <a:schemeClr val="accent1"/>
+          </a:fillRef>
+          <a:effectRef idx="0">
+            <a:schemeClr val="accent1"/>
+          </a:effectRef>
+          <a:fontRef idx="minor">
+            <a:schemeClr val="lt1"/>
+          </a:fontRef>
+        </p:style>
+        <p:txBody>
+          <a:bodyPr rtlCol="0" anchor="ctr"/>
+          <a:lstStyle/>
+          <a:p>
+            <a:pPr algn="ctr"/>
+            <a:endParaRPr lang="en-US"/>
+          </a:p>
+        </p:txBody>
+      </p:sp>
+      <p:sp>
+        <p:nvSpPr>
+          <p:cNvPr id="44" name="Arrow: Up-Down 43">
+            <a:extLst>
+              <a:ext uri="{FF2B5EF4-FFF2-40B4-BE49-F238E27FC236}">
+                <a16:creationId xmlns:a16="http://schemas.microsoft.com/office/drawing/2014/main" id="{C1181C6C-E184-4C27-A5ED-0E50F1E2B683}"/>
+              </a:ext>
+            </a:extLst>
+          </p:cNvPr>
+          <p:cNvSpPr/>
+          <p:nvPr/>
+        </p:nvSpPr>
+        <p:spPr>
+          <a:xfrm>
+            <a:off x="9643665" y="1180008"/>
+            <a:ext cx="156754" cy="300446"/>
+          </a:xfrm>
+          <a:prstGeom prst="upDownArrow">
+            <a:avLst/>
+          </a:prstGeom>
+          <a:solidFill>
+            <a:schemeClr val="bg1">
+              <a:lumMod val="65000"/>
+            </a:schemeClr>
+          </a:solidFill>
+          <a:ln>
+            <a:noFill/>
+          </a:ln>
+        </p:spPr>
+        <p:style>
+          <a:lnRef idx="2">
+            <a:schemeClr val="accent1">
+              <a:shade val="50000"/>
+            </a:schemeClr>
+          </a:lnRef>
+          <a:fillRef idx="1">
+            <a:schemeClr val="accent1"/>
+          </a:fillRef>
+          <a:effectRef idx="0">
+            <a:schemeClr val="accent1"/>
+          </a:effectRef>
+          <a:fontRef idx="minor">
+            <a:schemeClr val="lt1"/>
+          </a:fontRef>
+        </p:style>
+        <p:txBody>
+          <a:bodyPr rtlCol="0" anchor="ctr"/>
+          <a:lstStyle/>
+          <a:p>
+            <a:pPr algn="ctr"/>
+            <a:endParaRPr lang="en-US"/>
+          </a:p>
+        </p:txBody>
+      </p:sp>
+      <p:sp>
+        <p:nvSpPr>
+          <p:cNvPr id="45" name="Arrow: Up-Down 44">
+            <a:extLst>
+              <a:ext uri="{FF2B5EF4-FFF2-40B4-BE49-F238E27FC236}">
+                <a16:creationId xmlns:a16="http://schemas.microsoft.com/office/drawing/2014/main" id="{F6B0F8FC-75B2-49B0-BEF2-839DB53932F9}"/>
+              </a:ext>
+            </a:extLst>
+          </p:cNvPr>
+          <p:cNvSpPr/>
+          <p:nvPr/>
+        </p:nvSpPr>
+        <p:spPr>
+          <a:xfrm>
+            <a:off x="6688183" y="4437014"/>
+            <a:ext cx="156754" cy="300446"/>
+          </a:xfrm>
+          <a:prstGeom prst="upDownArrow">
+            <a:avLst/>
+          </a:prstGeom>
+          <a:solidFill>
+            <a:schemeClr val="bg1">
+              <a:lumMod val="65000"/>
+            </a:schemeClr>
+          </a:solidFill>
+          <a:ln>
+            <a:noFill/>
+          </a:ln>
+        </p:spPr>
+        <p:style>
+          <a:lnRef idx="2">
+            <a:schemeClr val="accent1">
+              <a:shade val="50000"/>
+            </a:schemeClr>
+          </a:lnRef>
+          <a:fillRef idx="1">
+            <a:schemeClr val="accent1"/>
+          </a:fillRef>
+          <a:effectRef idx="0">
+            <a:schemeClr val="accent1"/>
+          </a:effectRef>
+          <a:fontRef idx="minor">
+            <a:schemeClr val="lt1"/>
+          </a:fontRef>
+        </p:style>
+        <p:txBody>
+          <a:bodyPr rtlCol="0" anchor="ctr"/>
+          <a:lstStyle/>
+          <a:p>
+            <a:pPr algn="ctr"/>
+            <a:endParaRPr lang="en-US"/>
+          </a:p>
+        </p:txBody>
+      </p:sp>
+      <p:sp>
+        <p:nvSpPr>
+          <p:cNvPr id="46" name="Arrow: Up-Down 45">
+            <a:extLst>
+              <a:ext uri="{FF2B5EF4-FFF2-40B4-BE49-F238E27FC236}">
+                <a16:creationId xmlns:a16="http://schemas.microsoft.com/office/drawing/2014/main" id="{D899EB01-75EF-4A96-A6C6-12D19260CA1A}"/>
+              </a:ext>
+            </a:extLst>
+          </p:cNvPr>
+          <p:cNvSpPr/>
+          <p:nvPr/>
+        </p:nvSpPr>
+        <p:spPr>
+          <a:xfrm>
+            <a:off x="8168640" y="4437014"/>
+            <a:ext cx="156754" cy="300446"/>
+          </a:xfrm>
+          <a:prstGeom prst="upDownArrow">
+            <a:avLst/>
+          </a:prstGeom>
+          <a:solidFill>
+            <a:schemeClr val="bg1">
+              <a:lumMod val="65000"/>
+            </a:schemeClr>
+          </a:solidFill>
+          <a:ln>
+            <a:noFill/>
+          </a:ln>
+        </p:spPr>
+        <p:style>
+          <a:lnRef idx="2">
+            <a:schemeClr val="accent1">
+              <a:shade val="50000"/>
+            </a:schemeClr>
+          </a:lnRef>
+          <a:fillRef idx="1">
+            <a:schemeClr val="accent1"/>
+          </a:fillRef>
+          <a:effectRef idx="0">
+            <a:schemeClr val="accent1"/>
+          </a:effectRef>
+          <a:fontRef idx="minor">
+            <a:schemeClr val="lt1"/>
+          </a:fontRef>
+        </p:style>
+        <p:txBody>
+          <a:bodyPr rtlCol="0" anchor="ctr"/>
+          <a:lstStyle/>
+          <a:p>
+            <a:pPr algn="ctr"/>
+            <a:endParaRPr lang="en-US"/>
+          </a:p>
+        </p:txBody>
+      </p:sp>
+      <p:sp>
+        <p:nvSpPr>
+          <p:cNvPr id="47" name="Arrow: Up-Down 46">
+            <a:extLst>
+              <a:ext uri="{FF2B5EF4-FFF2-40B4-BE49-F238E27FC236}">
+                <a16:creationId xmlns:a16="http://schemas.microsoft.com/office/drawing/2014/main" id="{81F10637-D98B-4255-A64D-1EB5A4E0EFA0}"/>
+              </a:ext>
+            </a:extLst>
+          </p:cNvPr>
+          <p:cNvSpPr/>
+          <p:nvPr/>
+        </p:nvSpPr>
+        <p:spPr>
+          <a:xfrm>
+            <a:off x="9642867" y="4437014"/>
+            <a:ext cx="156754" cy="300446"/>
+          </a:xfrm>
+          <a:prstGeom prst="upDownArrow">
+            <a:avLst/>
+          </a:prstGeom>
+          <a:solidFill>
+            <a:schemeClr val="bg1">
+              <a:lumMod val="65000"/>
+            </a:schemeClr>
+          </a:solidFill>
+          <a:ln>
+            <a:noFill/>
+          </a:ln>
+        </p:spPr>
+        <p:style>
+          <a:lnRef idx="2">
+            <a:schemeClr val="accent1">
+              <a:shade val="50000"/>
+            </a:schemeClr>
+          </a:lnRef>
+          <a:fillRef idx="1">
+            <a:schemeClr val="accent1"/>
+          </a:fillRef>
+          <a:effectRef idx="0">
+            <a:schemeClr val="accent1"/>
+          </a:effectRef>
+          <a:fontRef idx="minor">
+            <a:schemeClr val="lt1"/>
+          </a:fontRef>
+        </p:style>
+        <p:txBody>
+          <a:bodyPr rtlCol="0" anchor="ctr"/>
+          <a:lstStyle/>
+          <a:p>
+            <a:pPr algn="ctr"/>
+            <a:endParaRPr lang="en-US"/>
+          </a:p>
+        </p:txBody>
+      </p:sp>
+      <p:sp>
+        <p:nvSpPr>
+          <p:cNvPr id="48" name="Rectangle: Rounded Corners 47">
+            <a:extLst>
+              <a:ext uri="{FF2B5EF4-FFF2-40B4-BE49-F238E27FC236}">
+                <a16:creationId xmlns:a16="http://schemas.microsoft.com/office/drawing/2014/main" id="{119DD6E7-036C-4FB6-911E-8B068011C83E}"/>
+              </a:ext>
+            </a:extLst>
+          </p:cNvPr>
+          <p:cNvSpPr/>
+          <p:nvPr/>
+        </p:nvSpPr>
+        <p:spPr>
+          <a:xfrm>
+            <a:off x="278674" y="1484808"/>
+            <a:ext cx="3413760" cy="931817"/>
+          </a:xfrm>
+          <a:prstGeom prst="roundRect">
+            <a:avLst/>
+          </a:prstGeom>
+          <a:solidFill>
+            <a:srgbClr val="FF0000"/>
+          </a:solidFill>
+        </p:spPr>
+        <p:style>
+          <a:lnRef idx="2">
+            <a:schemeClr val="accent1">
+              <a:shade val="50000"/>
+            </a:schemeClr>
+          </a:lnRef>
+          <a:fillRef idx="1">
+            <a:schemeClr val="accent1"/>
+          </a:fillRef>
+          <a:effectRef idx="0">
+            <a:schemeClr val="accent1"/>
+          </a:effectRef>
+          <a:fontRef idx="minor">
+            <a:schemeClr val="lt1"/>
+          </a:fontRef>
+        </p:style>
+        <p:txBody>
+          <a:bodyPr rtlCol="0" anchor="ctr"/>
+          <a:lstStyle/>
+          <a:p>
+            <a:pPr algn="ctr"/>
+            <a:r>
+              <a:rPr lang="en-US" sz="3000" dirty="0"/>
+              <a:t>X</a:t>
+            </a:r>
+          </a:p>
+        </p:txBody>
+      </p:sp>
+      <p:sp>
+        <p:nvSpPr>
+          <p:cNvPr id="49" name="Rectangle: Rounded Corners 48">
+            <a:extLst>
+              <a:ext uri="{FF2B5EF4-FFF2-40B4-BE49-F238E27FC236}">
+                <a16:creationId xmlns:a16="http://schemas.microsoft.com/office/drawing/2014/main" id="{B6AF7203-1D7D-40C8-81A2-B83680333817}"/>
+              </a:ext>
+            </a:extLst>
+          </p:cNvPr>
+          <p:cNvSpPr/>
+          <p:nvPr/>
+        </p:nvSpPr>
+        <p:spPr>
+          <a:xfrm>
+            <a:off x="3866606" y="1484808"/>
+            <a:ext cx="1341120" cy="931817"/>
+          </a:xfrm>
+          <a:prstGeom prst="roundRect">
+            <a:avLst/>
+          </a:prstGeom>
+          <a:solidFill>
+            <a:srgbClr val="FF0000"/>
+          </a:solidFill>
+        </p:spPr>
+        <p:style>
+          <a:lnRef idx="2">
+            <a:schemeClr val="accent1">
+              <a:shade val="50000"/>
+            </a:schemeClr>
+          </a:lnRef>
+          <a:fillRef idx="1">
+            <a:schemeClr val="accent1"/>
+          </a:fillRef>
+          <a:effectRef idx="0">
+            <a:schemeClr val="accent1"/>
+          </a:effectRef>
+          <a:fontRef idx="minor">
+            <a:schemeClr val="lt1"/>
+          </a:fontRef>
+        </p:style>
+        <p:txBody>
+          <a:bodyPr rtlCol="0" anchor="ctr"/>
+          <a:lstStyle/>
+          <a:p>
+            <a:pPr algn="ctr"/>
+            <a:r>
+              <a:rPr lang="en-US" sz="3000" dirty="0"/>
+              <a:t>X</a:t>
+            </a:r>
+          </a:p>
+        </p:txBody>
+      </p:sp>
+      <p:sp>
+        <p:nvSpPr>
+          <p:cNvPr id="50" name="Rectangle: Rounded Corners 49">
+            <a:extLst>
+              <a:ext uri="{FF2B5EF4-FFF2-40B4-BE49-F238E27FC236}">
+                <a16:creationId xmlns:a16="http://schemas.microsoft.com/office/drawing/2014/main" id="{6801328F-A3BD-43C1-8530-CD719D5025EA}"/>
+              </a:ext>
+            </a:extLst>
+          </p:cNvPr>
+          <p:cNvSpPr/>
+          <p:nvPr/>
+        </p:nvSpPr>
+        <p:spPr>
+          <a:xfrm>
+            <a:off x="278674" y="4741817"/>
+            <a:ext cx="3413760" cy="931817"/>
+          </a:xfrm>
+          <a:prstGeom prst="roundRect">
+            <a:avLst/>
+          </a:prstGeom>
+          <a:solidFill>
+            <a:srgbClr val="FF0000"/>
+          </a:solidFill>
+        </p:spPr>
+        <p:style>
+          <a:lnRef idx="2">
+            <a:schemeClr val="accent1">
+              <a:shade val="50000"/>
+            </a:schemeClr>
+          </a:lnRef>
+          <a:fillRef idx="1">
+            <a:schemeClr val="accent1"/>
+          </a:fillRef>
+          <a:effectRef idx="0">
+            <a:schemeClr val="accent1"/>
+          </a:effectRef>
+          <a:fontRef idx="minor">
+            <a:schemeClr val="lt1"/>
+          </a:fontRef>
+        </p:style>
+        <p:txBody>
+          <a:bodyPr rtlCol="0" anchor="ctr"/>
+          <a:lstStyle/>
+          <a:p>
+            <a:pPr algn="ctr"/>
+            <a:r>
+              <a:rPr lang="en-US" sz="3000" dirty="0"/>
+              <a:t>X</a:t>
+            </a:r>
+          </a:p>
+        </p:txBody>
+      </p:sp>
+      <p:sp>
+        <p:nvSpPr>
+          <p:cNvPr id="51" name="Rectangle: Rounded Corners 50">
+            <a:extLst>
+              <a:ext uri="{FF2B5EF4-FFF2-40B4-BE49-F238E27FC236}">
+                <a16:creationId xmlns:a16="http://schemas.microsoft.com/office/drawing/2014/main" id="{55832E20-7BE1-4C3C-8E74-0FD0BA9A3A0F}"/>
+              </a:ext>
+            </a:extLst>
+          </p:cNvPr>
+          <p:cNvSpPr/>
+          <p:nvPr/>
+        </p:nvSpPr>
+        <p:spPr>
+          <a:xfrm>
+            <a:off x="3866606" y="4741817"/>
+            <a:ext cx="1341120" cy="931817"/>
+          </a:xfrm>
+          <a:prstGeom prst="roundRect">
+            <a:avLst/>
+          </a:prstGeom>
+          <a:solidFill>
+            <a:srgbClr val="FF0000"/>
+          </a:solidFill>
+        </p:spPr>
+        <p:style>
+          <a:lnRef idx="2">
+            <a:schemeClr val="accent1">
+              <a:shade val="50000"/>
+            </a:schemeClr>
+          </a:lnRef>
+          <a:fillRef idx="1">
+            <a:schemeClr val="accent1"/>
+          </a:fillRef>
+          <a:effectRef idx="0">
+            <a:schemeClr val="accent1"/>
+          </a:effectRef>
+          <a:fontRef idx="minor">
+            <a:schemeClr val="lt1"/>
+          </a:fontRef>
+        </p:style>
+        <p:txBody>
+          <a:bodyPr rtlCol="0" anchor="ctr"/>
+          <a:lstStyle/>
+          <a:p>
+            <a:pPr algn="ctr"/>
+            <a:r>
+              <a:rPr lang="en-US" sz="3000" dirty="0"/>
+              <a:t>X</a:t>
+            </a:r>
+          </a:p>
+        </p:txBody>
+      </p:sp>
+      <p:sp>
+        <p:nvSpPr>
+          <p:cNvPr id="52" name="Multiplication Sign 51">
+            <a:extLst>
+              <a:ext uri="{FF2B5EF4-FFF2-40B4-BE49-F238E27FC236}">
+                <a16:creationId xmlns:a16="http://schemas.microsoft.com/office/drawing/2014/main" id="{60B50A50-5FAA-45C2-875C-20AF736F7C85}"/>
+              </a:ext>
+            </a:extLst>
+          </p:cNvPr>
+          <p:cNvSpPr/>
+          <p:nvPr/>
+        </p:nvSpPr>
+        <p:spPr>
+          <a:xfrm>
+            <a:off x="8763301" y="4247183"/>
+            <a:ext cx="1915886" cy="1921078"/>
+          </a:xfrm>
+          <a:prstGeom prst="mathMultiply">
+            <a:avLst/>
+          </a:prstGeom>
+          <a:solidFill>
+            <a:schemeClr val="tx1"/>
+          </a:solidFill>
+          <a:ln>
+            <a:noFill/>
+          </a:ln>
+        </p:spPr>
+        <p:style>
+          <a:lnRef idx="2">
+            <a:schemeClr val="accent1">
+              <a:shade val="50000"/>
+            </a:schemeClr>
+          </a:lnRef>
+          <a:fillRef idx="1">
+            <a:schemeClr val="accent1"/>
+          </a:fillRef>
+          <a:effectRef idx="0">
+            <a:schemeClr val="accent1"/>
+          </a:effectRef>
+          <a:fontRef idx="minor">
+            <a:schemeClr val="lt1"/>
+          </a:fontRef>
+        </p:style>
+        <p:txBody>
+          <a:bodyPr rtlCol="0" anchor="ctr"/>
+          <a:lstStyle/>
+          <a:p>
+            <a:pPr algn="ctr"/>
+            <a:endParaRPr lang="en-US" dirty="0"/>
+          </a:p>
+        </p:txBody>
+      </p:sp>
+    </p:spTree>
+    <p:extLst>
+      <p:ext uri="{BB962C8B-B14F-4D97-AF65-F5344CB8AC3E}">
+        <p14:creationId xmlns:p14="http://schemas.microsoft.com/office/powerpoint/2010/main" val="906711284"/>
       </p:ext>
     </p:extLst>
   </p:cSld>

--- a/AppendixFigures.pptx
+++ b/AppendixFigures.pptx
@@ -5,11 +5,11 @@
     <p:sldMasterId id="2147483648" r:id="rId1"/>
   </p:sldMasterIdLst>
   <p:sldIdLst>
-    <p:sldId id="256" r:id="rId2"/>
-    <p:sldId id="257" r:id="rId3"/>
+    <p:sldId id="260" r:id="rId2"/>
+    <p:sldId id="259" r:id="rId3"/>
     <p:sldId id="258" r:id="rId4"/>
-    <p:sldId id="259" r:id="rId5"/>
-    <p:sldId id="260" r:id="rId6"/>
+    <p:sldId id="256" r:id="rId5"/>
+    <p:sldId id="257" r:id="rId6"/>
   </p:sldIdLst>
   <p:sldSz cx="12192000" cy="6858000"/>
   <p:notesSz cx="6858000" cy="9144000"/>
@@ -263,7 +263,7 @@
           <a:p>
             <a:fld id="{DC28E040-A364-416A-9DA5-21FF293836DD}" type="datetimeFigureOut">
               <a:rPr lang="en-US" smtClean="0"/>
-              <a:t>7/24/2020</a:t>
+              <a:t>7/26/2020</a:t>
             </a:fld>
             <a:endParaRPr lang="en-US"/>
           </a:p>
@@ -461,7 +461,7 @@
           <a:p>
             <a:fld id="{DC28E040-A364-416A-9DA5-21FF293836DD}" type="datetimeFigureOut">
               <a:rPr lang="en-US" smtClean="0"/>
-              <a:t>7/24/2020</a:t>
+              <a:t>7/26/2020</a:t>
             </a:fld>
             <a:endParaRPr lang="en-US"/>
           </a:p>
@@ -669,7 +669,7 @@
           <a:p>
             <a:fld id="{DC28E040-A364-416A-9DA5-21FF293836DD}" type="datetimeFigureOut">
               <a:rPr lang="en-US" smtClean="0"/>
-              <a:t>7/24/2020</a:t>
+              <a:t>7/26/2020</a:t>
             </a:fld>
             <a:endParaRPr lang="en-US"/>
           </a:p>
@@ -867,7 +867,7 @@
           <a:p>
             <a:fld id="{DC28E040-A364-416A-9DA5-21FF293836DD}" type="datetimeFigureOut">
               <a:rPr lang="en-US" smtClean="0"/>
-              <a:t>7/24/2020</a:t>
+              <a:t>7/26/2020</a:t>
             </a:fld>
             <a:endParaRPr lang="en-US"/>
           </a:p>
@@ -1142,7 +1142,7 @@
           <a:p>
             <a:fld id="{DC28E040-A364-416A-9DA5-21FF293836DD}" type="datetimeFigureOut">
               <a:rPr lang="en-US" smtClean="0"/>
-              <a:t>7/24/2020</a:t>
+              <a:t>7/26/2020</a:t>
             </a:fld>
             <a:endParaRPr lang="en-US"/>
           </a:p>
@@ -1407,7 +1407,7 @@
           <a:p>
             <a:fld id="{DC28E040-A364-416A-9DA5-21FF293836DD}" type="datetimeFigureOut">
               <a:rPr lang="en-US" smtClean="0"/>
-              <a:t>7/24/2020</a:t>
+              <a:t>7/26/2020</a:t>
             </a:fld>
             <a:endParaRPr lang="en-US"/>
           </a:p>
@@ -1819,7 +1819,7 @@
           <a:p>
             <a:fld id="{DC28E040-A364-416A-9DA5-21FF293836DD}" type="datetimeFigureOut">
               <a:rPr lang="en-US" smtClean="0"/>
-              <a:t>7/24/2020</a:t>
+              <a:t>7/26/2020</a:t>
             </a:fld>
             <a:endParaRPr lang="en-US"/>
           </a:p>
@@ -1960,7 +1960,7 @@
           <a:p>
             <a:fld id="{DC28E040-A364-416A-9DA5-21FF293836DD}" type="datetimeFigureOut">
               <a:rPr lang="en-US" smtClean="0"/>
-              <a:t>7/24/2020</a:t>
+              <a:t>7/26/2020</a:t>
             </a:fld>
             <a:endParaRPr lang="en-US"/>
           </a:p>
@@ -2073,7 +2073,7 @@
           <a:p>
             <a:fld id="{DC28E040-A364-416A-9DA5-21FF293836DD}" type="datetimeFigureOut">
               <a:rPr lang="en-US" smtClean="0"/>
-              <a:t>7/24/2020</a:t>
+              <a:t>7/26/2020</a:t>
             </a:fld>
             <a:endParaRPr lang="en-US"/>
           </a:p>
@@ -2384,7 +2384,7 @@
           <a:p>
             <a:fld id="{DC28E040-A364-416A-9DA5-21FF293836DD}" type="datetimeFigureOut">
               <a:rPr lang="en-US" smtClean="0"/>
-              <a:t>7/24/2020</a:t>
+              <a:t>7/26/2020</a:t>
             </a:fld>
             <a:endParaRPr lang="en-US"/>
           </a:p>
@@ -2672,7 +2672,7 @@
           <a:p>
             <a:fld id="{DC28E040-A364-416A-9DA5-21FF293836DD}" type="datetimeFigureOut">
               <a:rPr lang="en-US" smtClean="0"/>
-              <a:t>7/24/2020</a:t>
+              <a:t>7/26/2020</a:t>
             </a:fld>
             <a:endParaRPr lang="en-US"/>
           </a:p>
@@ -2913,7 +2913,7 @@
           <a:p>
             <a:fld id="{DC28E040-A364-416A-9DA5-21FF293836DD}" type="datetimeFigureOut">
               <a:rPr lang="en-US" smtClean="0"/>
-              <a:t>7/24/2020</a:t>
+              <a:t>7/26/2020</a:t>
             </a:fld>
             <a:endParaRPr lang="en-US"/>
           </a:p>
@@ -3436,162 +3436,6 @@
       </p:sp>
       <p:sp>
         <p:nvSpPr>
-          <p:cNvPr id="7" name="Rectangle: Rounded Corners 6">
-            <a:extLst>
-              <a:ext uri="{FF2B5EF4-FFF2-40B4-BE49-F238E27FC236}">
-                <a16:creationId xmlns:a16="http://schemas.microsoft.com/office/drawing/2014/main" id="{7993898E-D6D9-4599-8364-EBDDCD1AEEFD}"/>
-              </a:ext>
-            </a:extLst>
-          </p:cNvPr>
-          <p:cNvSpPr/>
-          <p:nvPr/>
-        </p:nvSpPr>
-        <p:spPr>
-          <a:xfrm>
-            <a:off x="278674" y="1484812"/>
-            <a:ext cx="1341120" cy="931817"/>
-          </a:xfrm>
-          <a:prstGeom prst="roundRect">
-            <a:avLst/>
-          </a:prstGeom>
-          <a:solidFill>
-            <a:schemeClr val="accent1"/>
-          </a:solidFill>
-        </p:spPr>
-        <p:style>
-          <a:lnRef idx="2">
-            <a:schemeClr val="accent1">
-              <a:shade val="50000"/>
-            </a:schemeClr>
-          </a:lnRef>
-          <a:fillRef idx="1">
-            <a:schemeClr val="accent1"/>
-          </a:fillRef>
-          <a:effectRef idx="0">
-            <a:schemeClr val="accent1"/>
-          </a:effectRef>
-          <a:fontRef idx="minor">
-            <a:schemeClr val="lt1"/>
-          </a:fontRef>
-        </p:style>
-        <p:txBody>
-          <a:bodyPr rtlCol="0" anchor="ctr"/>
-          <a:lstStyle/>
-          <a:p>
-            <a:pPr algn="ctr"/>
-            <a:r>
-              <a:rPr lang="en-US" sz="3000" dirty="0"/>
-              <a:t>Y</a:t>
-            </a:r>
-          </a:p>
-        </p:txBody>
-      </p:sp>
-      <p:sp>
-        <p:nvSpPr>
-          <p:cNvPr id="8" name="Rectangle: Rounded Corners 7">
-            <a:extLst>
-              <a:ext uri="{FF2B5EF4-FFF2-40B4-BE49-F238E27FC236}">
-                <a16:creationId xmlns:a16="http://schemas.microsoft.com/office/drawing/2014/main" id="{F093FEC2-C259-4126-9108-254ECF183C2F}"/>
-              </a:ext>
-            </a:extLst>
-          </p:cNvPr>
-          <p:cNvSpPr/>
-          <p:nvPr/>
-        </p:nvSpPr>
-        <p:spPr>
-          <a:xfrm>
-            <a:off x="2351314" y="1484812"/>
-            <a:ext cx="1341120" cy="931817"/>
-          </a:xfrm>
-          <a:prstGeom prst="roundRect">
-            <a:avLst/>
-          </a:prstGeom>
-          <a:solidFill>
-            <a:schemeClr val="accent1"/>
-          </a:solidFill>
-        </p:spPr>
-        <p:style>
-          <a:lnRef idx="2">
-            <a:schemeClr val="accent1">
-              <a:shade val="50000"/>
-            </a:schemeClr>
-          </a:lnRef>
-          <a:fillRef idx="1">
-            <a:schemeClr val="accent1"/>
-          </a:fillRef>
-          <a:effectRef idx="0">
-            <a:schemeClr val="accent1"/>
-          </a:effectRef>
-          <a:fontRef idx="minor">
-            <a:schemeClr val="lt1"/>
-          </a:fontRef>
-        </p:style>
-        <p:txBody>
-          <a:bodyPr rtlCol="0" anchor="ctr"/>
-          <a:lstStyle/>
-          <a:p>
-            <a:pPr algn="ctr"/>
-            <a:r>
-              <a:rPr lang="en-US" sz="3000" dirty="0"/>
-              <a:t>Y</a:t>
-            </a:r>
-          </a:p>
-        </p:txBody>
-      </p:sp>
-      <p:sp>
-        <p:nvSpPr>
-          <p:cNvPr id="9" name="Rectangle: Rounded Corners 8">
-            <a:extLst>
-              <a:ext uri="{FF2B5EF4-FFF2-40B4-BE49-F238E27FC236}">
-                <a16:creationId xmlns:a16="http://schemas.microsoft.com/office/drawing/2014/main" id="{8B249B5F-155C-4C87-8156-4C6069495799}"/>
-              </a:ext>
-            </a:extLst>
-          </p:cNvPr>
-          <p:cNvSpPr/>
-          <p:nvPr/>
-        </p:nvSpPr>
-        <p:spPr>
-          <a:xfrm>
-            <a:off x="3866606" y="1484812"/>
-            <a:ext cx="1341120" cy="931817"/>
-          </a:xfrm>
-          <a:prstGeom prst="roundRect">
-            <a:avLst/>
-          </a:prstGeom>
-          <a:solidFill>
-            <a:schemeClr val="accent1"/>
-          </a:solidFill>
-        </p:spPr>
-        <p:style>
-          <a:lnRef idx="2">
-            <a:schemeClr val="accent1">
-              <a:shade val="50000"/>
-            </a:schemeClr>
-          </a:lnRef>
-          <a:fillRef idx="1">
-            <a:schemeClr val="accent1"/>
-          </a:fillRef>
-          <a:effectRef idx="0">
-            <a:schemeClr val="accent1"/>
-          </a:effectRef>
-          <a:fontRef idx="minor">
-            <a:schemeClr val="lt1"/>
-          </a:fontRef>
-        </p:style>
-        <p:txBody>
-          <a:bodyPr rtlCol="0" anchor="ctr"/>
-          <a:lstStyle/>
-          <a:p>
-            <a:pPr algn="ctr"/>
-            <a:r>
-              <a:rPr lang="en-US" sz="3000" dirty="0"/>
-              <a:t>Y</a:t>
-            </a:r>
-          </a:p>
-        </p:txBody>
-      </p:sp>
-      <p:sp>
-        <p:nvSpPr>
           <p:cNvPr id="10" name="Arrow: Up-Down 9">
             <a:extLst>
               <a:ext uri="{FF2B5EF4-FFF2-40B4-BE49-F238E27FC236}">
@@ -4170,162 +4014,6 @@
       </p:sp>
       <p:sp>
         <p:nvSpPr>
-          <p:cNvPr id="24" name="Rectangle: Rounded Corners 23">
-            <a:extLst>
-              <a:ext uri="{FF2B5EF4-FFF2-40B4-BE49-F238E27FC236}">
-                <a16:creationId xmlns:a16="http://schemas.microsoft.com/office/drawing/2014/main" id="{27842599-C982-460C-A2F1-6AF4D9156F6E}"/>
-              </a:ext>
-            </a:extLst>
-          </p:cNvPr>
-          <p:cNvSpPr/>
-          <p:nvPr/>
-        </p:nvSpPr>
-        <p:spPr>
-          <a:xfrm>
-            <a:off x="278674" y="4741818"/>
-            <a:ext cx="1341120" cy="931817"/>
-          </a:xfrm>
-          <a:prstGeom prst="roundRect">
-            <a:avLst/>
-          </a:prstGeom>
-          <a:solidFill>
-            <a:schemeClr val="accent1"/>
-          </a:solidFill>
-        </p:spPr>
-        <p:style>
-          <a:lnRef idx="2">
-            <a:schemeClr val="accent1">
-              <a:shade val="50000"/>
-            </a:schemeClr>
-          </a:lnRef>
-          <a:fillRef idx="1">
-            <a:schemeClr val="accent1"/>
-          </a:fillRef>
-          <a:effectRef idx="0">
-            <a:schemeClr val="accent1"/>
-          </a:effectRef>
-          <a:fontRef idx="minor">
-            <a:schemeClr val="lt1"/>
-          </a:fontRef>
-        </p:style>
-        <p:txBody>
-          <a:bodyPr rtlCol="0" anchor="ctr"/>
-          <a:lstStyle/>
-          <a:p>
-            <a:pPr algn="ctr"/>
-            <a:r>
-              <a:rPr lang="en-US" sz="3000" dirty="0"/>
-              <a:t>Y</a:t>
-            </a:r>
-          </a:p>
-        </p:txBody>
-      </p:sp>
-      <p:sp>
-        <p:nvSpPr>
-          <p:cNvPr id="25" name="Rectangle: Rounded Corners 24">
-            <a:extLst>
-              <a:ext uri="{FF2B5EF4-FFF2-40B4-BE49-F238E27FC236}">
-                <a16:creationId xmlns:a16="http://schemas.microsoft.com/office/drawing/2014/main" id="{F1A715FE-0A78-42C3-B347-A28DF70DEF15}"/>
-              </a:ext>
-            </a:extLst>
-          </p:cNvPr>
-          <p:cNvSpPr/>
-          <p:nvPr/>
-        </p:nvSpPr>
-        <p:spPr>
-          <a:xfrm>
-            <a:off x="2351314" y="4741818"/>
-            <a:ext cx="1341120" cy="931817"/>
-          </a:xfrm>
-          <a:prstGeom prst="roundRect">
-            <a:avLst/>
-          </a:prstGeom>
-          <a:solidFill>
-            <a:schemeClr val="accent1"/>
-          </a:solidFill>
-        </p:spPr>
-        <p:style>
-          <a:lnRef idx="2">
-            <a:schemeClr val="accent1">
-              <a:shade val="50000"/>
-            </a:schemeClr>
-          </a:lnRef>
-          <a:fillRef idx="1">
-            <a:schemeClr val="accent1"/>
-          </a:fillRef>
-          <a:effectRef idx="0">
-            <a:schemeClr val="accent1"/>
-          </a:effectRef>
-          <a:fontRef idx="minor">
-            <a:schemeClr val="lt1"/>
-          </a:fontRef>
-        </p:style>
-        <p:txBody>
-          <a:bodyPr rtlCol="0" anchor="ctr"/>
-          <a:lstStyle/>
-          <a:p>
-            <a:pPr algn="ctr"/>
-            <a:r>
-              <a:rPr lang="en-US" sz="3000" dirty="0"/>
-              <a:t>Y</a:t>
-            </a:r>
-          </a:p>
-        </p:txBody>
-      </p:sp>
-      <p:sp>
-        <p:nvSpPr>
-          <p:cNvPr id="26" name="Rectangle: Rounded Corners 25">
-            <a:extLst>
-              <a:ext uri="{FF2B5EF4-FFF2-40B4-BE49-F238E27FC236}">
-                <a16:creationId xmlns:a16="http://schemas.microsoft.com/office/drawing/2014/main" id="{DD801DD6-17B0-4B26-B8A1-A397056DEA70}"/>
-              </a:ext>
-            </a:extLst>
-          </p:cNvPr>
-          <p:cNvSpPr/>
-          <p:nvPr/>
-        </p:nvSpPr>
-        <p:spPr>
-          <a:xfrm>
-            <a:off x="3866606" y="4741818"/>
-            <a:ext cx="1341120" cy="931817"/>
-          </a:xfrm>
-          <a:prstGeom prst="roundRect">
-            <a:avLst/>
-          </a:prstGeom>
-          <a:solidFill>
-            <a:schemeClr val="accent1"/>
-          </a:solidFill>
-        </p:spPr>
-        <p:style>
-          <a:lnRef idx="2">
-            <a:schemeClr val="accent1">
-              <a:shade val="50000"/>
-            </a:schemeClr>
-          </a:lnRef>
-          <a:fillRef idx="1">
-            <a:schemeClr val="accent1"/>
-          </a:fillRef>
-          <a:effectRef idx="0">
-            <a:schemeClr val="accent1"/>
-          </a:effectRef>
-          <a:fontRef idx="minor">
-            <a:schemeClr val="lt1"/>
-          </a:fontRef>
-        </p:style>
-        <p:txBody>
-          <a:bodyPr rtlCol="0" anchor="ctr"/>
-          <a:lstStyle/>
-          <a:p>
-            <a:pPr algn="ctr"/>
-            <a:r>
-              <a:rPr lang="en-US" sz="3000" dirty="0"/>
-              <a:t>Y</a:t>
-            </a:r>
-          </a:p>
-        </p:txBody>
-      </p:sp>
-      <p:sp>
-        <p:nvSpPr>
           <p:cNvPr id="27" name="Arrow: Up-Down 26">
             <a:extLst>
               <a:ext uri="{FF2B5EF4-FFF2-40B4-BE49-F238E27FC236}">
@@ -4812,7 +4500,7 @@
         </p:nvSpPr>
         <p:spPr>
           <a:xfrm>
-            <a:off x="1045029" y="3010566"/>
+            <a:off x="8763301" y="3010566"/>
             <a:ext cx="1915886" cy="1921078"/>
           </a:xfrm>
           <a:prstGeom prst="mathMultiply">
@@ -4846,32 +4534,113 @@
           <a:lstStyle/>
           <a:p>
             <a:pPr algn="ctr"/>
-            <a:endParaRPr lang="en-US"/>
-          </a:p>
-        </p:txBody>
-      </p:sp>
-      <p:sp>
-        <p:nvSpPr>
-          <p:cNvPr id="37" name="Multiplication Sign 36">
-            <a:extLst>
-              <a:ext uri="{FF2B5EF4-FFF2-40B4-BE49-F238E27FC236}">
-                <a16:creationId xmlns:a16="http://schemas.microsoft.com/office/drawing/2014/main" id="{13A1C9E6-60BC-4551-B9DB-8FE9CE9A4CCF}"/>
-              </a:ext>
-            </a:extLst>
-          </p:cNvPr>
-          <p:cNvSpPr/>
-          <p:nvPr/>
-        </p:nvSpPr>
-        <p:spPr>
-          <a:xfrm>
-            <a:off x="-8709" y="4247183"/>
-            <a:ext cx="1915886" cy="1921078"/>
-          </a:xfrm>
-          <a:prstGeom prst="mathMultiply">
-            <a:avLst/>
-          </a:prstGeom>
-          <a:solidFill>
-            <a:schemeClr val="tx1"/>
+            <a:endParaRPr lang="en-US" dirty="0"/>
+          </a:p>
+        </p:txBody>
+      </p:sp>
+      <p:sp>
+        <p:nvSpPr>
+          <p:cNvPr id="40" name="TextBox 39">
+            <a:extLst>
+              <a:ext uri="{FF2B5EF4-FFF2-40B4-BE49-F238E27FC236}">
+                <a16:creationId xmlns:a16="http://schemas.microsoft.com/office/drawing/2014/main" id="{35452F7F-B3D5-42D2-902E-C98E34F12C7E}"/>
+              </a:ext>
+            </a:extLst>
+          </p:cNvPr>
+          <p:cNvSpPr txBox="1"/>
+          <p:nvPr/>
+        </p:nvSpPr>
+        <p:spPr>
+          <a:xfrm>
+            <a:off x="10537371" y="942174"/>
+            <a:ext cx="1165704" cy="784830"/>
+          </a:xfrm>
+          <a:prstGeom prst="rect">
+            <a:avLst/>
+          </a:prstGeom>
+          <a:noFill/>
+        </p:spPr>
+        <p:txBody>
+          <a:bodyPr wrap="none" rtlCol="0">
+            <a:spAutoFit/>
+          </a:bodyPr>
+          <a:lstStyle/>
+          <a:p>
+            <a:r>
+              <a:rPr lang="en-US" sz="4500" dirty="0"/>
+              <a:t>P(A)</a:t>
+            </a:r>
+          </a:p>
+        </p:txBody>
+      </p:sp>
+      <p:sp>
+        <p:nvSpPr>
+          <p:cNvPr id="41" name="TextBox 40">
+            <a:extLst>
+              <a:ext uri="{FF2B5EF4-FFF2-40B4-BE49-F238E27FC236}">
+                <a16:creationId xmlns:a16="http://schemas.microsoft.com/office/drawing/2014/main" id="{1220067B-FD50-468E-BADF-E132DA50D9AC}"/>
+              </a:ext>
+            </a:extLst>
+          </p:cNvPr>
+          <p:cNvSpPr txBox="1"/>
+          <p:nvPr/>
+        </p:nvSpPr>
+        <p:spPr>
+          <a:xfrm>
+            <a:off x="10537370" y="4199180"/>
+            <a:ext cx="1765227" cy="784830"/>
+          </a:xfrm>
+          <a:prstGeom prst="rect">
+            <a:avLst/>
+          </a:prstGeom>
+          <a:noFill/>
+        </p:spPr>
+        <p:txBody>
+          <a:bodyPr wrap="none" rtlCol="0">
+            <a:spAutoFit/>
+          </a:bodyPr>
+          <a:lstStyle/>
+          <a:p>
+            <a:r>
+              <a:rPr lang="en-US" sz="4500"/>
+              <a:t>P(A|</a:t>
+            </a:r>
+            <a:r>
+              <a:rPr lang="en-US" sz="4500" dirty="0"/>
+              <a:t>A</a:t>
+            </a:r>
+            <a:r>
+              <a:rPr lang="en-US" sz="4500"/>
+              <a:t>)</a:t>
+            </a:r>
+            <a:endParaRPr lang="en-US" sz="4500" dirty="0"/>
+          </a:p>
+        </p:txBody>
+      </p:sp>
+      <p:sp>
+        <p:nvSpPr>
+          <p:cNvPr id="42" name="Arrow: Up-Down 41">
+            <a:extLst>
+              <a:ext uri="{FF2B5EF4-FFF2-40B4-BE49-F238E27FC236}">
+                <a16:creationId xmlns:a16="http://schemas.microsoft.com/office/drawing/2014/main" id="{C6C68A54-9302-4B73-9D3F-82E2BCE46918}"/>
+              </a:ext>
+            </a:extLst>
+          </p:cNvPr>
+          <p:cNvSpPr/>
+          <p:nvPr/>
+        </p:nvSpPr>
+        <p:spPr>
+          <a:xfrm>
+            <a:off x="6693615" y="1184366"/>
+            <a:ext cx="156754" cy="300446"/>
+          </a:xfrm>
+          <a:prstGeom prst="upDownArrow">
+            <a:avLst/>
+          </a:prstGeom>
+          <a:solidFill>
+            <a:schemeClr val="bg1">
+              <a:lumMod val="65000"/>
+            </a:schemeClr>
           </a:solidFill>
           <a:ln>
             <a:noFill/>
@@ -4904,26 +4673,28 @@
       </p:sp>
       <p:sp>
         <p:nvSpPr>
-          <p:cNvPr id="38" name="Multiplication Sign 37">
-            <a:extLst>
-              <a:ext uri="{FF2B5EF4-FFF2-40B4-BE49-F238E27FC236}">
-                <a16:creationId xmlns:a16="http://schemas.microsoft.com/office/drawing/2014/main" id="{7A6BE7E3-6EE7-402A-AE59-FAF5B5ADEF7C}"/>
-              </a:ext>
-            </a:extLst>
-          </p:cNvPr>
-          <p:cNvSpPr/>
-          <p:nvPr/>
-        </p:nvSpPr>
-        <p:spPr>
-          <a:xfrm>
-            <a:off x="2058658" y="4247183"/>
-            <a:ext cx="1915886" cy="1921078"/>
-          </a:xfrm>
-          <a:prstGeom prst="mathMultiply">
-            <a:avLst/>
-          </a:prstGeom>
-          <a:solidFill>
-            <a:schemeClr val="tx1"/>
+          <p:cNvPr id="43" name="Arrow: Up-Down 42">
+            <a:extLst>
+              <a:ext uri="{FF2B5EF4-FFF2-40B4-BE49-F238E27FC236}">
+                <a16:creationId xmlns:a16="http://schemas.microsoft.com/office/drawing/2014/main" id="{17CB07AB-169F-4952-9D9B-A19667E8B69C}"/>
+              </a:ext>
+            </a:extLst>
+          </p:cNvPr>
+          <p:cNvSpPr/>
+          <p:nvPr/>
+        </p:nvSpPr>
+        <p:spPr>
+          <a:xfrm>
+            <a:off x="8168640" y="1180008"/>
+            <a:ext cx="156754" cy="300446"/>
+          </a:xfrm>
+          <a:prstGeom prst="upDownArrow">
+            <a:avLst/>
+          </a:prstGeom>
+          <a:solidFill>
+            <a:schemeClr val="bg1">
+              <a:lumMod val="65000"/>
+            </a:schemeClr>
           </a:solidFill>
           <a:ln>
             <a:noFill/>
@@ -4956,26 +4727,28 @@
       </p:sp>
       <p:sp>
         <p:nvSpPr>
-          <p:cNvPr id="39" name="Multiplication Sign 38">
-            <a:extLst>
-              <a:ext uri="{FF2B5EF4-FFF2-40B4-BE49-F238E27FC236}">
-                <a16:creationId xmlns:a16="http://schemas.microsoft.com/office/drawing/2014/main" id="{755CC38A-7B14-4A33-BA74-1ED0B356F3EA}"/>
-              </a:ext>
-            </a:extLst>
-          </p:cNvPr>
-          <p:cNvSpPr/>
-          <p:nvPr/>
-        </p:nvSpPr>
-        <p:spPr>
-          <a:xfrm>
-            <a:off x="3577504" y="4247183"/>
-            <a:ext cx="1915886" cy="1921078"/>
-          </a:xfrm>
-          <a:prstGeom prst="mathMultiply">
-            <a:avLst/>
-          </a:prstGeom>
-          <a:solidFill>
-            <a:schemeClr val="tx1"/>
+          <p:cNvPr id="44" name="Arrow: Up-Down 43">
+            <a:extLst>
+              <a:ext uri="{FF2B5EF4-FFF2-40B4-BE49-F238E27FC236}">
+                <a16:creationId xmlns:a16="http://schemas.microsoft.com/office/drawing/2014/main" id="{C1181C6C-E184-4C27-A5ED-0E50F1E2B683}"/>
+              </a:ext>
+            </a:extLst>
+          </p:cNvPr>
+          <p:cNvSpPr/>
+          <p:nvPr/>
+        </p:nvSpPr>
+        <p:spPr>
+          <a:xfrm>
+            <a:off x="9643665" y="1180008"/>
+            <a:ext cx="156754" cy="300446"/>
+          </a:xfrm>
+          <a:prstGeom prst="upDownArrow">
+            <a:avLst/>
+          </a:prstGeom>
+          <a:solidFill>
+            <a:schemeClr val="bg1">
+              <a:lumMod val="65000"/>
+            </a:schemeClr>
           </a:solidFill>
           <a:ln>
             <a:noFill/>
@@ -5008,10 +4781,510 @@
       </p:sp>
       <p:sp>
         <p:nvSpPr>
-          <p:cNvPr id="40" name="TextBox 39">
-            <a:extLst>
-              <a:ext uri="{FF2B5EF4-FFF2-40B4-BE49-F238E27FC236}">
-                <a16:creationId xmlns:a16="http://schemas.microsoft.com/office/drawing/2014/main" id="{35452F7F-B3D5-42D2-902E-C98E34F12C7E}"/>
+          <p:cNvPr id="45" name="Arrow: Up-Down 44">
+            <a:extLst>
+              <a:ext uri="{FF2B5EF4-FFF2-40B4-BE49-F238E27FC236}">
+                <a16:creationId xmlns:a16="http://schemas.microsoft.com/office/drawing/2014/main" id="{F6B0F8FC-75B2-49B0-BEF2-839DB53932F9}"/>
+              </a:ext>
+            </a:extLst>
+          </p:cNvPr>
+          <p:cNvSpPr/>
+          <p:nvPr/>
+        </p:nvSpPr>
+        <p:spPr>
+          <a:xfrm>
+            <a:off x="6688183" y="4437014"/>
+            <a:ext cx="156754" cy="300446"/>
+          </a:xfrm>
+          <a:prstGeom prst="upDownArrow">
+            <a:avLst/>
+          </a:prstGeom>
+          <a:solidFill>
+            <a:schemeClr val="bg1">
+              <a:lumMod val="65000"/>
+            </a:schemeClr>
+          </a:solidFill>
+          <a:ln>
+            <a:noFill/>
+          </a:ln>
+        </p:spPr>
+        <p:style>
+          <a:lnRef idx="2">
+            <a:schemeClr val="accent1">
+              <a:shade val="50000"/>
+            </a:schemeClr>
+          </a:lnRef>
+          <a:fillRef idx="1">
+            <a:schemeClr val="accent1"/>
+          </a:fillRef>
+          <a:effectRef idx="0">
+            <a:schemeClr val="accent1"/>
+          </a:effectRef>
+          <a:fontRef idx="minor">
+            <a:schemeClr val="lt1"/>
+          </a:fontRef>
+        </p:style>
+        <p:txBody>
+          <a:bodyPr rtlCol="0" anchor="ctr"/>
+          <a:lstStyle/>
+          <a:p>
+            <a:pPr algn="ctr"/>
+            <a:endParaRPr lang="en-US"/>
+          </a:p>
+        </p:txBody>
+      </p:sp>
+      <p:sp>
+        <p:nvSpPr>
+          <p:cNvPr id="46" name="Arrow: Up-Down 45">
+            <a:extLst>
+              <a:ext uri="{FF2B5EF4-FFF2-40B4-BE49-F238E27FC236}">
+                <a16:creationId xmlns:a16="http://schemas.microsoft.com/office/drawing/2014/main" id="{D899EB01-75EF-4A96-A6C6-12D19260CA1A}"/>
+              </a:ext>
+            </a:extLst>
+          </p:cNvPr>
+          <p:cNvSpPr/>
+          <p:nvPr/>
+        </p:nvSpPr>
+        <p:spPr>
+          <a:xfrm>
+            <a:off x="8168640" y="4437014"/>
+            <a:ext cx="156754" cy="300446"/>
+          </a:xfrm>
+          <a:prstGeom prst="upDownArrow">
+            <a:avLst/>
+          </a:prstGeom>
+          <a:solidFill>
+            <a:schemeClr val="bg1">
+              <a:lumMod val="65000"/>
+            </a:schemeClr>
+          </a:solidFill>
+          <a:ln>
+            <a:noFill/>
+          </a:ln>
+        </p:spPr>
+        <p:style>
+          <a:lnRef idx="2">
+            <a:schemeClr val="accent1">
+              <a:shade val="50000"/>
+            </a:schemeClr>
+          </a:lnRef>
+          <a:fillRef idx="1">
+            <a:schemeClr val="accent1"/>
+          </a:fillRef>
+          <a:effectRef idx="0">
+            <a:schemeClr val="accent1"/>
+          </a:effectRef>
+          <a:fontRef idx="minor">
+            <a:schemeClr val="lt1"/>
+          </a:fontRef>
+        </p:style>
+        <p:txBody>
+          <a:bodyPr rtlCol="0" anchor="ctr"/>
+          <a:lstStyle/>
+          <a:p>
+            <a:pPr algn="ctr"/>
+            <a:endParaRPr lang="en-US"/>
+          </a:p>
+        </p:txBody>
+      </p:sp>
+      <p:sp>
+        <p:nvSpPr>
+          <p:cNvPr id="47" name="Arrow: Up-Down 46">
+            <a:extLst>
+              <a:ext uri="{FF2B5EF4-FFF2-40B4-BE49-F238E27FC236}">
+                <a16:creationId xmlns:a16="http://schemas.microsoft.com/office/drawing/2014/main" id="{81F10637-D98B-4255-A64D-1EB5A4E0EFA0}"/>
+              </a:ext>
+            </a:extLst>
+          </p:cNvPr>
+          <p:cNvSpPr/>
+          <p:nvPr/>
+        </p:nvSpPr>
+        <p:spPr>
+          <a:xfrm>
+            <a:off x="9642867" y="4437014"/>
+            <a:ext cx="156754" cy="300446"/>
+          </a:xfrm>
+          <a:prstGeom prst="upDownArrow">
+            <a:avLst/>
+          </a:prstGeom>
+          <a:solidFill>
+            <a:schemeClr val="bg1">
+              <a:lumMod val="65000"/>
+            </a:schemeClr>
+          </a:solidFill>
+          <a:ln>
+            <a:noFill/>
+          </a:ln>
+        </p:spPr>
+        <p:style>
+          <a:lnRef idx="2">
+            <a:schemeClr val="accent1">
+              <a:shade val="50000"/>
+            </a:schemeClr>
+          </a:lnRef>
+          <a:fillRef idx="1">
+            <a:schemeClr val="accent1"/>
+          </a:fillRef>
+          <a:effectRef idx="0">
+            <a:schemeClr val="accent1"/>
+          </a:effectRef>
+          <a:fontRef idx="minor">
+            <a:schemeClr val="lt1"/>
+          </a:fontRef>
+        </p:style>
+        <p:txBody>
+          <a:bodyPr rtlCol="0" anchor="ctr"/>
+          <a:lstStyle/>
+          <a:p>
+            <a:pPr algn="ctr"/>
+            <a:endParaRPr lang="en-US"/>
+          </a:p>
+        </p:txBody>
+      </p:sp>
+      <p:sp>
+        <p:nvSpPr>
+          <p:cNvPr id="48" name="Rectangle: Rounded Corners 47">
+            <a:extLst>
+              <a:ext uri="{FF2B5EF4-FFF2-40B4-BE49-F238E27FC236}">
+                <a16:creationId xmlns:a16="http://schemas.microsoft.com/office/drawing/2014/main" id="{119DD6E7-036C-4FB6-911E-8B068011C83E}"/>
+              </a:ext>
+            </a:extLst>
+          </p:cNvPr>
+          <p:cNvSpPr/>
+          <p:nvPr/>
+        </p:nvSpPr>
+        <p:spPr>
+          <a:xfrm>
+            <a:off x="278674" y="1484808"/>
+            <a:ext cx="3413760" cy="931817"/>
+          </a:xfrm>
+          <a:prstGeom prst="roundRect">
+            <a:avLst/>
+          </a:prstGeom>
+          <a:solidFill>
+            <a:srgbClr val="FF0000"/>
+          </a:solidFill>
+        </p:spPr>
+        <p:style>
+          <a:lnRef idx="2">
+            <a:schemeClr val="accent1">
+              <a:shade val="50000"/>
+            </a:schemeClr>
+          </a:lnRef>
+          <a:fillRef idx="1">
+            <a:schemeClr val="accent1"/>
+          </a:fillRef>
+          <a:effectRef idx="0">
+            <a:schemeClr val="accent1"/>
+          </a:effectRef>
+          <a:fontRef idx="minor">
+            <a:schemeClr val="lt1"/>
+          </a:fontRef>
+        </p:style>
+        <p:txBody>
+          <a:bodyPr rtlCol="0" anchor="ctr"/>
+          <a:lstStyle/>
+          <a:p>
+            <a:pPr algn="ctr"/>
+            <a:r>
+              <a:rPr lang="en-US" sz="3000" dirty="0"/>
+              <a:t>X</a:t>
+            </a:r>
+          </a:p>
+        </p:txBody>
+      </p:sp>
+      <p:sp>
+        <p:nvSpPr>
+          <p:cNvPr id="49" name="Rectangle: Rounded Corners 48">
+            <a:extLst>
+              <a:ext uri="{FF2B5EF4-FFF2-40B4-BE49-F238E27FC236}">
+                <a16:creationId xmlns:a16="http://schemas.microsoft.com/office/drawing/2014/main" id="{B6AF7203-1D7D-40C8-81A2-B83680333817}"/>
+              </a:ext>
+            </a:extLst>
+          </p:cNvPr>
+          <p:cNvSpPr/>
+          <p:nvPr/>
+        </p:nvSpPr>
+        <p:spPr>
+          <a:xfrm>
+            <a:off x="3866606" y="1484808"/>
+            <a:ext cx="1341120" cy="931817"/>
+          </a:xfrm>
+          <a:prstGeom prst="roundRect">
+            <a:avLst/>
+          </a:prstGeom>
+          <a:solidFill>
+            <a:srgbClr val="FF0000"/>
+          </a:solidFill>
+        </p:spPr>
+        <p:style>
+          <a:lnRef idx="2">
+            <a:schemeClr val="accent1">
+              <a:shade val="50000"/>
+            </a:schemeClr>
+          </a:lnRef>
+          <a:fillRef idx="1">
+            <a:schemeClr val="accent1"/>
+          </a:fillRef>
+          <a:effectRef idx="0">
+            <a:schemeClr val="accent1"/>
+          </a:effectRef>
+          <a:fontRef idx="minor">
+            <a:schemeClr val="lt1"/>
+          </a:fontRef>
+        </p:style>
+        <p:txBody>
+          <a:bodyPr rtlCol="0" anchor="ctr"/>
+          <a:lstStyle/>
+          <a:p>
+            <a:pPr algn="ctr"/>
+            <a:r>
+              <a:rPr lang="en-US" sz="3000" dirty="0"/>
+              <a:t>X</a:t>
+            </a:r>
+          </a:p>
+        </p:txBody>
+      </p:sp>
+      <p:sp>
+        <p:nvSpPr>
+          <p:cNvPr id="50" name="Rectangle: Rounded Corners 49">
+            <a:extLst>
+              <a:ext uri="{FF2B5EF4-FFF2-40B4-BE49-F238E27FC236}">
+                <a16:creationId xmlns:a16="http://schemas.microsoft.com/office/drawing/2014/main" id="{6801328F-A3BD-43C1-8530-CD719D5025EA}"/>
+              </a:ext>
+            </a:extLst>
+          </p:cNvPr>
+          <p:cNvSpPr/>
+          <p:nvPr/>
+        </p:nvSpPr>
+        <p:spPr>
+          <a:xfrm>
+            <a:off x="278674" y="4741817"/>
+            <a:ext cx="3413760" cy="931817"/>
+          </a:xfrm>
+          <a:prstGeom prst="roundRect">
+            <a:avLst/>
+          </a:prstGeom>
+          <a:solidFill>
+            <a:srgbClr val="FF0000"/>
+          </a:solidFill>
+        </p:spPr>
+        <p:style>
+          <a:lnRef idx="2">
+            <a:schemeClr val="accent1">
+              <a:shade val="50000"/>
+            </a:schemeClr>
+          </a:lnRef>
+          <a:fillRef idx="1">
+            <a:schemeClr val="accent1"/>
+          </a:fillRef>
+          <a:effectRef idx="0">
+            <a:schemeClr val="accent1"/>
+          </a:effectRef>
+          <a:fontRef idx="minor">
+            <a:schemeClr val="lt1"/>
+          </a:fontRef>
+        </p:style>
+        <p:txBody>
+          <a:bodyPr rtlCol="0" anchor="ctr"/>
+          <a:lstStyle/>
+          <a:p>
+            <a:pPr algn="ctr"/>
+            <a:r>
+              <a:rPr lang="en-US" sz="3000" dirty="0"/>
+              <a:t>X</a:t>
+            </a:r>
+          </a:p>
+        </p:txBody>
+      </p:sp>
+      <p:sp>
+        <p:nvSpPr>
+          <p:cNvPr id="51" name="Rectangle: Rounded Corners 50">
+            <a:extLst>
+              <a:ext uri="{FF2B5EF4-FFF2-40B4-BE49-F238E27FC236}">
+                <a16:creationId xmlns:a16="http://schemas.microsoft.com/office/drawing/2014/main" id="{55832E20-7BE1-4C3C-8E74-0FD0BA9A3A0F}"/>
+              </a:ext>
+            </a:extLst>
+          </p:cNvPr>
+          <p:cNvSpPr/>
+          <p:nvPr/>
+        </p:nvSpPr>
+        <p:spPr>
+          <a:xfrm>
+            <a:off x="3866606" y="4741817"/>
+            <a:ext cx="1341120" cy="931817"/>
+          </a:xfrm>
+          <a:prstGeom prst="roundRect">
+            <a:avLst/>
+          </a:prstGeom>
+          <a:solidFill>
+            <a:srgbClr val="FF0000"/>
+          </a:solidFill>
+        </p:spPr>
+        <p:style>
+          <a:lnRef idx="2">
+            <a:schemeClr val="accent1">
+              <a:shade val="50000"/>
+            </a:schemeClr>
+          </a:lnRef>
+          <a:fillRef idx="1">
+            <a:schemeClr val="accent1"/>
+          </a:fillRef>
+          <a:effectRef idx="0">
+            <a:schemeClr val="accent1"/>
+          </a:effectRef>
+          <a:fontRef idx="minor">
+            <a:schemeClr val="lt1"/>
+          </a:fontRef>
+        </p:style>
+        <p:txBody>
+          <a:bodyPr rtlCol="0" anchor="ctr"/>
+          <a:lstStyle/>
+          <a:p>
+            <a:pPr algn="ctr"/>
+            <a:r>
+              <a:rPr lang="en-US" sz="3000" dirty="0"/>
+              <a:t>X</a:t>
+            </a:r>
+          </a:p>
+        </p:txBody>
+      </p:sp>
+      <p:sp>
+        <p:nvSpPr>
+          <p:cNvPr id="52" name="Multiplication Sign 51">
+            <a:extLst>
+              <a:ext uri="{FF2B5EF4-FFF2-40B4-BE49-F238E27FC236}">
+                <a16:creationId xmlns:a16="http://schemas.microsoft.com/office/drawing/2014/main" id="{60B50A50-5FAA-45C2-875C-20AF736F7C85}"/>
+              </a:ext>
+            </a:extLst>
+          </p:cNvPr>
+          <p:cNvSpPr/>
+          <p:nvPr/>
+        </p:nvSpPr>
+        <p:spPr>
+          <a:xfrm>
+            <a:off x="8763301" y="4247183"/>
+            <a:ext cx="1915886" cy="1921078"/>
+          </a:xfrm>
+          <a:prstGeom prst="mathMultiply">
+            <a:avLst/>
+          </a:prstGeom>
+          <a:solidFill>
+            <a:schemeClr val="tx1"/>
+          </a:solidFill>
+          <a:ln>
+            <a:noFill/>
+          </a:ln>
+        </p:spPr>
+        <p:style>
+          <a:lnRef idx="2">
+            <a:schemeClr val="accent1">
+              <a:shade val="50000"/>
+            </a:schemeClr>
+          </a:lnRef>
+          <a:fillRef idx="1">
+            <a:schemeClr val="accent1"/>
+          </a:fillRef>
+          <a:effectRef idx="0">
+            <a:schemeClr val="accent1"/>
+          </a:effectRef>
+          <a:fontRef idx="minor">
+            <a:schemeClr val="lt1"/>
+          </a:fontRef>
+        </p:style>
+        <p:txBody>
+          <a:bodyPr rtlCol="0" anchor="ctr"/>
+          <a:lstStyle/>
+          <a:p>
+            <a:pPr algn="ctr"/>
+            <a:endParaRPr lang="en-US" dirty="0"/>
+          </a:p>
+        </p:txBody>
+      </p:sp>
+      <p:pic>
+        <p:nvPicPr>
+          <p:cNvPr id="38" name="Graphic 37" descr="Female">
+            <a:extLst>
+              <a:ext uri="{FF2B5EF4-FFF2-40B4-BE49-F238E27FC236}">
+                <a16:creationId xmlns:a16="http://schemas.microsoft.com/office/drawing/2014/main" id="{995E488C-B352-41B3-A2EB-946E84C78FED}"/>
+              </a:ext>
+            </a:extLst>
+          </p:cNvPr>
+          <p:cNvPicPr>
+            <a:picLocks noChangeAspect="1"/>
+          </p:cNvPicPr>
+          <p:nvPr/>
+        </p:nvPicPr>
+        <p:blipFill>
+          <a:blip r:embed="rId2">
+            <a:extLst>
+              <a:ext uri="{28A0092B-C50C-407E-A947-70E740481C1C}">
+                <a14:useLocalDpi xmlns:a14="http://schemas.microsoft.com/office/drawing/2010/main" val="0"/>
+              </a:ext>
+              <a:ext uri="{96DAC541-7B7A-43D3-8B79-37D633B846F1}">
+                <asvg:svgBlip xmlns:asvg="http://schemas.microsoft.com/office/drawing/2016/SVG/main" r:embed="rId3"/>
+              </a:ext>
+            </a:extLst>
+          </a:blip>
+          <a:stretch>
+            <a:fillRect/>
+          </a:stretch>
+        </p:blipFill>
+        <p:spPr>
+          <a:xfrm>
+            <a:off x="11066311" y="181398"/>
+            <a:ext cx="1082180" cy="1082180"/>
+          </a:xfrm>
+          <a:prstGeom prst="rect">
+            <a:avLst/>
+          </a:prstGeom>
+        </p:spPr>
+      </p:pic>
+      <p:cxnSp>
+        <p:nvCxnSpPr>
+          <p:cNvPr id="39" name="Straight Connector 38">
+            <a:extLst>
+              <a:ext uri="{FF2B5EF4-FFF2-40B4-BE49-F238E27FC236}">
+                <a16:creationId xmlns:a16="http://schemas.microsoft.com/office/drawing/2014/main" id="{C606E2DD-A3DA-452A-BFD7-BC0E202A5B1F}"/>
+              </a:ext>
+            </a:extLst>
+          </p:cNvPr>
+          <p:cNvCxnSpPr/>
+          <p:nvPr/>
+        </p:nvCxnSpPr>
+        <p:spPr>
+          <a:xfrm>
+            <a:off x="-8709" y="3010566"/>
+            <a:ext cx="12200709" cy="0"/>
+          </a:xfrm>
+          <a:prstGeom prst="line">
+            <a:avLst/>
+          </a:prstGeom>
+          <a:ln w="12700">
+            <a:prstDash val="lgDash"/>
+          </a:ln>
+        </p:spPr>
+        <p:style>
+          <a:lnRef idx="1">
+            <a:schemeClr val="dk1"/>
+          </a:lnRef>
+          <a:fillRef idx="0">
+            <a:schemeClr val="dk1"/>
+          </a:fillRef>
+          <a:effectRef idx="0">
+            <a:schemeClr val="dk1"/>
+          </a:effectRef>
+          <a:fontRef idx="minor">
+            <a:schemeClr val="tx1"/>
+          </a:fontRef>
+        </p:style>
+      </p:cxnSp>
+      <p:sp>
+        <p:nvSpPr>
+          <p:cNvPr id="53" name="TextBox 52">
+            <a:extLst>
+              <a:ext uri="{FF2B5EF4-FFF2-40B4-BE49-F238E27FC236}">
+                <a16:creationId xmlns:a16="http://schemas.microsoft.com/office/drawing/2014/main" id="{A17F2D3B-3D46-4A20-942D-184025F748FE}"/>
               </a:ext>
             </a:extLst>
           </p:cNvPr>
@@ -5020,8 +5293,8 @@
         </p:nvSpPr>
         <p:spPr>
           <a:xfrm>
-            <a:off x="10537371" y="942174"/>
-            <a:ext cx="1132041" cy="784830"/>
+            <a:off x="-59232" y="-246442"/>
+            <a:ext cx="460382" cy="784830"/>
           </a:xfrm>
           <a:prstGeom prst="rect">
             <a:avLst/>
@@ -5036,374 +5309,15 @@
           <a:p>
             <a:r>
               <a:rPr lang="en-US" sz="4500" dirty="0"/>
-              <a:t>P(X)</a:t>
-            </a:r>
-          </a:p>
-        </p:txBody>
-      </p:sp>
-      <p:sp>
-        <p:nvSpPr>
-          <p:cNvPr id="41" name="TextBox 40">
-            <a:extLst>
-              <a:ext uri="{FF2B5EF4-FFF2-40B4-BE49-F238E27FC236}">
-                <a16:creationId xmlns:a16="http://schemas.microsoft.com/office/drawing/2014/main" id="{1220067B-FD50-468E-BADF-E132DA50D9AC}"/>
-              </a:ext>
-            </a:extLst>
-          </p:cNvPr>
-          <p:cNvSpPr txBox="1"/>
-          <p:nvPr/>
-        </p:nvSpPr>
-        <p:spPr>
-          <a:xfrm>
-            <a:off x="10537370" y="4199180"/>
-            <a:ext cx="1697901" cy="784830"/>
-          </a:xfrm>
-          <a:prstGeom prst="rect">
-            <a:avLst/>
-          </a:prstGeom>
-          <a:noFill/>
-        </p:spPr>
-        <p:txBody>
-          <a:bodyPr wrap="none" rtlCol="0">
-            <a:spAutoFit/>
-          </a:bodyPr>
-          <a:lstStyle/>
-          <a:p>
-            <a:r>
-              <a:rPr lang="en-US" sz="4500" dirty="0"/>
-              <a:t>P(X|X)</a:t>
-            </a:r>
-          </a:p>
-        </p:txBody>
-      </p:sp>
-      <p:sp>
-        <p:nvSpPr>
-          <p:cNvPr id="42" name="Arrow: Up-Down 41">
-            <a:extLst>
-              <a:ext uri="{FF2B5EF4-FFF2-40B4-BE49-F238E27FC236}">
-                <a16:creationId xmlns:a16="http://schemas.microsoft.com/office/drawing/2014/main" id="{C6C68A54-9302-4B73-9D3F-82E2BCE46918}"/>
-              </a:ext>
-            </a:extLst>
-          </p:cNvPr>
-          <p:cNvSpPr/>
-          <p:nvPr/>
-        </p:nvSpPr>
-        <p:spPr>
-          <a:xfrm>
-            <a:off x="6693615" y="1184366"/>
-            <a:ext cx="156754" cy="300446"/>
-          </a:xfrm>
-          <a:prstGeom prst="upDownArrow">
-            <a:avLst/>
-          </a:prstGeom>
-          <a:solidFill>
-            <a:schemeClr val="bg1">
-              <a:lumMod val="65000"/>
-            </a:schemeClr>
-          </a:solidFill>
-          <a:ln>
-            <a:noFill/>
-          </a:ln>
-        </p:spPr>
-        <p:style>
-          <a:lnRef idx="2">
-            <a:schemeClr val="accent1">
-              <a:shade val="50000"/>
-            </a:schemeClr>
-          </a:lnRef>
-          <a:fillRef idx="1">
-            <a:schemeClr val="accent1"/>
-          </a:fillRef>
-          <a:effectRef idx="0">
-            <a:schemeClr val="accent1"/>
-          </a:effectRef>
-          <a:fontRef idx="minor">
-            <a:schemeClr val="lt1"/>
-          </a:fontRef>
-        </p:style>
-        <p:txBody>
-          <a:bodyPr rtlCol="0" anchor="ctr"/>
-          <a:lstStyle/>
-          <a:p>
-            <a:pPr algn="ctr"/>
-            <a:endParaRPr lang="en-US"/>
-          </a:p>
-        </p:txBody>
-      </p:sp>
-      <p:sp>
-        <p:nvSpPr>
-          <p:cNvPr id="43" name="Arrow: Up-Down 42">
-            <a:extLst>
-              <a:ext uri="{FF2B5EF4-FFF2-40B4-BE49-F238E27FC236}">
-                <a16:creationId xmlns:a16="http://schemas.microsoft.com/office/drawing/2014/main" id="{17CB07AB-169F-4952-9D9B-A19667E8B69C}"/>
-              </a:ext>
-            </a:extLst>
-          </p:cNvPr>
-          <p:cNvSpPr/>
-          <p:nvPr/>
-        </p:nvSpPr>
-        <p:spPr>
-          <a:xfrm>
-            <a:off x="8168640" y="1180008"/>
-            <a:ext cx="156754" cy="300446"/>
-          </a:xfrm>
-          <a:prstGeom prst="upDownArrow">
-            <a:avLst/>
-          </a:prstGeom>
-          <a:solidFill>
-            <a:schemeClr val="bg1">
-              <a:lumMod val="65000"/>
-            </a:schemeClr>
-          </a:solidFill>
-          <a:ln>
-            <a:noFill/>
-          </a:ln>
-        </p:spPr>
-        <p:style>
-          <a:lnRef idx="2">
-            <a:schemeClr val="accent1">
-              <a:shade val="50000"/>
-            </a:schemeClr>
-          </a:lnRef>
-          <a:fillRef idx="1">
-            <a:schemeClr val="accent1"/>
-          </a:fillRef>
-          <a:effectRef idx="0">
-            <a:schemeClr val="accent1"/>
-          </a:effectRef>
-          <a:fontRef idx="minor">
-            <a:schemeClr val="lt1"/>
-          </a:fontRef>
-        </p:style>
-        <p:txBody>
-          <a:bodyPr rtlCol="0" anchor="ctr"/>
-          <a:lstStyle/>
-          <a:p>
-            <a:pPr algn="ctr"/>
-            <a:endParaRPr lang="en-US"/>
-          </a:p>
-        </p:txBody>
-      </p:sp>
-      <p:sp>
-        <p:nvSpPr>
-          <p:cNvPr id="44" name="Arrow: Up-Down 43">
-            <a:extLst>
-              <a:ext uri="{FF2B5EF4-FFF2-40B4-BE49-F238E27FC236}">
-                <a16:creationId xmlns:a16="http://schemas.microsoft.com/office/drawing/2014/main" id="{C1181C6C-E184-4C27-A5ED-0E50F1E2B683}"/>
-              </a:ext>
-            </a:extLst>
-          </p:cNvPr>
-          <p:cNvSpPr/>
-          <p:nvPr/>
-        </p:nvSpPr>
-        <p:spPr>
-          <a:xfrm>
-            <a:off x="9643665" y="1180008"/>
-            <a:ext cx="156754" cy="300446"/>
-          </a:xfrm>
-          <a:prstGeom prst="upDownArrow">
-            <a:avLst/>
-          </a:prstGeom>
-          <a:solidFill>
-            <a:schemeClr val="bg1">
-              <a:lumMod val="65000"/>
-            </a:schemeClr>
-          </a:solidFill>
-          <a:ln>
-            <a:noFill/>
-          </a:ln>
-        </p:spPr>
-        <p:style>
-          <a:lnRef idx="2">
-            <a:schemeClr val="accent1">
-              <a:shade val="50000"/>
-            </a:schemeClr>
-          </a:lnRef>
-          <a:fillRef idx="1">
-            <a:schemeClr val="accent1"/>
-          </a:fillRef>
-          <a:effectRef idx="0">
-            <a:schemeClr val="accent1"/>
-          </a:effectRef>
-          <a:fontRef idx="minor">
-            <a:schemeClr val="lt1"/>
-          </a:fontRef>
-        </p:style>
-        <p:txBody>
-          <a:bodyPr rtlCol="0" anchor="ctr"/>
-          <a:lstStyle/>
-          <a:p>
-            <a:pPr algn="ctr"/>
-            <a:endParaRPr lang="en-US"/>
-          </a:p>
-        </p:txBody>
-      </p:sp>
-      <p:sp>
-        <p:nvSpPr>
-          <p:cNvPr id="45" name="Arrow: Up-Down 44">
-            <a:extLst>
-              <a:ext uri="{FF2B5EF4-FFF2-40B4-BE49-F238E27FC236}">
-                <a16:creationId xmlns:a16="http://schemas.microsoft.com/office/drawing/2014/main" id="{F6B0F8FC-75B2-49B0-BEF2-839DB53932F9}"/>
-              </a:ext>
-            </a:extLst>
-          </p:cNvPr>
-          <p:cNvSpPr/>
-          <p:nvPr/>
-        </p:nvSpPr>
-        <p:spPr>
-          <a:xfrm>
-            <a:off x="6688183" y="4437014"/>
-            <a:ext cx="156754" cy="300446"/>
-          </a:xfrm>
-          <a:prstGeom prst="upDownArrow">
-            <a:avLst/>
-          </a:prstGeom>
-          <a:solidFill>
-            <a:schemeClr val="bg1">
-              <a:lumMod val="65000"/>
-            </a:schemeClr>
-          </a:solidFill>
-          <a:ln>
-            <a:noFill/>
-          </a:ln>
-        </p:spPr>
-        <p:style>
-          <a:lnRef idx="2">
-            <a:schemeClr val="accent1">
-              <a:shade val="50000"/>
-            </a:schemeClr>
-          </a:lnRef>
-          <a:fillRef idx="1">
-            <a:schemeClr val="accent1"/>
-          </a:fillRef>
-          <a:effectRef idx="0">
-            <a:schemeClr val="accent1"/>
-          </a:effectRef>
-          <a:fontRef idx="minor">
-            <a:schemeClr val="lt1"/>
-          </a:fontRef>
-        </p:style>
-        <p:txBody>
-          <a:bodyPr rtlCol="0" anchor="ctr"/>
-          <a:lstStyle/>
-          <a:p>
-            <a:pPr algn="ctr"/>
-            <a:endParaRPr lang="en-US"/>
-          </a:p>
-        </p:txBody>
-      </p:sp>
-      <p:sp>
-        <p:nvSpPr>
-          <p:cNvPr id="46" name="Arrow: Up-Down 45">
-            <a:extLst>
-              <a:ext uri="{FF2B5EF4-FFF2-40B4-BE49-F238E27FC236}">
-                <a16:creationId xmlns:a16="http://schemas.microsoft.com/office/drawing/2014/main" id="{D899EB01-75EF-4A96-A6C6-12D19260CA1A}"/>
-              </a:ext>
-            </a:extLst>
-          </p:cNvPr>
-          <p:cNvSpPr/>
-          <p:nvPr/>
-        </p:nvSpPr>
-        <p:spPr>
-          <a:xfrm>
-            <a:off x="8168640" y="4437014"/>
-            <a:ext cx="156754" cy="300446"/>
-          </a:xfrm>
-          <a:prstGeom prst="upDownArrow">
-            <a:avLst/>
-          </a:prstGeom>
-          <a:solidFill>
-            <a:schemeClr val="bg1">
-              <a:lumMod val="65000"/>
-            </a:schemeClr>
-          </a:solidFill>
-          <a:ln>
-            <a:noFill/>
-          </a:ln>
-        </p:spPr>
-        <p:style>
-          <a:lnRef idx="2">
-            <a:schemeClr val="accent1">
-              <a:shade val="50000"/>
-            </a:schemeClr>
-          </a:lnRef>
-          <a:fillRef idx="1">
-            <a:schemeClr val="accent1"/>
-          </a:fillRef>
-          <a:effectRef idx="0">
-            <a:schemeClr val="accent1"/>
-          </a:effectRef>
-          <a:fontRef idx="minor">
-            <a:schemeClr val="lt1"/>
-          </a:fontRef>
-        </p:style>
-        <p:txBody>
-          <a:bodyPr rtlCol="0" anchor="ctr"/>
-          <a:lstStyle/>
-          <a:p>
-            <a:pPr algn="ctr"/>
-            <a:endParaRPr lang="en-US"/>
-          </a:p>
-        </p:txBody>
-      </p:sp>
-      <p:sp>
-        <p:nvSpPr>
-          <p:cNvPr id="47" name="Arrow: Up-Down 46">
-            <a:extLst>
-              <a:ext uri="{FF2B5EF4-FFF2-40B4-BE49-F238E27FC236}">
-                <a16:creationId xmlns:a16="http://schemas.microsoft.com/office/drawing/2014/main" id="{81F10637-D98B-4255-A64D-1EB5A4E0EFA0}"/>
-              </a:ext>
-            </a:extLst>
-          </p:cNvPr>
-          <p:cNvSpPr/>
-          <p:nvPr/>
-        </p:nvSpPr>
-        <p:spPr>
-          <a:xfrm>
-            <a:off x="9642867" y="4437014"/>
-            <a:ext cx="156754" cy="300446"/>
-          </a:xfrm>
-          <a:prstGeom prst="upDownArrow">
-            <a:avLst/>
-          </a:prstGeom>
-          <a:solidFill>
-            <a:schemeClr val="bg1">
-              <a:lumMod val="65000"/>
-            </a:schemeClr>
-          </a:solidFill>
-          <a:ln>
-            <a:noFill/>
-          </a:ln>
-        </p:spPr>
-        <p:style>
-          <a:lnRef idx="2">
-            <a:schemeClr val="accent1">
-              <a:shade val="50000"/>
-            </a:schemeClr>
-          </a:lnRef>
-          <a:fillRef idx="1">
-            <a:schemeClr val="accent1"/>
-          </a:fillRef>
-          <a:effectRef idx="0">
-            <a:schemeClr val="accent1"/>
-          </a:effectRef>
-          <a:fontRef idx="minor">
-            <a:schemeClr val="lt1"/>
-          </a:fontRef>
-        </p:style>
-        <p:txBody>
-          <a:bodyPr rtlCol="0" anchor="ctr"/>
-          <a:lstStyle/>
-          <a:p>
-            <a:pPr algn="ctr"/>
-            <a:endParaRPr lang="en-US"/>
+              <a:t>a</a:t>
+            </a:r>
           </a:p>
         </p:txBody>
       </p:sp>
     </p:spTree>
     <p:extLst>
       <p:ext uri="{BB962C8B-B14F-4D97-AF65-F5344CB8AC3E}">
-        <p14:creationId xmlns:p14="http://schemas.microsoft.com/office/powerpoint/2010/main" val="2577575797"/>
+        <p14:creationId xmlns:p14="http://schemas.microsoft.com/office/powerpoint/2010/main" val="906711284"/>
       </p:ext>
     </p:extLst>
   </p:cSld>
@@ -5536,162 +5450,6 @@
       </p:sp>
       <p:sp>
         <p:nvSpPr>
-          <p:cNvPr id="7" name="Rectangle: Rounded Corners 6">
-            <a:extLst>
-              <a:ext uri="{FF2B5EF4-FFF2-40B4-BE49-F238E27FC236}">
-                <a16:creationId xmlns:a16="http://schemas.microsoft.com/office/drawing/2014/main" id="{7993898E-D6D9-4599-8364-EBDDCD1AEEFD}"/>
-              </a:ext>
-            </a:extLst>
-          </p:cNvPr>
-          <p:cNvSpPr/>
-          <p:nvPr/>
-        </p:nvSpPr>
-        <p:spPr>
-          <a:xfrm>
-            <a:off x="278674" y="1484812"/>
-            <a:ext cx="1341120" cy="931817"/>
-          </a:xfrm>
-          <a:prstGeom prst="roundRect">
-            <a:avLst/>
-          </a:prstGeom>
-          <a:solidFill>
-            <a:schemeClr val="accent1"/>
-          </a:solidFill>
-        </p:spPr>
-        <p:style>
-          <a:lnRef idx="2">
-            <a:schemeClr val="accent1">
-              <a:shade val="50000"/>
-            </a:schemeClr>
-          </a:lnRef>
-          <a:fillRef idx="1">
-            <a:schemeClr val="accent1"/>
-          </a:fillRef>
-          <a:effectRef idx="0">
-            <a:schemeClr val="accent1"/>
-          </a:effectRef>
-          <a:fontRef idx="minor">
-            <a:schemeClr val="lt1"/>
-          </a:fontRef>
-        </p:style>
-        <p:txBody>
-          <a:bodyPr rtlCol="0" anchor="ctr"/>
-          <a:lstStyle/>
-          <a:p>
-            <a:pPr algn="ctr"/>
-            <a:r>
-              <a:rPr lang="en-US" sz="3000" dirty="0"/>
-              <a:t>Y</a:t>
-            </a:r>
-          </a:p>
-        </p:txBody>
-      </p:sp>
-      <p:sp>
-        <p:nvSpPr>
-          <p:cNvPr id="8" name="Rectangle: Rounded Corners 7">
-            <a:extLst>
-              <a:ext uri="{FF2B5EF4-FFF2-40B4-BE49-F238E27FC236}">
-                <a16:creationId xmlns:a16="http://schemas.microsoft.com/office/drawing/2014/main" id="{F093FEC2-C259-4126-9108-254ECF183C2F}"/>
-              </a:ext>
-            </a:extLst>
-          </p:cNvPr>
-          <p:cNvSpPr/>
-          <p:nvPr/>
-        </p:nvSpPr>
-        <p:spPr>
-          <a:xfrm>
-            <a:off x="2351314" y="1484812"/>
-            <a:ext cx="1341120" cy="931817"/>
-          </a:xfrm>
-          <a:prstGeom prst="roundRect">
-            <a:avLst/>
-          </a:prstGeom>
-          <a:solidFill>
-            <a:schemeClr val="accent1"/>
-          </a:solidFill>
-        </p:spPr>
-        <p:style>
-          <a:lnRef idx="2">
-            <a:schemeClr val="accent1">
-              <a:shade val="50000"/>
-            </a:schemeClr>
-          </a:lnRef>
-          <a:fillRef idx="1">
-            <a:schemeClr val="accent1"/>
-          </a:fillRef>
-          <a:effectRef idx="0">
-            <a:schemeClr val="accent1"/>
-          </a:effectRef>
-          <a:fontRef idx="minor">
-            <a:schemeClr val="lt1"/>
-          </a:fontRef>
-        </p:style>
-        <p:txBody>
-          <a:bodyPr rtlCol="0" anchor="ctr"/>
-          <a:lstStyle/>
-          <a:p>
-            <a:pPr algn="ctr"/>
-            <a:r>
-              <a:rPr lang="en-US" sz="3000" dirty="0"/>
-              <a:t>Y</a:t>
-            </a:r>
-          </a:p>
-        </p:txBody>
-      </p:sp>
-      <p:sp>
-        <p:nvSpPr>
-          <p:cNvPr id="9" name="Rectangle: Rounded Corners 8">
-            <a:extLst>
-              <a:ext uri="{FF2B5EF4-FFF2-40B4-BE49-F238E27FC236}">
-                <a16:creationId xmlns:a16="http://schemas.microsoft.com/office/drawing/2014/main" id="{8B249B5F-155C-4C87-8156-4C6069495799}"/>
-              </a:ext>
-            </a:extLst>
-          </p:cNvPr>
-          <p:cNvSpPr/>
-          <p:nvPr/>
-        </p:nvSpPr>
-        <p:spPr>
-          <a:xfrm>
-            <a:off x="3866606" y="1484812"/>
-            <a:ext cx="1341120" cy="931817"/>
-          </a:xfrm>
-          <a:prstGeom prst="roundRect">
-            <a:avLst/>
-          </a:prstGeom>
-          <a:solidFill>
-            <a:schemeClr val="accent1"/>
-          </a:solidFill>
-        </p:spPr>
-        <p:style>
-          <a:lnRef idx="2">
-            <a:schemeClr val="accent1">
-              <a:shade val="50000"/>
-            </a:schemeClr>
-          </a:lnRef>
-          <a:fillRef idx="1">
-            <a:schemeClr val="accent1"/>
-          </a:fillRef>
-          <a:effectRef idx="0">
-            <a:schemeClr val="accent1"/>
-          </a:effectRef>
-          <a:fontRef idx="minor">
-            <a:schemeClr val="lt1"/>
-          </a:fontRef>
-        </p:style>
-        <p:txBody>
-          <a:bodyPr rtlCol="0" anchor="ctr"/>
-          <a:lstStyle/>
-          <a:p>
-            <a:pPr algn="ctr"/>
-            <a:r>
-              <a:rPr lang="en-US" sz="3000" dirty="0"/>
-              <a:t>Y</a:t>
-            </a:r>
-          </a:p>
-        </p:txBody>
-      </p:sp>
-      <p:sp>
-        <p:nvSpPr>
           <p:cNvPr id="10" name="Arrow: Up-Down 9">
             <a:extLst>
               <a:ext uri="{FF2B5EF4-FFF2-40B4-BE49-F238E27FC236}">
@@ -6270,162 +6028,6 @@
       </p:sp>
       <p:sp>
         <p:nvSpPr>
-          <p:cNvPr id="24" name="Rectangle: Rounded Corners 23">
-            <a:extLst>
-              <a:ext uri="{FF2B5EF4-FFF2-40B4-BE49-F238E27FC236}">
-                <a16:creationId xmlns:a16="http://schemas.microsoft.com/office/drawing/2014/main" id="{27842599-C982-460C-A2F1-6AF4D9156F6E}"/>
-              </a:ext>
-            </a:extLst>
-          </p:cNvPr>
-          <p:cNvSpPr/>
-          <p:nvPr/>
-        </p:nvSpPr>
-        <p:spPr>
-          <a:xfrm>
-            <a:off x="278674" y="4741818"/>
-            <a:ext cx="1341120" cy="931817"/>
-          </a:xfrm>
-          <a:prstGeom prst="roundRect">
-            <a:avLst/>
-          </a:prstGeom>
-          <a:solidFill>
-            <a:schemeClr val="accent1"/>
-          </a:solidFill>
-        </p:spPr>
-        <p:style>
-          <a:lnRef idx="2">
-            <a:schemeClr val="accent1">
-              <a:shade val="50000"/>
-            </a:schemeClr>
-          </a:lnRef>
-          <a:fillRef idx="1">
-            <a:schemeClr val="accent1"/>
-          </a:fillRef>
-          <a:effectRef idx="0">
-            <a:schemeClr val="accent1"/>
-          </a:effectRef>
-          <a:fontRef idx="minor">
-            <a:schemeClr val="lt1"/>
-          </a:fontRef>
-        </p:style>
-        <p:txBody>
-          <a:bodyPr rtlCol="0" anchor="ctr"/>
-          <a:lstStyle/>
-          <a:p>
-            <a:pPr algn="ctr"/>
-            <a:r>
-              <a:rPr lang="en-US" sz="3000" dirty="0"/>
-              <a:t>Y</a:t>
-            </a:r>
-          </a:p>
-        </p:txBody>
-      </p:sp>
-      <p:sp>
-        <p:nvSpPr>
-          <p:cNvPr id="25" name="Rectangle: Rounded Corners 24">
-            <a:extLst>
-              <a:ext uri="{FF2B5EF4-FFF2-40B4-BE49-F238E27FC236}">
-                <a16:creationId xmlns:a16="http://schemas.microsoft.com/office/drawing/2014/main" id="{F1A715FE-0A78-42C3-B347-A28DF70DEF15}"/>
-              </a:ext>
-            </a:extLst>
-          </p:cNvPr>
-          <p:cNvSpPr/>
-          <p:nvPr/>
-        </p:nvSpPr>
-        <p:spPr>
-          <a:xfrm>
-            <a:off x="2351314" y="4741818"/>
-            <a:ext cx="1341120" cy="931817"/>
-          </a:xfrm>
-          <a:prstGeom prst="roundRect">
-            <a:avLst/>
-          </a:prstGeom>
-          <a:solidFill>
-            <a:schemeClr val="accent1"/>
-          </a:solidFill>
-        </p:spPr>
-        <p:style>
-          <a:lnRef idx="2">
-            <a:schemeClr val="accent1">
-              <a:shade val="50000"/>
-            </a:schemeClr>
-          </a:lnRef>
-          <a:fillRef idx="1">
-            <a:schemeClr val="accent1"/>
-          </a:fillRef>
-          <a:effectRef idx="0">
-            <a:schemeClr val="accent1"/>
-          </a:effectRef>
-          <a:fontRef idx="minor">
-            <a:schemeClr val="lt1"/>
-          </a:fontRef>
-        </p:style>
-        <p:txBody>
-          <a:bodyPr rtlCol="0" anchor="ctr"/>
-          <a:lstStyle/>
-          <a:p>
-            <a:pPr algn="ctr"/>
-            <a:r>
-              <a:rPr lang="en-US" sz="3000" dirty="0"/>
-              <a:t>Y</a:t>
-            </a:r>
-          </a:p>
-        </p:txBody>
-      </p:sp>
-      <p:sp>
-        <p:nvSpPr>
-          <p:cNvPr id="26" name="Rectangle: Rounded Corners 25">
-            <a:extLst>
-              <a:ext uri="{FF2B5EF4-FFF2-40B4-BE49-F238E27FC236}">
-                <a16:creationId xmlns:a16="http://schemas.microsoft.com/office/drawing/2014/main" id="{DD801DD6-17B0-4B26-B8A1-A397056DEA70}"/>
-              </a:ext>
-            </a:extLst>
-          </p:cNvPr>
-          <p:cNvSpPr/>
-          <p:nvPr/>
-        </p:nvSpPr>
-        <p:spPr>
-          <a:xfrm>
-            <a:off x="3866606" y="4741818"/>
-            <a:ext cx="1341120" cy="931817"/>
-          </a:xfrm>
-          <a:prstGeom prst="roundRect">
-            <a:avLst/>
-          </a:prstGeom>
-          <a:solidFill>
-            <a:schemeClr val="accent1"/>
-          </a:solidFill>
-        </p:spPr>
-        <p:style>
-          <a:lnRef idx="2">
-            <a:schemeClr val="accent1">
-              <a:shade val="50000"/>
-            </a:schemeClr>
-          </a:lnRef>
-          <a:fillRef idx="1">
-            <a:schemeClr val="accent1"/>
-          </a:fillRef>
-          <a:effectRef idx="0">
-            <a:schemeClr val="accent1"/>
-          </a:effectRef>
-          <a:fontRef idx="minor">
-            <a:schemeClr val="lt1"/>
-          </a:fontRef>
-        </p:style>
-        <p:txBody>
-          <a:bodyPr rtlCol="0" anchor="ctr"/>
-          <a:lstStyle/>
-          <a:p>
-            <a:pPr algn="ctr"/>
-            <a:r>
-              <a:rPr lang="en-US" sz="3000" dirty="0"/>
-              <a:t>Y</a:t>
-            </a:r>
-          </a:p>
-        </p:txBody>
-      </p:sp>
-      <p:sp>
-        <p:nvSpPr>
           <p:cNvPr id="27" name="Arrow: Up-Down 26">
             <a:extLst>
               <a:ext uri="{FF2B5EF4-FFF2-40B4-BE49-F238E27FC236}">
@@ -6912,7 +6514,7 @@
         </p:nvSpPr>
         <p:spPr>
           <a:xfrm>
-            <a:off x="1045029" y="3010566"/>
+            <a:off x="1018539" y="3010566"/>
             <a:ext cx="1915886" cy="1921078"/>
           </a:xfrm>
           <a:prstGeom prst="mathMultiply">
@@ -6946,32 +6548,104 @@
           <a:lstStyle/>
           <a:p>
             <a:pPr algn="ctr"/>
-            <a:endParaRPr lang="en-US"/>
-          </a:p>
-        </p:txBody>
-      </p:sp>
-      <p:sp>
-        <p:nvSpPr>
-          <p:cNvPr id="37" name="Multiplication Sign 36">
-            <a:extLst>
-              <a:ext uri="{FF2B5EF4-FFF2-40B4-BE49-F238E27FC236}">
-                <a16:creationId xmlns:a16="http://schemas.microsoft.com/office/drawing/2014/main" id="{13A1C9E6-60BC-4551-B9DB-8FE9CE9A4CCF}"/>
-              </a:ext>
-            </a:extLst>
-          </p:cNvPr>
-          <p:cNvSpPr/>
-          <p:nvPr/>
-        </p:nvSpPr>
-        <p:spPr>
-          <a:xfrm>
-            <a:off x="-8709" y="4247183"/>
-            <a:ext cx="1915886" cy="1921078"/>
-          </a:xfrm>
-          <a:prstGeom prst="mathMultiply">
-            <a:avLst/>
-          </a:prstGeom>
-          <a:solidFill>
-            <a:schemeClr val="tx1"/>
+            <a:endParaRPr lang="en-US" dirty="0"/>
+          </a:p>
+        </p:txBody>
+      </p:sp>
+      <p:sp>
+        <p:nvSpPr>
+          <p:cNvPr id="40" name="TextBox 39">
+            <a:extLst>
+              <a:ext uri="{FF2B5EF4-FFF2-40B4-BE49-F238E27FC236}">
+                <a16:creationId xmlns:a16="http://schemas.microsoft.com/office/drawing/2014/main" id="{35452F7F-B3D5-42D2-902E-C98E34F12C7E}"/>
+              </a:ext>
+            </a:extLst>
+          </p:cNvPr>
+          <p:cNvSpPr txBox="1"/>
+          <p:nvPr/>
+        </p:nvSpPr>
+        <p:spPr>
+          <a:xfrm>
+            <a:off x="10537371" y="942174"/>
+            <a:ext cx="1132041" cy="784830"/>
+          </a:xfrm>
+          <a:prstGeom prst="rect">
+            <a:avLst/>
+          </a:prstGeom>
+          <a:noFill/>
+        </p:spPr>
+        <p:txBody>
+          <a:bodyPr wrap="none" rtlCol="0">
+            <a:spAutoFit/>
+          </a:bodyPr>
+          <a:lstStyle/>
+          <a:p>
+            <a:r>
+              <a:rPr lang="en-US" sz="4500" dirty="0"/>
+              <a:t>P(X)</a:t>
+            </a:r>
+          </a:p>
+        </p:txBody>
+      </p:sp>
+      <p:sp>
+        <p:nvSpPr>
+          <p:cNvPr id="41" name="TextBox 40">
+            <a:extLst>
+              <a:ext uri="{FF2B5EF4-FFF2-40B4-BE49-F238E27FC236}">
+                <a16:creationId xmlns:a16="http://schemas.microsoft.com/office/drawing/2014/main" id="{1220067B-FD50-468E-BADF-E132DA50D9AC}"/>
+              </a:ext>
+            </a:extLst>
+          </p:cNvPr>
+          <p:cNvSpPr txBox="1"/>
+          <p:nvPr/>
+        </p:nvSpPr>
+        <p:spPr>
+          <a:xfrm>
+            <a:off x="10537370" y="4199180"/>
+            <a:ext cx="1697901" cy="784830"/>
+          </a:xfrm>
+          <a:prstGeom prst="rect">
+            <a:avLst/>
+          </a:prstGeom>
+          <a:noFill/>
+        </p:spPr>
+        <p:txBody>
+          <a:bodyPr wrap="none" rtlCol="0">
+            <a:spAutoFit/>
+          </a:bodyPr>
+          <a:lstStyle/>
+          <a:p>
+            <a:r>
+              <a:rPr lang="en-US" sz="4500" dirty="0"/>
+              <a:t>P(X|X)</a:t>
+            </a:r>
+          </a:p>
+        </p:txBody>
+      </p:sp>
+      <p:sp>
+        <p:nvSpPr>
+          <p:cNvPr id="42" name="Arrow: Up-Down 41">
+            <a:extLst>
+              <a:ext uri="{FF2B5EF4-FFF2-40B4-BE49-F238E27FC236}">
+                <a16:creationId xmlns:a16="http://schemas.microsoft.com/office/drawing/2014/main" id="{C6C68A54-9302-4B73-9D3F-82E2BCE46918}"/>
+              </a:ext>
+            </a:extLst>
+          </p:cNvPr>
+          <p:cNvSpPr/>
+          <p:nvPr/>
+        </p:nvSpPr>
+        <p:spPr>
+          <a:xfrm>
+            <a:off x="6693615" y="1184366"/>
+            <a:ext cx="156754" cy="300446"/>
+          </a:xfrm>
+          <a:prstGeom prst="upDownArrow">
+            <a:avLst/>
+          </a:prstGeom>
+          <a:solidFill>
+            <a:schemeClr val="bg1">
+              <a:lumMod val="65000"/>
+            </a:schemeClr>
           </a:solidFill>
           <a:ln>
             <a:noFill/>
@@ -7004,26 +6678,28 @@
       </p:sp>
       <p:sp>
         <p:nvSpPr>
-          <p:cNvPr id="38" name="Multiplication Sign 37">
-            <a:extLst>
-              <a:ext uri="{FF2B5EF4-FFF2-40B4-BE49-F238E27FC236}">
-                <a16:creationId xmlns:a16="http://schemas.microsoft.com/office/drawing/2014/main" id="{7A6BE7E3-6EE7-402A-AE59-FAF5B5ADEF7C}"/>
-              </a:ext>
-            </a:extLst>
-          </p:cNvPr>
-          <p:cNvSpPr/>
-          <p:nvPr/>
-        </p:nvSpPr>
-        <p:spPr>
-          <a:xfrm>
-            <a:off x="3577547" y="3010566"/>
-            <a:ext cx="1915886" cy="1921078"/>
-          </a:xfrm>
-          <a:prstGeom prst="mathMultiply">
-            <a:avLst/>
-          </a:prstGeom>
-          <a:solidFill>
-            <a:schemeClr val="tx1"/>
+          <p:cNvPr id="43" name="Arrow: Up-Down 42">
+            <a:extLst>
+              <a:ext uri="{FF2B5EF4-FFF2-40B4-BE49-F238E27FC236}">
+                <a16:creationId xmlns:a16="http://schemas.microsoft.com/office/drawing/2014/main" id="{17CB07AB-169F-4952-9D9B-A19667E8B69C}"/>
+              </a:ext>
+            </a:extLst>
+          </p:cNvPr>
+          <p:cNvSpPr/>
+          <p:nvPr/>
+        </p:nvSpPr>
+        <p:spPr>
+          <a:xfrm>
+            <a:off x="8168640" y="1180008"/>
+            <a:ext cx="156754" cy="300446"/>
+          </a:xfrm>
+          <a:prstGeom prst="upDownArrow">
+            <a:avLst/>
+          </a:prstGeom>
+          <a:solidFill>
+            <a:schemeClr val="bg1">
+              <a:lumMod val="65000"/>
+            </a:schemeClr>
           </a:solidFill>
           <a:ln>
             <a:noFill/>
@@ -7056,10 +6732,564 @@
       </p:sp>
       <p:sp>
         <p:nvSpPr>
-          <p:cNvPr id="40" name="TextBox 39">
-            <a:extLst>
-              <a:ext uri="{FF2B5EF4-FFF2-40B4-BE49-F238E27FC236}">
-                <a16:creationId xmlns:a16="http://schemas.microsoft.com/office/drawing/2014/main" id="{35452F7F-B3D5-42D2-902E-C98E34F12C7E}"/>
+          <p:cNvPr id="44" name="Arrow: Up-Down 43">
+            <a:extLst>
+              <a:ext uri="{FF2B5EF4-FFF2-40B4-BE49-F238E27FC236}">
+                <a16:creationId xmlns:a16="http://schemas.microsoft.com/office/drawing/2014/main" id="{C1181C6C-E184-4C27-A5ED-0E50F1E2B683}"/>
+              </a:ext>
+            </a:extLst>
+          </p:cNvPr>
+          <p:cNvSpPr/>
+          <p:nvPr/>
+        </p:nvSpPr>
+        <p:spPr>
+          <a:xfrm>
+            <a:off x="9643665" y="1180008"/>
+            <a:ext cx="156754" cy="300446"/>
+          </a:xfrm>
+          <a:prstGeom prst="upDownArrow">
+            <a:avLst/>
+          </a:prstGeom>
+          <a:solidFill>
+            <a:schemeClr val="bg1">
+              <a:lumMod val="65000"/>
+            </a:schemeClr>
+          </a:solidFill>
+          <a:ln>
+            <a:noFill/>
+          </a:ln>
+        </p:spPr>
+        <p:style>
+          <a:lnRef idx="2">
+            <a:schemeClr val="accent1">
+              <a:shade val="50000"/>
+            </a:schemeClr>
+          </a:lnRef>
+          <a:fillRef idx="1">
+            <a:schemeClr val="accent1"/>
+          </a:fillRef>
+          <a:effectRef idx="0">
+            <a:schemeClr val="accent1"/>
+          </a:effectRef>
+          <a:fontRef idx="minor">
+            <a:schemeClr val="lt1"/>
+          </a:fontRef>
+        </p:style>
+        <p:txBody>
+          <a:bodyPr rtlCol="0" anchor="ctr"/>
+          <a:lstStyle/>
+          <a:p>
+            <a:pPr algn="ctr"/>
+            <a:endParaRPr lang="en-US"/>
+          </a:p>
+        </p:txBody>
+      </p:sp>
+      <p:sp>
+        <p:nvSpPr>
+          <p:cNvPr id="45" name="Arrow: Up-Down 44">
+            <a:extLst>
+              <a:ext uri="{FF2B5EF4-FFF2-40B4-BE49-F238E27FC236}">
+                <a16:creationId xmlns:a16="http://schemas.microsoft.com/office/drawing/2014/main" id="{F6B0F8FC-75B2-49B0-BEF2-839DB53932F9}"/>
+              </a:ext>
+            </a:extLst>
+          </p:cNvPr>
+          <p:cNvSpPr/>
+          <p:nvPr/>
+        </p:nvSpPr>
+        <p:spPr>
+          <a:xfrm>
+            <a:off x="6688183" y="4437014"/>
+            <a:ext cx="156754" cy="300446"/>
+          </a:xfrm>
+          <a:prstGeom prst="upDownArrow">
+            <a:avLst/>
+          </a:prstGeom>
+          <a:solidFill>
+            <a:schemeClr val="bg1">
+              <a:lumMod val="65000"/>
+            </a:schemeClr>
+          </a:solidFill>
+          <a:ln>
+            <a:noFill/>
+          </a:ln>
+        </p:spPr>
+        <p:style>
+          <a:lnRef idx="2">
+            <a:schemeClr val="accent1">
+              <a:shade val="50000"/>
+            </a:schemeClr>
+          </a:lnRef>
+          <a:fillRef idx="1">
+            <a:schemeClr val="accent1"/>
+          </a:fillRef>
+          <a:effectRef idx="0">
+            <a:schemeClr val="accent1"/>
+          </a:effectRef>
+          <a:fontRef idx="minor">
+            <a:schemeClr val="lt1"/>
+          </a:fontRef>
+        </p:style>
+        <p:txBody>
+          <a:bodyPr rtlCol="0" anchor="ctr"/>
+          <a:lstStyle/>
+          <a:p>
+            <a:pPr algn="ctr"/>
+            <a:endParaRPr lang="en-US"/>
+          </a:p>
+        </p:txBody>
+      </p:sp>
+      <p:sp>
+        <p:nvSpPr>
+          <p:cNvPr id="46" name="Arrow: Up-Down 45">
+            <a:extLst>
+              <a:ext uri="{FF2B5EF4-FFF2-40B4-BE49-F238E27FC236}">
+                <a16:creationId xmlns:a16="http://schemas.microsoft.com/office/drawing/2014/main" id="{D899EB01-75EF-4A96-A6C6-12D19260CA1A}"/>
+              </a:ext>
+            </a:extLst>
+          </p:cNvPr>
+          <p:cNvSpPr/>
+          <p:nvPr/>
+        </p:nvSpPr>
+        <p:spPr>
+          <a:xfrm>
+            <a:off x="8168640" y="4437014"/>
+            <a:ext cx="156754" cy="300446"/>
+          </a:xfrm>
+          <a:prstGeom prst="upDownArrow">
+            <a:avLst/>
+          </a:prstGeom>
+          <a:solidFill>
+            <a:schemeClr val="bg1">
+              <a:lumMod val="65000"/>
+            </a:schemeClr>
+          </a:solidFill>
+          <a:ln>
+            <a:noFill/>
+          </a:ln>
+        </p:spPr>
+        <p:style>
+          <a:lnRef idx="2">
+            <a:schemeClr val="accent1">
+              <a:shade val="50000"/>
+            </a:schemeClr>
+          </a:lnRef>
+          <a:fillRef idx="1">
+            <a:schemeClr val="accent1"/>
+          </a:fillRef>
+          <a:effectRef idx="0">
+            <a:schemeClr val="accent1"/>
+          </a:effectRef>
+          <a:fontRef idx="minor">
+            <a:schemeClr val="lt1"/>
+          </a:fontRef>
+        </p:style>
+        <p:txBody>
+          <a:bodyPr rtlCol="0" anchor="ctr"/>
+          <a:lstStyle/>
+          <a:p>
+            <a:pPr algn="ctr"/>
+            <a:endParaRPr lang="en-US"/>
+          </a:p>
+        </p:txBody>
+      </p:sp>
+      <p:sp>
+        <p:nvSpPr>
+          <p:cNvPr id="47" name="Arrow: Up-Down 46">
+            <a:extLst>
+              <a:ext uri="{FF2B5EF4-FFF2-40B4-BE49-F238E27FC236}">
+                <a16:creationId xmlns:a16="http://schemas.microsoft.com/office/drawing/2014/main" id="{81F10637-D98B-4255-A64D-1EB5A4E0EFA0}"/>
+              </a:ext>
+            </a:extLst>
+          </p:cNvPr>
+          <p:cNvSpPr/>
+          <p:nvPr/>
+        </p:nvSpPr>
+        <p:spPr>
+          <a:xfrm>
+            <a:off x="9642867" y="4437014"/>
+            <a:ext cx="156754" cy="300446"/>
+          </a:xfrm>
+          <a:prstGeom prst="upDownArrow">
+            <a:avLst/>
+          </a:prstGeom>
+          <a:solidFill>
+            <a:schemeClr val="bg1">
+              <a:lumMod val="65000"/>
+            </a:schemeClr>
+          </a:solidFill>
+          <a:ln>
+            <a:noFill/>
+          </a:ln>
+        </p:spPr>
+        <p:style>
+          <a:lnRef idx="2">
+            <a:schemeClr val="accent1">
+              <a:shade val="50000"/>
+            </a:schemeClr>
+          </a:lnRef>
+          <a:fillRef idx="1">
+            <a:schemeClr val="accent1"/>
+          </a:fillRef>
+          <a:effectRef idx="0">
+            <a:schemeClr val="accent1"/>
+          </a:effectRef>
+          <a:fontRef idx="minor">
+            <a:schemeClr val="lt1"/>
+          </a:fontRef>
+        </p:style>
+        <p:txBody>
+          <a:bodyPr rtlCol="0" anchor="ctr"/>
+          <a:lstStyle/>
+          <a:p>
+            <a:pPr algn="ctr"/>
+            <a:endParaRPr lang="en-US"/>
+          </a:p>
+        </p:txBody>
+      </p:sp>
+      <p:sp>
+        <p:nvSpPr>
+          <p:cNvPr id="48" name="Rectangle: Rounded Corners 47">
+            <a:extLst>
+              <a:ext uri="{FF2B5EF4-FFF2-40B4-BE49-F238E27FC236}">
+                <a16:creationId xmlns:a16="http://schemas.microsoft.com/office/drawing/2014/main" id="{119DD6E7-036C-4FB6-911E-8B068011C83E}"/>
+              </a:ext>
+            </a:extLst>
+          </p:cNvPr>
+          <p:cNvSpPr/>
+          <p:nvPr/>
+        </p:nvSpPr>
+        <p:spPr>
+          <a:xfrm>
+            <a:off x="278674" y="1484808"/>
+            <a:ext cx="3413760" cy="931817"/>
+          </a:xfrm>
+          <a:prstGeom prst="roundRect">
+            <a:avLst/>
+          </a:prstGeom>
+          <a:solidFill>
+            <a:srgbClr val="FF0000"/>
+          </a:solidFill>
+        </p:spPr>
+        <p:style>
+          <a:lnRef idx="2">
+            <a:schemeClr val="accent1">
+              <a:shade val="50000"/>
+            </a:schemeClr>
+          </a:lnRef>
+          <a:fillRef idx="1">
+            <a:schemeClr val="accent1"/>
+          </a:fillRef>
+          <a:effectRef idx="0">
+            <a:schemeClr val="accent1"/>
+          </a:effectRef>
+          <a:fontRef idx="minor">
+            <a:schemeClr val="lt1"/>
+          </a:fontRef>
+        </p:style>
+        <p:txBody>
+          <a:bodyPr rtlCol="0" anchor="ctr"/>
+          <a:lstStyle/>
+          <a:p>
+            <a:pPr algn="ctr"/>
+            <a:r>
+              <a:rPr lang="en-US" sz="3000" dirty="0"/>
+              <a:t>X</a:t>
+            </a:r>
+          </a:p>
+        </p:txBody>
+      </p:sp>
+      <p:sp>
+        <p:nvSpPr>
+          <p:cNvPr id="49" name="Rectangle: Rounded Corners 48">
+            <a:extLst>
+              <a:ext uri="{FF2B5EF4-FFF2-40B4-BE49-F238E27FC236}">
+                <a16:creationId xmlns:a16="http://schemas.microsoft.com/office/drawing/2014/main" id="{B6AF7203-1D7D-40C8-81A2-B83680333817}"/>
+              </a:ext>
+            </a:extLst>
+          </p:cNvPr>
+          <p:cNvSpPr/>
+          <p:nvPr/>
+        </p:nvSpPr>
+        <p:spPr>
+          <a:xfrm>
+            <a:off x="3866606" y="1484808"/>
+            <a:ext cx="1341120" cy="931817"/>
+          </a:xfrm>
+          <a:prstGeom prst="roundRect">
+            <a:avLst/>
+          </a:prstGeom>
+          <a:solidFill>
+            <a:srgbClr val="FF0000"/>
+          </a:solidFill>
+        </p:spPr>
+        <p:style>
+          <a:lnRef idx="2">
+            <a:schemeClr val="accent1">
+              <a:shade val="50000"/>
+            </a:schemeClr>
+          </a:lnRef>
+          <a:fillRef idx="1">
+            <a:schemeClr val="accent1"/>
+          </a:fillRef>
+          <a:effectRef idx="0">
+            <a:schemeClr val="accent1"/>
+          </a:effectRef>
+          <a:fontRef idx="minor">
+            <a:schemeClr val="lt1"/>
+          </a:fontRef>
+        </p:style>
+        <p:txBody>
+          <a:bodyPr rtlCol="0" anchor="ctr"/>
+          <a:lstStyle/>
+          <a:p>
+            <a:pPr algn="ctr"/>
+            <a:r>
+              <a:rPr lang="en-US" sz="3000" dirty="0"/>
+              <a:t>X</a:t>
+            </a:r>
+          </a:p>
+        </p:txBody>
+      </p:sp>
+      <p:sp>
+        <p:nvSpPr>
+          <p:cNvPr id="50" name="Rectangle: Rounded Corners 49">
+            <a:extLst>
+              <a:ext uri="{FF2B5EF4-FFF2-40B4-BE49-F238E27FC236}">
+                <a16:creationId xmlns:a16="http://schemas.microsoft.com/office/drawing/2014/main" id="{6801328F-A3BD-43C1-8530-CD719D5025EA}"/>
+              </a:ext>
+            </a:extLst>
+          </p:cNvPr>
+          <p:cNvSpPr/>
+          <p:nvPr/>
+        </p:nvSpPr>
+        <p:spPr>
+          <a:xfrm>
+            <a:off x="278674" y="4741817"/>
+            <a:ext cx="3413760" cy="931817"/>
+          </a:xfrm>
+          <a:prstGeom prst="roundRect">
+            <a:avLst/>
+          </a:prstGeom>
+          <a:solidFill>
+            <a:srgbClr val="FF0000"/>
+          </a:solidFill>
+        </p:spPr>
+        <p:style>
+          <a:lnRef idx="2">
+            <a:schemeClr val="accent1">
+              <a:shade val="50000"/>
+            </a:schemeClr>
+          </a:lnRef>
+          <a:fillRef idx="1">
+            <a:schemeClr val="accent1"/>
+          </a:fillRef>
+          <a:effectRef idx="0">
+            <a:schemeClr val="accent1"/>
+          </a:effectRef>
+          <a:fontRef idx="minor">
+            <a:schemeClr val="lt1"/>
+          </a:fontRef>
+        </p:style>
+        <p:txBody>
+          <a:bodyPr rtlCol="0" anchor="ctr"/>
+          <a:lstStyle/>
+          <a:p>
+            <a:pPr algn="ctr"/>
+            <a:r>
+              <a:rPr lang="en-US" sz="3000" dirty="0"/>
+              <a:t>X</a:t>
+            </a:r>
+          </a:p>
+        </p:txBody>
+      </p:sp>
+      <p:sp>
+        <p:nvSpPr>
+          <p:cNvPr id="51" name="Rectangle: Rounded Corners 50">
+            <a:extLst>
+              <a:ext uri="{FF2B5EF4-FFF2-40B4-BE49-F238E27FC236}">
+                <a16:creationId xmlns:a16="http://schemas.microsoft.com/office/drawing/2014/main" id="{55832E20-7BE1-4C3C-8E74-0FD0BA9A3A0F}"/>
+              </a:ext>
+            </a:extLst>
+          </p:cNvPr>
+          <p:cNvSpPr/>
+          <p:nvPr/>
+        </p:nvSpPr>
+        <p:spPr>
+          <a:xfrm>
+            <a:off x="3866606" y="4741817"/>
+            <a:ext cx="1341120" cy="931817"/>
+          </a:xfrm>
+          <a:prstGeom prst="roundRect">
+            <a:avLst/>
+          </a:prstGeom>
+          <a:solidFill>
+            <a:srgbClr val="FF0000"/>
+          </a:solidFill>
+        </p:spPr>
+        <p:style>
+          <a:lnRef idx="2">
+            <a:schemeClr val="accent1">
+              <a:shade val="50000"/>
+            </a:schemeClr>
+          </a:lnRef>
+          <a:fillRef idx="1">
+            <a:schemeClr val="accent1"/>
+          </a:fillRef>
+          <a:effectRef idx="0">
+            <a:schemeClr val="accent1"/>
+          </a:effectRef>
+          <a:fontRef idx="minor">
+            <a:schemeClr val="lt1"/>
+          </a:fontRef>
+        </p:style>
+        <p:txBody>
+          <a:bodyPr rtlCol="0" anchor="ctr"/>
+          <a:lstStyle/>
+          <a:p>
+            <a:pPr algn="ctr"/>
+            <a:r>
+              <a:rPr lang="en-US" sz="3000" dirty="0"/>
+              <a:t>X</a:t>
+            </a:r>
+          </a:p>
+        </p:txBody>
+      </p:sp>
+      <p:sp>
+        <p:nvSpPr>
+          <p:cNvPr id="52" name="Multiplication Sign 51">
+            <a:extLst>
+              <a:ext uri="{FF2B5EF4-FFF2-40B4-BE49-F238E27FC236}">
+                <a16:creationId xmlns:a16="http://schemas.microsoft.com/office/drawing/2014/main" id="{60B50A50-5FAA-45C2-875C-20AF736F7C85}"/>
+              </a:ext>
+            </a:extLst>
+          </p:cNvPr>
+          <p:cNvSpPr/>
+          <p:nvPr/>
+        </p:nvSpPr>
+        <p:spPr>
+          <a:xfrm>
+            <a:off x="1018539" y="4247183"/>
+            <a:ext cx="1915886" cy="1921078"/>
+          </a:xfrm>
+          <a:prstGeom prst="mathMultiply">
+            <a:avLst/>
+          </a:prstGeom>
+          <a:solidFill>
+            <a:schemeClr val="tx1"/>
+          </a:solidFill>
+          <a:ln>
+            <a:noFill/>
+          </a:ln>
+        </p:spPr>
+        <p:style>
+          <a:lnRef idx="2">
+            <a:schemeClr val="accent1">
+              <a:shade val="50000"/>
+            </a:schemeClr>
+          </a:lnRef>
+          <a:fillRef idx="1">
+            <a:schemeClr val="accent1"/>
+          </a:fillRef>
+          <a:effectRef idx="0">
+            <a:schemeClr val="accent1"/>
+          </a:effectRef>
+          <a:fontRef idx="minor">
+            <a:schemeClr val="lt1"/>
+          </a:fontRef>
+        </p:style>
+        <p:txBody>
+          <a:bodyPr rtlCol="0" anchor="ctr"/>
+          <a:lstStyle/>
+          <a:p>
+            <a:pPr algn="ctr"/>
+            <a:endParaRPr lang="en-US" dirty="0"/>
+          </a:p>
+        </p:txBody>
+      </p:sp>
+      <p:pic>
+        <p:nvPicPr>
+          <p:cNvPr id="38" name="Graphic 37" descr="Female">
+            <a:extLst>
+              <a:ext uri="{FF2B5EF4-FFF2-40B4-BE49-F238E27FC236}">
+                <a16:creationId xmlns:a16="http://schemas.microsoft.com/office/drawing/2014/main" id="{DA059F37-E3B7-4587-831A-F8121E3427EE}"/>
+              </a:ext>
+            </a:extLst>
+          </p:cNvPr>
+          <p:cNvPicPr>
+            <a:picLocks noChangeAspect="1"/>
+          </p:cNvPicPr>
+          <p:nvPr/>
+        </p:nvPicPr>
+        <p:blipFill>
+          <a:blip r:embed="rId2">
+            <a:extLst>
+              <a:ext uri="{28A0092B-C50C-407E-A947-70E740481C1C}">
+                <a14:useLocalDpi xmlns:a14="http://schemas.microsoft.com/office/drawing/2010/main" val="0"/>
+              </a:ext>
+              <a:ext uri="{96DAC541-7B7A-43D3-8B79-37D633B846F1}">
+                <asvg:svgBlip xmlns:asvg="http://schemas.microsoft.com/office/drawing/2016/SVG/main" r:embed="rId3"/>
+              </a:ext>
+            </a:extLst>
+          </a:blip>
+          <a:stretch>
+            <a:fillRect/>
+          </a:stretch>
+        </p:blipFill>
+        <p:spPr>
+          <a:xfrm>
+            <a:off x="11066311" y="181398"/>
+            <a:ext cx="1082180" cy="1082180"/>
+          </a:xfrm>
+          <a:prstGeom prst="rect">
+            <a:avLst/>
+          </a:prstGeom>
+        </p:spPr>
+      </p:pic>
+      <p:cxnSp>
+        <p:nvCxnSpPr>
+          <p:cNvPr id="39" name="Straight Connector 38">
+            <a:extLst>
+              <a:ext uri="{FF2B5EF4-FFF2-40B4-BE49-F238E27FC236}">
+                <a16:creationId xmlns:a16="http://schemas.microsoft.com/office/drawing/2014/main" id="{622BF1A3-3EC8-4EA4-ADA6-D7621D82D127}"/>
+              </a:ext>
+            </a:extLst>
+          </p:cNvPr>
+          <p:cNvCxnSpPr/>
+          <p:nvPr/>
+        </p:nvCxnSpPr>
+        <p:spPr>
+          <a:xfrm>
+            <a:off x="-8709" y="3010566"/>
+            <a:ext cx="12200709" cy="0"/>
+          </a:xfrm>
+          <a:prstGeom prst="line">
+            <a:avLst/>
+          </a:prstGeom>
+          <a:ln w="12700">
+            <a:prstDash val="lgDash"/>
+          </a:ln>
+        </p:spPr>
+        <p:style>
+          <a:lnRef idx="1">
+            <a:schemeClr val="dk1"/>
+          </a:lnRef>
+          <a:fillRef idx="0">
+            <a:schemeClr val="dk1"/>
+          </a:fillRef>
+          <a:effectRef idx="0">
+            <a:schemeClr val="dk1"/>
+          </a:effectRef>
+          <a:fontRef idx="minor">
+            <a:schemeClr val="tx1"/>
+          </a:fontRef>
+        </p:style>
+      </p:cxnSp>
+      <p:sp>
+        <p:nvSpPr>
+          <p:cNvPr id="53" name="TextBox 52">
+            <a:extLst>
+              <a:ext uri="{FF2B5EF4-FFF2-40B4-BE49-F238E27FC236}">
+                <a16:creationId xmlns:a16="http://schemas.microsoft.com/office/drawing/2014/main" id="{3BF46C4A-71D4-4FE4-97AE-FAAD9FDD18A9}"/>
               </a:ext>
             </a:extLst>
           </p:cNvPr>
@@ -7068,8 +7298,8 @@
         </p:nvSpPr>
         <p:spPr>
           <a:xfrm>
-            <a:off x="10537371" y="942174"/>
-            <a:ext cx="1112805" cy="784830"/>
+            <a:off x="-104480" y="-144224"/>
+            <a:ext cx="487634" cy="784830"/>
           </a:xfrm>
           <a:prstGeom prst="rect">
             <a:avLst/>
@@ -7084,374 +7314,15 @@
           <a:p>
             <a:r>
               <a:rPr lang="en-US" sz="4500" dirty="0"/>
-              <a:t>P(Y)</a:t>
-            </a:r>
-          </a:p>
-        </p:txBody>
-      </p:sp>
-      <p:sp>
-        <p:nvSpPr>
-          <p:cNvPr id="41" name="TextBox 40">
-            <a:extLst>
-              <a:ext uri="{FF2B5EF4-FFF2-40B4-BE49-F238E27FC236}">
-                <a16:creationId xmlns:a16="http://schemas.microsoft.com/office/drawing/2014/main" id="{1220067B-FD50-468E-BADF-E132DA50D9AC}"/>
-              </a:ext>
-            </a:extLst>
-          </p:cNvPr>
-          <p:cNvSpPr txBox="1"/>
-          <p:nvPr/>
-        </p:nvSpPr>
-        <p:spPr>
-          <a:xfrm>
-            <a:off x="10537370" y="4199180"/>
-            <a:ext cx="1659429" cy="784830"/>
-          </a:xfrm>
-          <a:prstGeom prst="rect">
-            <a:avLst/>
-          </a:prstGeom>
-          <a:noFill/>
-        </p:spPr>
-        <p:txBody>
-          <a:bodyPr wrap="none" rtlCol="0">
-            <a:spAutoFit/>
-          </a:bodyPr>
-          <a:lstStyle/>
-          <a:p>
-            <a:r>
-              <a:rPr lang="en-US" sz="4500" dirty="0"/>
-              <a:t>P(Y|Y)</a:t>
-            </a:r>
-          </a:p>
-        </p:txBody>
-      </p:sp>
-      <p:sp>
-        <p:nvSpPr>
-          <p:cNvPr id="42" name="Arrow: Up-Down 41">
-            <a:extLst>
-              <a:ext uri="{FF2B5EF4-FFF2-40B4-BE49-F238E27FC236}">
-                <a16:creationId xmlns:a16="http://schemas.microsoft.com/office/drawing/2014/main" id="{C6C68A54-9302-4B73-9D3F-82E2BCE46918}"/>
-              </a:ext>
-            </a:extLst>
-          </p:cNvPr>
-          <p:cNvSpPr/>
-          <p:nvPr/>
-        </p:nvSpPr>
-        <p:spPr>
-          <a:xfrm>
-            <a:off x="6693615" y="1184366"/>
-            <a:ext cx="156754" cy="300446"/>
-          </a:xfrm>
-          <a:prstGeom prst="upDownArrow">
-            <a:avLst/>
-          </a:prstGeom>
-          <a:solidFill>
-            <a:schemeClr val="bg1">
-              <a:lumMod val="65000"/>
-            </a:schemeClr>
-          </a:solidFill>
-          <a:ln>
-            <a:noFill/>
-          </a:ln>
-        </p:spPr>
-        <p:style>
-          <a:lnRef idx="2">
-            <a:schemeClr val="accent1">
-              <a:shade val="50000"/>
-            </a:schemeClr>
-          </a:lnRef>
-          <a:fillRef idx="1">
-            <a:schemeClr val="accent1"/>
-          </a:fillRef>
-          <a:effectRef idx="0">
-            <a:schemeClr val="accent1"/>
-          </a:effectRef>
-          <a:fontRef idx="minor">
-            <a:schemeClr val="lt1"/>
-          </a:fontRef>
-        </p:style>
-        <p:txBody>
-          <a:bodyPr rtlCol="0" anchor="ctr"/>
-          <a:lstStyle/>
-          <a:p>
-            <a:pPr algn="ctr"/>
-            <a:endParaRPr lang="en-US"/>
-          </a:p>
-        </p:txBody>
-      </p:sp>
-      <p:sp>
-        <p:nvSpPr>
-          <p:cNvPr id="43" name="Arrow: Up-Down 42">
-            <a:extLst>
-              <a:ext uri="{FF2B5EF4-FFF2-40B4-BE49-F238E27FC236}">
-                <a16:creationId xmlns:a16="http://schemas.microsoft.com/office/drawing/2014/main" id="{17CB07AB-169F-4952-9D9B-A19667E8B69C}"/>
-              </a:ext>
-            </a:extLst>
-          </p:cNvPr>
-          <p:cNvSpPr/>
-          <p:nvPr/>
-        </p:nvSpPr>
-        <p:spPr>
-          <a:xfrm>
-            <a:off x="8168640" y="1180008"/>
-            <a:ext cx="156754" cy="300446"/>
-          </a:xfrm>
-          <a:prstGeom prst="upDownArrow">
-            <a:avLst/>
-          </a:prstGeom>
-          <a:solidFill>
-            <a:schemeClr val="bg1">
-              <a:lumMod val="65000"/>
-            </a:schemeClr>
-          </a:solidFill>
-          <a:ln>
-            <a:noFill/>
-          </a:ln>
-        </p:spPr>
-        <p:style>
-          <a:lnRef idx="2">
-            <a:schemeClr val="accent1">
-              <a:shade val="50000"/>
-            </a:schemeClr>
-          </a:lnRef>
-          <a:fillRef idx="1">
-            <a:schemeClr val="accent1"/>
-          </a:fillRef>
-          <a:effectRef idx="0">
-            <a:schemeClr val="accent1"/>
-          </a:effectRef>
-          <a:fontRef idx="minor">
-            <a:schemeClr val="lt1"/>
-          </a:fontRef>
-        </p:style>
-        <p:txBody>
-          <a:bodyPr rtlCol="0" anchor="ctr"/>
-          <a:lstStyle/>
-          <a:p>
-            <a:pPr algn="ctr"/>
-            <a:endParaRPr lang="en-US"/>
-          </a:p>
-        </p:txBody>
-      </p:sp>
-      <p:sp>
-        <p:nvSpPr>
-          <p:cNvPr id="44" name="Arrow: Up-Down 43">
-            <a:extLst>
-              <a:ext uri="{FF2B5EF4-FFF2-40B4-BE49-F238E27FC236}">
-                <a16:creationId xmlns:a16="http://schemas.microsoft.com/office/drawing/2014/main" id="{C1181C6C-E184-4C27-A5ED-0E50F1E2B683}"/>
-              </a:ext>
-            </a:extLst>
-          </p:cNvPr>
-          <p:cNvSpPr/>
-          <p:nvPr/>
-        </p:nvSpPr>
-        <p:spPr>
-          <a:xfrm>
-            <a:off x="9643665" y="1180008"/>
-            <a:ext cx="156754" cy="300446"/>
-          </a:xfrm>
-          <a:prstGeom prst="upDownArrow">
-            <a:avLst/>
-          </a:prstGeom>
-          <a:solidFill>
-            <a:schemeClr val="bg1">
-              <a:lumMod val="65000"/>
-            </a:schemeClr>
-          </a:solidFill>
-          <a:ln>
-            <a:noFill/>
-          </a:ln>
-        </p:spPr>
-        <p:style>
-          <a:lnRef idx="2">
-            <a:schemeClr val="accent1">
-              <a:shade val="50000"/>
-            </a:schemeClr>
-          </a:lnRef>
-          <a:fillRef idx="1">
-            <a:schemeClr val="accent1"/>
-          </a:fillRef>
-          <a:effectRef idx="0">
-            <a:schemeClr val="accent1"/>
-          </a:effectRef>
-          <a:fontRef idx="minor">
-            <a:schemeClr val="lt1"/>
-          </a:fontRef>
-        </p:style>
-        <p:txBody>
-          <a:bodyPr rtlCol="0" anchor="ctr"/>
-          <a:lstStyle/>
-          <a:p>
-            <a:pPr algn="ctr"/>
-            <a:endParaRPr lang="en-US"/>
-          </a:p>
-        </p:txBody>
-      </p:sp>
-      <p:sp>
-        <p:nvSpPr>
-          <p:cNvPr id="45" name="Arrow: Up-Down 44">
-            <a:extLst>
-              <a:ext uri="{FF2B5EF4-FFF2-40B4-BE49-F238E27FC236}">
-                <a16:creationId xmlns:a16="http://schemas.microsoft.com/office/drawing/2014/main" id="{F6B0F8FC-75B2-49B0-BEF2-839DB53932F9}"/>
-              </a:ext>
-            </a:extLst>
-          </p:cNvPr>
-          <p:cNvSpPr/>
-          <p:nvPr/>
-        </p:nvSpPr>
-        <p:spPr>
-          <a:xfrm>
-            <a:off x="6688183" y="4437014"/>
-            <a:ext cx="156754" cy="300446"/>
-          </a:xfrm>
-          <a:prstGeom prst="upDownArrow">
-            <a:avLst/>
-          </a:prstGeom>
-          <a:solidFill>
-            <a:schemeClr val="bg1">
-              <a:lumMod val="65000"/>
-            </a:schemeClr>
-          </a:solidFill>
-          <a:ln>
-            <a:noFill/>
-          </a:ln>
-        </p:spPr>
-        <p:style>
-          <a:lnRef idx="2">
-            <a:schemeClr val="accent1">
-              <a:shade val="50000"/>
-            </a:schemeClr>
-          </a:lnRef>
-          <a:fillRef idx="1">
-            <a:schemeClr val="accent1"/>
-          </a:fillRef>
-          <a:effectRef idx="0">
-            <a:schemeClr val="accent1"/>
-          </a:effectRef>
-          <a:fontRef idx="minor">
-            <a:schemeClr val="lt1"/>
-          </a:fontRef>
-        </p:style>
-        <p:txBody>
-          <a:bodyPr rtlCol="0" anchor="ctr"/>
-          <a:lstStyle/>
-          <a:p>
-            <a:pPr algn="ctr"/>
-            <a:endParaRPr lang="en-US"/>
-          </a:p>
-        </p:txBody>
-      </p:sp>
-      <p:sp>
-        <p:nvSpPr>
-          <p:cNvPr id="46" name="Arrow: Up-Down 45">
-            <a:extLst>
-              <a:ext uri="{FF2B5EF4-FFF2-40B4-BE49-F238E27FC236}">
-                <a16:creationId xmlns:a16="http://schemas.microsoft.com/office/drawing/2014/main" id="{D899EB01-75EF-4A96-A6C6-12D19260CA1A}"/>
-              </a:ext>
-            </a:extLst>
-          </p:cNvPr>
-          <p:cNvSpPr/>
-          <p:nvPr/>
-        </p:nvSpPr>
-        <p:spPr>
-          <a:xfrm>
-            <a:off x="8168640" y="4437014"/>
-            <a:ext cx="156754" cy="300446"/>
-          </a:xfrm>
-          <a:prstGeom prst="upDownArrow">
-            <a:avLst/>
-          </a:prstGeom>
-          <a:solidFill>
-            <a:schemeClr val="bg1">
-              <a:lumMod val="65000"/>
-            </a:schemeClr>
-          </a:solidFill>
-          <a:ln>
-            <a:noFill/>
-          </a:ln>
-        </p:spPr>
-        <p:style>
-          <a:lnRef idx="2">
-            <a:schemeClr val="accent1">
-              <a:shade val="50000"/>
-            </a:schemeClr>
-          </a:lnRef>
-          <a:fillRef idx="1">
-            <a:schemeClr val="accent1"/>
-          </a:fillRef>
-          <a:effectRef idx="0">
-            <a:schemeClr val="accent1"/>
-          </a:effectRef>
-          <a:fontRef idx="minor">
-            <a:schemeClr val="lt1"/>
-          </a:fontRef>
-        </p:style>
-        <p:txBody>
-          <a:bodyPr rtlCol="0" anchor="ctr"/>
-          <a:lstStyle/>
-          <a:p>
-            <a:pPr algn="ctr"/>
-            <a:endParaRPr lang="en-US"/>
-          </a:p>
-        </p:txBody>
-      </p:sp>
-      <p:sp>
-        <p:nvSpPr>
-          <p:cNvPr id="47" name="Arrow: Up-Down 46">
-            <a:extLst>
-              <a:ext uri="{FF2B5EF4-FFF2-40B4-BE49-F238E27FC236}">
-                <a16:creationId xmlns:a16="http://schemas.microsoft.com/office/drawing/2014/main" id="{81F10637-D98B-4255-A64D-1EB5A4E0EFA0}"/>
-              </a:ext>
-            </a:extLst>
-          </p:cNvPr>
-          <p:cNvSpPr/>
-          <p:nvPr/>
-        </p:nvSpPr>
-        <p:spPr>
-          <a:xfrm>
-            <a:off x="9642867" y="4437014"/>
-            <a:ext cx="156754" cy="300446"/>
-          </a:xfrm>
-          <a:prstGeom prst="upDownArrow">
-            <a:avLst/>
-          </a:prstGeom>
-          <a:solidFill>
-            <a:schemeClr val="bg1">
-              <a:lumMod val="65000"/>
-            </a:schemeClr>
-          </a:solidFill>
-          <a:ln>
-            <a:noFill/>
-          </a:ln>
-        </p:spPr>
-        <p:style>
-          <a:lnRef idx="2">
-            <a:schemeClr val="accent1">
-              <a:shade val="50000"/>
-            </a:schemeClr>
-          </a:lnRef>
-          <a:fillRef idx="1">
-            <a:schemeClr val="accent1"/>
-          </a:fillRef>
-          <a:effectRef idx="0">
-            <a:schemeClr val="accent1"/>
-          </a:effectRef>
-          <a:fontRef idx="minor">
-            <a:schemeClr val="lt1"/>
-          </a:fontRef>
-        </p:style>
-        <p:txBody>
-          <a:bodyPr rtlCol="0" anchor="ctr"/>
-          <a:lstStyle/>
-          <a:p>
-            <a:pPr algn="ctr"/>
-            <a:endParaRPr lang="en-US"/>
+              <a:t>b</a:t>
+            </a:r>
           </a:p>
         </p:txBody>
       </p:sp>
     </p:spTree>
     <p:extLst>
       <p:ext uri="{BB962C8B-B14F-4D97-AF65-F5344CB8AC3E}">
-        <p14:creationId xmlns:p14="http://schemas.microsoft.com/office/powerpoint/2010/main" val="2708942075"/>
+        <p14:creationId xmlns:p14="http://schemas.microsoft.com/office/powerpoint/2010/main" val="952412554"/>
       </p:ext>
     </p:extLst>
   </p:cSld>
@@ -9441,6 +9312,119 @@
           <a:p>
             <a:pPr algn="ctr"/>
             <a:endParaRPr lang="en-US"/>
+          </a:p>
+        </p:txBody>
+      </p:sp>
+      <p:pic>
+        <p:nvPicPr>
+          <p:cNvPr id="48" name="Graphic 47" descr="Male">
+            <a:extLst>
+              <a:ext uri="{FF2B5EF4-FFF2-40B4-BE49-F238E27FC236}">
+                <a16:creationId xmlns:a16="http://schemas.microsoft.com/office/drawing/2014/main" id="{E011F3A6-86A5-4713-B21C-BF37192649B6}"/>
+              </a:ext>
+            </a:extLst>
+          </p:cNvPr>
+          <p:cNvPicPr>
+            <a:picLocks noChangeAspect="1"/>
+          </p:cNvPicPr>
+          <p:nvPr/>
+        </p:nvPicPr>
+        <p:blipFill>
+          <a:blip r:embed="rId2">
+            <a:extLst>
+              <a:ext uri="{28A0092B-C50C-407E-A947-70E740481C1C}">
+                <a14:useLocalDpi xmlns:a14="http://schemas.microsoft.com/office/drawing/2010/main" val="0"/>
+              </a:ext>
+              <a:ext uri="{96DAC541-7B7A-43D3-8B79-37D633B846F1}">
+                <asvg:svgBlip xmlns:asvg="http://schemas.microsoft.com/office/drawing/2016/SVG/main" r:embed="rId3"/>
+              </a:ext>
+            </a:extLst>
+          </a:blip>
+          <a:stretch>
+            <a:fillRect/>
+          </a:stretch>
+        </p:blipFill>
+        <p:spPr>
+          <a:xfrm>
+            <a:off x="11115259" y="0"/>
+            <a:ext cx="1082180" cy="1082180"/>
+          </a:xfrm>
+          <a:prstGeom prst="rect">
+            <a:avLst/>
+          </a:prstGeom>
+        </p:spPr>
+      </p:pic>
+      <p:cxnSp>
+        <p:nvCxnSpPr>
+          <p:cNvPr id="49" name="Straight Connector 48">
+            <a:extLst>
+              <a:ext uri="{FF2B5EF4-FFF2-40B4-BE49-F238E27FC236}">
+                <a16:creationId xmlns:a16="http://schemas.microsoft.com/office/drawing/2014/main" id="{7ABE9F59-B431-4088-B50A-8DEB0365B938}"/>
+              </a:ext>
+            </a:extLst>
+          </p:cNvPr>
+          <p:cNvCxnSpPr/>
+          <p:nvPr/>
+        </p:nvCxnSpPr>
+        <p:spPr>
+          <a:xfrm>
+            <a:off x="-8709" y="3010566"/>
+            <a:ext cx="12200709" cy="0"/>
+          </a:xfrm>
+          <a:prstGeom prst="line">
+            <a:avLst/>
+          </a:prstGeom>
+          <a:ln w="12700">
+            <a:prstDash val="lgDash"/>
+          </a:ln>
+        </p:spPr>
+        <p:style>
+          <a:lnRef idx="1">
+            <a:schemeClr val="dk1"/>
+          </a:lnRef>
+          <a:fillRef idx="0">
+            <a:schemeClr val="dk1"/>
+          </a:fillRef>
+          <a:effectRef idx="0">
+            <a:schemeClr val="dk1"/>
+          </a:effectRef>
+          <a:fontRef idx="minor">
+            <a:schemeClr val="tx1"/>
+          </a:fontRef>
+        </p:style>
+      </p:cxnSp>
+      <p:sp>
+        <p:nvSpPr>
+          <p:cNvPr id="50" name="TextBox 49">
+            <a:extLst>
+              <a:ext uri="{FF2B5EF4-FFF2-40B4-BE49-F238E27FC236}">
+                <a16:creationId xmlns:a16="http://schemas.microsoft.com/office/drawing/2014/main" id="{8B27F7AE-1433-447C-BE66-AA0B8222D7E4}"/>
+              </a:ext>
+            </a:extLst>
+          </p:cNvPr>
+          <p:cNvSpPr txBox="1"/>
+          <p:nvPr/>
+        </p:nvSpPr>
+        <p:spPr>
+          <a:xfrm>
+            <a:off x="-59232" y="-246442"/>
+            <a:ext cx="428322" cy="784830"/>
+          </a:xfrm>
+          <a:prstGeom prst="rect">
+            <a:avLst/>
+          </a:prstGeom>
+          <a:noFill/>
+        </p:spPr>
+        <p:txBody>
+          <a:bodyPr wrap="none" rtlCol="0">
+            <a:spAutoFit/>
+          </a:bodyPr>
+          <a:lstStyle/>
+          <a:p>
+            <a:r>
+              <a:rPr lang="en-US" sz="4500" dirty="0"/>
+              <a:t>c</a:t>
+            </a:r>
           </a:p>
         </p:txBody>
       </p:sp>
@@ -9580,6 +9564,162 @@
       </p:sp>
       <p:sp>
         <p:nvSpPr>
+          <p:cNvPr id="7" name="Rectangle: Rounded Corners 6">
+            <a:extLst>
+              <a:ext uri="{FF2B5EF4-FFF2-40B4-BE49-F238E27FC236}">
+                <a16:creationId xmlns:a16="http://schemas.microsoft.com/office/drawing/2014/main" id="{7993898E-D6D9-4599-8364-EBDDCD1AEEFD}"/>
+              </a:ext>
+            </a:extLst>
+          </p:cNvPr>
+          <p:cNvSpPr/>
+          <p:nvPr/>
+        </p:nvSpPr>
+        <p:spPr>
+          <a:xfrm>
+            <a:off x="278674" y="1484812"/>
+            <a:ext cx="1341120" cy="931817"/>
+          </a:xfrm>
+          <a:prstGeom prst="roundRect">
+            <a:avLst/>
+          </a:prstGeom>
+          <a:solidFill>
+            <a:schemeClr val="accent1"/>
+          </a:solidFill>
+        </p:spPr>
+        <p:style>
+          <a:lnRef idx="2">
+            <a:schemeClr val="accent1">
+              <a:shade val="50000"/>
+            </a:schemeClr>
+          </a:lnRef>
+          <a:fillRef idx="1">
+            <a:schemeClr val="accent1"/>
+          </a:fillRef>
+          <a:effectRef idx="0">
+            <a:schemeClr val="accent1"/>
+          </a:effectRef>
+          <a:fontRef idx="minor">
+            <a:schemeClr val="lt1"/>
+          </a:fontRef>
+        </p:style>
+        <p:txBody>
+          <a:bodyPr rtlCol="0" anchor="ctr"/>
+          <a:lstStyle/>
+          <a:p>
+            <a:pPr algn="ctr"/>
+            <a:r>
+              <a:rPr lang="en-US" sz="3000" dirty="0"/>
+              <a:t>Y</a:t>
+            </a:r>
+          </a:p>
+        </p:txBody>
+      </p:sp>
+      <p:sp>
+        <p:nvSpPr>
+          <p:cNvPr id="8" name="Rectangle: Rounded Corners 7">
+            <a:extLst>
+              <a:ext uri="{FF2B5EF4-FFF2-40B4-BE49-F238E27FC236}">
+                <a16:creationId xmlns:a16="http://schemas.microsoft.com/office/drawing/2014/main" id="{F093FEC2-C259-4126-9108-254ECF183C2F}"/>
+              </a:ext>
+            </a:extLst>
+          </p:cNvPr>
+          <p:cNvSpPr/>
+          <p:nvPr/>
+        </p:nvSpPr>
+        <p:spPr>
+          <a:xfrm>
+            <a:off x="2351314" y="1484812"/>
+            <a:ext cx="1341120" cy="931817"/>
+          </a:xfrm>
+          <a:prstGeom prst="roundRect">
+            <a:avLst/>
+          </a:prstGeom>
+          <a:solidFill>
+            <a:schemeClr val="accent1"/>
+          </a:solidFill>
+        </p:spPr>
+        <p:style>
+          <a:lnRef idx="2">
+            <a:schemeClr val="accent1">
+              <a:shade val="50000"/>
+            </a:schemeClr>
+          </a:lnRef>
+          <a:fillRef idx="1">
+            <a:schemeClr val="accent1"/>
+          </a:fillRef>
+          <a:effectRef idx="0">
+            <a:schemeClr val="accent1"/>
+          </a:effectRef>
+          <a:fontRef idx="minor">
+            <a:schemeClr val="lt1"/>
+          </a:fontRef>
+        </p:style>
+        <p:txBody>
+          <a:bodyPr rtlCol="0" anchor="ctr"/>
+          <a:lstStyle/>
+          <a:p>
+            <a:pPr algn="ctr"/>
+            <a:r>
+              <a:rPr lang="en-US" sz="3000" dirty="0"/>
+              <a:t>Y</a:t>
+            </a:r>
+          </a:p>
+        </p:txBody>
+      </p:sp>
+      <p:sp>
+        <p:nvSpPr>
+          <p:cNvPr id="9" name="Rectangle: Rounded Corners 8">
+            <a:extLst>
+              <a:ext uri="{FF2B5EF4-FFF2-40B4-BE49-F238E27FC236}">
+                <a16:creationId xmlns:a16="http://schemas.microsoft.com/office/drawing/2014/main" id="{8B249B5F-155C-4C87-8156-4C6069495799}"/>
+              </a:ext>
+            </a:extLst>
+          </p:cNvPr>
+          <p:cNvSpPr/>
+          <p:nvPr/>
+        </p:nvSpPr>
+        <p:spPr>
+          <a:xfrm>
+            <a:off x="3866606" y="1484812"/>
+            <a:ext cx="1341120" cy="931817"/>
+          </a:xfrm>
+          <a:prstGeom prst="roundRect">
+            <a:avLst/>
+          </a:prstGeom>
+          <a:solidFill>
+            <a:schemeClr val="accent1"/>
+          </a:solidFill>
+        </p:spPr>
+        <p:style>
+          <a:lnRef idx="2">
+            <a:schemeClr val="accent1">
+              <a:shade val="50000"/>
+            </a:schemeClr>
+          </a:lnRef>
+          <a:fillRef idx="1">
+            <a:schemeClr val="accent1"/>
+          </a:fillRef>
+          <a:effectRef idx="0">
+            <a:schemeClr val="accent1"/>
+          </a:effectRef>
+          <a:fontRef idx="minor">
+            <a:schemeClr val="lt1"/>
+          </a:fontRef>
+        </p:style>
+        <p:txBody>
+          <a:bodyPr rtlCol="0" anchor="ctr"/>
+          <a:lstStyle/>
+          <a:p>
+            <a:pPr algn="ctr"/>
+            <a:r>
+              <a:rPr lang="en-US" sz="3000" dirty="0"/>
+              <a:t>Y</a:t>
+            </a:r>
+          </a:p>
+        </p:txBody>
+      </p:sp>
+      <p:sp>
+        <p:nvSpPr>
           <p:cNvPr id="10" name="Arrow: Up-Down 9">
             <a:extLst>
               <a:ext uri="{FF2B5EF4-FFF2-40B4-BE49-F238E27FC236}">
@@ -10158,6 +10298,162 @@
       </p:sp>
       <p:sp>
         <p:nvSpPr>
+          <p:cNvPr id="24" name="Rectangle: Rounded Corners 23">
+            <a:extLst>
+              <a:ext uri="{FF2B5EF4-FFF2-40B4-BE49-F238E27FC236}">
+                <a16:creationId xmlns:a16="http://schemas.microsoft.com/office/drawing/2014/main" id="{27842599-C982-460C-A2F1-6AF4D9156F6E}"/>
+              </a:ext>
+            </a:extLst>
+          </p:cNvPr>
+          <p:cNvSpPr/>
+          <p:nvPr/>
+        </p:nvSpPr>
+        <p:spPr>
+          <a:xfrm>
+            <a:off x="278674" y="4741818"/>
+            <a:ext cx="1341120" cy="931817"/>
+          </a:xfrm>
+          <a:prstGeom prst="roundRect">
+            <a:avLst/>
+          </a:prstGeom>
+          <a:solidFill>
+            <a:schemeClr val="accent1"/>
+          </a:solidFill>
+        </p:spPr>
+        <p:style>
+          <a:lnRef idx="2">
+            <a:schemeClr val="accent1">
+              <a:shade val="50000"/>
+            </a:schemeClr>
+          </a:lnRef>
+          <a:fillRef idx="1">
+            <a:schemeClr val="accent1"/>
+          </a:fillRef>
+          <a:effectRef idx="0">
+            <a:schemeClr val="accent1"/>
+          </a:effectRef>
+          <a:fontRef idx="minor">
+            <a:schemeClr val="lt1"/>
+          </a:fontRef>
+        </p:style>
+        <p:txBody>
+          <a:bodyPr rtlCol="0" anchor="ctr"/>
+          <a:lstStyle/>
+          <a:p>
+            <a:pPr algn="ctr"/>
+            <a:r>
+              <a:rPr lang="en-US" sz="3000" dirty="0"/>
+              <a:t>Y</a:t>
+            </a:r>
+          </a:p>
+        </p:txBody>
+      </p:sp>
+      <p:sp>
+        <p:nvSpPr>
+          <p:cNvPr id="25" name="Rectangle: Rounded Corners 24">
+            <a:extLst>
+              <a:ext uri="{FF2B5EF4-FFF2-40B4-BE49-F238E27FC236}">
+                <a16:creationId xmlns:a16="http://schemas.microsoft.com/office/drawing/2014/main" id="{F1A715FE-0A78-42C3-B347-A28DF70DEF15}"/>
+              </a:ext>
+            </a:extLst>
+          </p:cNvPr>
+          <p:cNvSpPr/>
+          <p:nvPr/>
+        </p:nvSpPr>
+        <p:spPr>
+          <a:xfrm>
+            <a:off x="2351314" y="4741818"/>
+            <a:ext cx="1341120" cy="931817"/>
+          </a:xfrm>
+          <a:prstGeom prst="roundRect">
+            <a:avLst/>
+          </a:prstGeom>
+          <a:solidFill>
+            <a:schemeClr val="accent1"/>
+          </a:solidFill>
+        </p:spPr>
+        <p:style>
+          <a:lnRef idx="2">
+            <a:schemeClr val="accent1">
+              <a:shade val="50000"/>
+            </a:schemeClr>
+          </a:lnRef>
+          <a:fillRef idx="1">
+            <a:schemeClr val="accent1"/>
+          </a:fillRef>
+          <a:effectRef idx="0">
+            <a:schemeClr val="accent1"/>
+          </a:effectRef>
+          <a:fontRef idx="minor">
+            <a:schemeClr val="lt1"/>
+          </a:fontRef>
+        </p:style>
+        <p:txBody>
+          <a:bodyPr rtlCol="0" anchor="ctr"/>
+          <a:lstStyle/>
+          <a:p>
+            <a:pPr algn="ctr"/>
+            <a:r>
+              <a:rPr lang="en-US" sz="3000" dirty="0"/>
+              <a:t>Y</a:t>
+            </a:r>
+          </a:p>
+        </p:txBody>
+      </p:sp>
+      <p:sp>
+        <p:nvSpPr>
+          <p:cNvPr id="26" name="Rectangle: Rounded Corners 25">
+            <a:extLst>
+              <a:ext uri="{FF2B5EF4-FFF2-40B4-BE49-F238E27FC236}">
+                <a16:creationId xmlns:a16="http://schemas.microsoft.com/office/drawing/2014/main" id="{DD801DD6-17B0-4B26-B8A1-A397056DEA70}"/>
+              </a:ext>
+            </a:extLst>
+          </p:cNvPr>
+          <p:cNvSpPr/>
+          <p:nvPr/>
+        </p:nvSpPr>
+        <p:spPr>
+          <a:xfrm>
+            <a:off x="3866606" y="4741818"/>
+            <a:ext cx="1341120" cy="931817"/>
+          </a:xfrm>
+          <a:prstGeom prst="roundRect">
+            <a:avLst/>
+          </a:prstGeom>
+          <a:solidFill>
+            <a:schemeClr val="accent1"/>
+          </a:solidFill>
+        </p:spPr>
+        <p:style>
+          <a:lnRef idx="2">
+            <a:schemeClr val="accent1">
+              <a:shade val="50000"/>
+            </a:schemeClr>
+          </a:lnRef>
+          <a:fillRef idx="1">
+            <a:schemeClr val="accent1"/>
+          </a:fillRef>
+          <a:effectRef idx="0">
+            <a:schemeClr val="accent1"/>
+          </a:effectRef>
+          <a:fontRef idx="minor">
+            <a:schemeClr val="lt1"/>
+          </a:fontRef>
+        </p:style>
+        <p:txBody>
+          <a:bodyPr rtlCol="0" anchor="ctr"/>
+          <a:lstStyle/>
+          <a:p>
+            <a:pPr algn="ctr"/>
+            <a:r>
+              <a:rPr lang="en-US" sz="3000" dirty="0"/>
+              <a:t>Y</a:t>
+            </a:r>
+          </a:p>
+        </p:txBody>
+      </p:sp>
+      <p:sp>
+        <p:nvSpPr>
           <p:cNvPr id="27" name="Arrow: Up-Down 26">
             <a:extLst>
               <a:ext uri="{FF2B5EF4-FFF2-40B4-BE49-F238E27FC236}">
@@ -10644,7 +10940,7 @@
         </p:nvSpPr>
         <p:spPr>
           <a:xfrm>
-            <a:off x="1018539" y="3010566"/>
+            <a:off x="1045029" y="3010566"/>
             <a:ext cx="1915886" cy="1921078"/>
           </a:xfrm>
           <a:prstGeom prst="mathMultiply">
@@ -10678,7 +10974,163 @@
           <a:lstStyle/>
           <a:p>
             <a:pPr algn="ctr"/>
-            <a:endParaRPr lang="en-US" dirty="0"/>
+            <a:endParaRPr lang="en-US"/>
+          </a:p>
+        </p:txBody>
+      </p:sp>
+      <p:sp>
+        <p:nvSpPr>
+          <p:cNvPr id="37" name="Multiplication Sign 36">
+            <a:extLst>
+              <a:ext uri="{FF2B5EF4-FFF2-40B4-BE49-F238E27FC236}">
+                <a16:creationId xmlns:a16="http://schemas.microsoft.com/office/drawing/2014/main" id="{13A1C9E6-60BC-4551-B9DB-8FE9CE9A4CCF}"/>
+              </a:ext>
+            </a:extLst>
+          </p:cNvPr>
+          <p:cNvSpPr/>
+          <p:nvPr/>
+        </p:nvSpPr>
+        <p:spPr>
+          <a:xfrm>
+            <a:off x="-8709" y="4247183"/>
+            <a:ext cx="1915886" cy="1921078"/>
+          </a:xfrm>
+          <a:prstGeom prst="mathMultiply">
+            <a:avLst/>
+          </a:prstGeom>
+          <a:solidFill>
+            <a:schemeClr val="tx1"/>
+          </a:solidFill>
+          <a:ln>
+            <a:noFill/>
+          </a:ln>
+        </p:spPr>
+        <p:style>
+          <a:lnRef idx="2">
+            <a:schemeClr val="accent1">
+              <a:shade val="50000"/>
+            </a:schemeClr>
+          </a:lnRef>
+          <a:fillRef idx="1">
+            <a:schemeClr val="accent1"/>
+          </a:fillRef>
+          <a:effectRef idx="0">
+            <a:schemeClr val="accent1"/>
+          </a:effectRef>
+          <a:fontRef idx="minor">
+            <a:schemeClr val="lt1"/>
+          </a:fontRef>
+        </p:style>
+        <p:txBody>
+          <a:bodyPr rtlCol="0" anchor="ctr"/>
+          <a:lstStyle/>
+          <a:p>
+            <a:pPr algn="ctr"/>
+            <a:endParaRPr lang="en-US"/>
+          </a:p>
+        </p:txBody>
+      </p:sp>
+      <p:sp>
+        <p:nvSpPr>
+          <p:cNvPr id="38" name="Multiplication Sign 37">
+            <a:extLst>
+              <a:ext uri="{FF2B5EF4-FFF2-40B4-BE49-F238E27FC236}">
+                <a16:creationId xmlns:a16="http://schemas.microsoft.com/office/drawing/2014/main" id="{7A6BE7E3-6EE7-402A-AE59-FAF5B5ADEF7C}"/>
+              </a:ext>
+            </a:extLst>
+          </p:cNvPr>
+          <p:cNvSpPr/>
+          <p:nvPr/>
+        </p:nvSpPr>
+        <p:spPr>
+          <a:xfrm>
+            <a:off x="2058658" y="4247183"/>
+            <a:ext cx="1915886" cy="1921078"/>
+          </a:xfrm>
+          <a:prstGeom prst="mathMultiply">
+            <a:avLst/>
+          </a:prstGeom>
+          <a:solidFill>
+            <a:schemeClr val="tx1"/>
+          </a:solidFill>
+          <a:ln>
+            <a:noFill/>
+          </a:ln>
+        </p:spPr>
+        <p:style>
+          <a:lnRef idx="2">
+            <a:schemeClr val="accent1">
+              <a:shade val="50000"/>
+            </a:schemeClr>
+          </a:lnRef>
+          <a:fillRef idx="1">
+            <a:schemeClr val="accent1"/>
+          </a:fillRef>
+          <a:effectRef idx="0">
+            <a:schemeClr val="accent1"/>
+          </a:effectRef>
+          <a:fontRef idx="minor">
+            <a:schemeClr val="lt1"/>
+          </a:fontRef>
+        </p:style>
+        <p:txBody>
+          <a:bodyPr rtlCol="0" anchor="ctr"/>
+          <a:lstStyle/>
+          <a:p>
+            <a:pPr algn="ctr"/>
+            <a:endParaRPr lang="en-US"/>
+          </a:p>
+        </p:txBody>
+      </p:sp>
+      <p:sp>
+        <p:nvSpPr>
+          <p:cNvPr id="39" name="Multiplication Sign 38">
+            <a:extLst>
+              <a:ext uri="{FF2B5EF4-FFF2-40B4-BE49-F238E27FC236}">
+                <a16:creationId xmlns:a16="http://schemas.microsoft.com/office/drawing/2014/main" id="{755CC38A-7B14-4A33-BA74-1ED0B356F3EA}"/>
+              </a:ext>
+            </a:extLst>
+          </p:cNvPr>
+          <p:cNvSpPr/>
+          <p:nvPr/>
+        </p:nvSpPr>
+        <p:spPr>
+          <a:xfrm>
+            <a:off x="3577504" y="4247183"/>
+            <a:ext cx="1915886" cy="1921078"/>
+          </a:xfrm>
+          <a:prstGeom prst="mathMultiply">
+            <a:avLst/>
+          </a:prstGeom>
+          <a:solidFill>
+            <a:schemeClr val="tx1"/>
+          </a:solidFill>
+          <a:ln>
+            <a:noFill/>
+          </a:ln>
+        </p:spPr>
+        <p:style>
+          <a:lnRef idx="2">
+            <a:schemeClr val="accent1">
+              <a:shade val="50000"/>
+            </a:schemeClr>
+          </a:lnRef>
+          <a:fillRef idx="1">
+            <a:schemeClr val="accent1"/>
+          </a:fillRef>
+          <a:effectRef idx="0">
+            <a:schemeClr val="accent1"/>
+          </a:effectRef>
+          <a:fontRef idx="minor">
+            <a:schemeClr val="lt1"/>
+          </a:fontRef>
+        </p:style>
+        <p:txBody>
+          <a:bodyPr rtlCol="0" anchor="ctr"/>
+          <a:lstStyle/>
+          <a:p>
+            <a:pPr algn="ctr"/>
+            <a:endParaRPr lang="en-US"/>
           </a:p>
         </p:txBody>
       </p:sp>
@@ -11076,270 +11528,123 @@
           </a:p>
         </p:txBody>
       </p:sp>
-      <p:sp>
-        <p:nvSpPr>
-          <p:cNvPr id="48" name="Rectangle: Rounded Corners 47">
-            <a:extLst>
-              <a:ext uri="{FF2B5EF4-FFF2-40B4-BE49-F238E27FC236}">
-                <a16:creationId xmlns:a16="http://schemas.microsoft.com/office/drawing/2014/main" id="{119DD6E7-036C-4FB6-911E-8B068011C83E}"/>
-              </a:ext>
-            </a:extLst>
-          </p:cNvPr>
-          <p:cNvSpPr/>
-          <p:nvPr/>
-        </p:nvSpPr>
-        <p:spPr>
-          <a:xfrm>
-            <a:off x="278674" y="1484808"/>
-            <a:ext cx="3413760" cy="931817"/>
-          </a:xfrm>
-          <a:prstGeom prst="roundRect">
-            <a:avLst/>
-          </a:prstGeom>
-          <a:solidFill>
-            <a:srgbClr val="FF0000"/>
-          </a:solidFill>
-        </p:spPr>
-        <p:style>
-          <a:lnRef idx="2">
-            <a:schemeClr val="accent1">
-              <a:shade val="50000"/>
-            </a:schemeClr>
-          </a:lnRef>
-          <a:fillRef idx="1">
-            <a:schemeClr val="accent1"/>
-          </a:fillRef>
-          <a:effectRef idx="0">
-            <a:schemeClr val="accent1"/>
-          </a:effectRef>
-          <a:fontRef idx="minor">
-            <a:schemeClr val="lt1"/>
-          </a:fontRef>
-        </p:style>
-        <p:txBody>
-          <a:bodyPr rtlCol="0" anchor="ctr"/>
-          <a:lstStyle/>
-          <a:p>
-            <a:pPr algn="ctr"/>
-            <a:r>
-              <a:rPr lang="en-US" sz="3000" dirty="0"/>
-              <a:t>X</a:t>
-            </a:r>
-          </a:p>
-        </p:txBody>
-      </p:sp>
-      <p:sp>
-        <p:nvSpPr>
-          <p:cNvPr id="49" name="Rectangle: Rounded Corners 48">
-            <a:extLst>
-              <a:ext uri="{FF2B5EF4-FFF2-40B4-BE49-F238E27FC236}">
-                <a16:creationId xmlns:a16="http://schemas.microsoft.com/office/drawing/2014/main" id="{B6AF7203-1D7D-40C8-81A2-B83680333817}"/>
-              </a:ext>
-            </a:extLst>
-          </p:cNvPr>
-          <p:cNvSpPr/>
-          <p:nvPr/>
-        </p:nvSpPr>
-        <p:spPr>
-          <a:xfrm>
-            <a:off x="3866606" y="1484808"/>
-            <a:ext cx="1341120" cy="931817"/>
-          </a:xfrm>
-          <a:prstGeom prst="roundRect">
-            <a:avLst/>
-          </a:prstGeom>
-          <a:solidFill>
-            <a:srgbClr val="FF0000"/>
-          </a:solidFill>
-        </p:spPr>
-        <p:style>
-          <a:lnRef idx="2">
-            <a:schemeClr val="accent1">
-              <a:shade val="50000"/>
-            </a:schemeClr>
-          </a:lnRef>
-          <a:fillRef idx="1">
-            <a:schemeClr val="accent1"/>
-          </a:fillRef>
-          <a:effectRef idx="0">
-            <a:schemeClr val="accent1"/>
-          </a:effectRef>
-          <a:fontRef idx="minor">
-            <a:schemeClr val="lt1"/>
-          </a:fontRef>
-        </p:style>
-        <p:txBody>
-          <a:bodyPr rtlCol="0" anchor="ctr"/>
-          <a:lstStyle/>
-          <a:p>
-            <a:pPr algn="ctr"/>
-            <a:r>
-              <a:rPr lang="en-US" sz="3000" dirty="0"/>
-              <a:t>X</a:t>
-            </a:r>
-          </a:p>
-        </p:txBody>
-      </p:sp>
-      <p:sp>
-        <p:nvSpPr>
-          <p:cNvPr id="50" name="Rectangle: Rounded Corners 49">
-            <a:extLst>
-              <a:ext uri="{FF2B5EF4-FFF2-40B4-BE49-F238E27FC236}">
-                <a16:creationId xmlns:a16="http://schemas.microsoft.com/office/drawing/2014/main" id="{6801328F-A3BD-43C1-8530-CD719D5025EA}"/>
-              </a:ext>
-            </a:extLst>
-          </p:cNvPr>
-          <p:cNvSpPr/>
-          <p:nvPr/>
-        </p:nvSpPr>
-        <p:spPr>
-          <a:xfrm>
-            <a:off x="278674" y="4741817"/>
-            <a:ext cx="3413760" cy="931817"/>
-          </a:xfrm>
-          <a:prstGeom prst="roundRect">
-            <a:avLst/>
-          </a:prstGeom>
-          <a:solidFill>
-            <a:srgbClr val="FF0000"/>
-          </a:solidFill>
-        </p:spPr>
-        <p:style>
-          <a:lnRef idx="2">
-            <a:schemeClr val="accent1">
-              <a:shade val="50000"/>
-            </a:schemeClr>
-          </a:lnRef>
-          <a:fillRef idx="1">
-            <a:schemeClr val="accent1"/>
-          </a:fillRef>
-          <a:effectRef idx="0">
-            <a:schemeClr val="accent1"/>
-          </a:effectRef>
-          <a:fontRef idx="minor">
-            <a:schemeClr val="lt1"/>
-          </a:fontRef>
-        </p:style>
-        <p:txBody>
-          <a:bodyPr rtlCol="0" anchor="ctr"/>
-          <a:lstStyle/>
-          <a:p>
-            <a:pPr algn="ctr"/>
-            <a:r>
-              <a:rPr lang="en-US" sz="3000" dirty="0"/>
-              <a:t>X</a:t>
-            </a:r>
-          </a:p>
-        </p:txBody>
-      </p:sp>
-      <p:sp>
-        <p:nvSpPr>
-          <p:cNvPr id="51" name="Rectangle: Rounded Corners 50">
-            <a:extLst>
-              <a:ext uri="{FF2B5EF4-FFF2-40B4-BE49-F238E27FC236}">
-                <a16:creationId xmlns:a16="http://schemas.microsoft.com/office/drawing/2014/main" id="{55832E20-7BE1-4C3C-8E74-0FD0BA9A3A0F}"/>
-              </a:ext>
-            </a:extLst>
-          </p:cNvPr>
-          <p:cNvSpPr/>
-          <p:nvPr/>
-        </p:nvSpPr>
-        <p:spPr>
-          <a:xfrm>
-            <a:off x="3866606" y="4741817"/>
-            <a:ext cx="1341120" cy="931817"/>
-          </a:xfrm>
-          <a:prstGeom prst="roundRect">
-            <a:avLst/>
-          </a:prstGeom>
-          <a:solidFill>
-            <a:srgbClr val="FF0000"/>
-          </a:solidFill>
-        </p:spPr>
-        <p:style>
-          <a:lnRef idx="2">
-            <a:schemeClr val="accent1">
-              <a:shade val="50000"/>
-            </a:schemeClr>
-          </a:lnRef>
-          <a:fillRef idx="1">
-            <a:schemeClr val="accent1"/>
-          </a:fillRef>
-          <a:effectRef idx="0">
-            <a:schemeClr val="accent1"/>
-          </a:effectRef>
-          <a:fontRef idx="minor">
-            <a:schemeClr val="lt1"/>
-          </a:fontRef>
-        </p:style>
-        <p:txBody>
-          <a:bodyPr rtlCol="0" anchor="ctr"/>
-          <a:lstStyle/>
-          <a:p>
-            <a:pPr algn="ctr"/>
-            <a:r>
-              <a:rPr lang="en-US" sz="3000" dirty="0"/>
-              <a:t>X</a:t>
-            </a:r>
-          </a:p>
-        </p:txBody>
-      </p:sp>
-      <p:sp>
-        <p:nvSpPr>
-          <p:cNvPr id="52" name="Multiplication Sign 51">
-            <a:extLst>
-              <a:ext uri="{FF2B5EF4-FFF2-40B4-BE49-F238E27FC236}">
-                <a16:creationId xmlns:a16="http://schemas.microsoft.com/office/drawing/2014/main" id="{60B50A50-5FAA-45C2-875C-20AF736F7C85}"/>
-              </a:ext>
-            </a:extLst>
-          </p:cNvPr>
-          <p:cNvSpPr/>
-          <p:nvPr/>
-        </p:nvSpPr>
-        <p:spPr>
-          <a:xfrm>
-            <a:off x="1018539" y="4247183"/>
-            <a:ext cx="1915886" cy="1921078"/>
-          </a:xfrm>
-          <a:prstGeom prst="mathMultiply">
-            <a:avLst/>
-          </a:prstGeom>
-          <a:solidFill>
+      <p:pic>
+        <p:nvPicPr>
+          <p:cNvPr id="6" name="Graphic 5" descr="Male">
+            <a:extLst>
+              <a:ext uri="{FF2B5EF4-FFF2-40B4-BE49-F238E27FC236}">
+                <a16:creationId xmlns:a16="http://schemas.microsoft.com/office/drawing/2014/main" id="{89ED4115-D2BA-4EE2-9F77-721106C4E057}"/>
+              </a:ext>
+            </a:extLst>
+          </p:cNvPr>
+          <p:cNvPicPr>
+            <a:picLocks noChangeAspect="1"/>
+          </p:cNvPicPr>
+          <p:nvPr/>
+        </p:nvPicPr>
+        <p:blipFill>
+          <a:blip r:embed="rId2">
+            <a:extLst>
+              <a:ext uri="{28A0092B-C50C-407E-A947-70E740481C1C}">
+                <a14:useLocalDpi xmlns:a14="http://schemas.microsoft.com/office/drawing/2010/main" val="0"/>
+              </a:ext>
+              <a:ext uri="{96DAC541-7B7A-43D3-8B79-37D633B846F1}">
+                <asvg:svgBlip xmlns:asvg="http://schemas.microsoft.com/office/drawing/2016/SVG/main" r:embed="rId3"/>
+              </a:ext>
+            </a:extLst>
+          </a:blip>
+          <a:stretch>
+            <a:fillRect/>
+          </a:stretch>
+        </p:blipFill>
+        <p:spPr>
+          <a:xfrm>
+            <a:off x="11115259" y="0"/>
+            <a:ext cx="1082180" cy="1082180"/>
+          </a:xfrm>
+          <a:prstGeom prst="rect">
+            <a:avLst/>
+          </a:prstGeom>
+        </p:spPr>
+      </p:pic>
+      <p:cxnSp>
+        <p:nvCxnSpPr>
+          <p:cNvPr id="16" name="Straight Connector 15">
+            <a:extLst>
+              <a:ext uri="{FF2B5EF4-FFF2-40B4-BE49-F238E27FC236}">
+                <a16:creationId xmlns:a16="http://schemas.microsoft.com/office/drawing/2014/main" id="{26C5599A-21B7-4506-912B-D2D65DCCAE7F}"/>
+              </a:ext>
+            </a:extLst>
+          </p:cNvPr>
+          <p:cNvCxnSpPr/>
+          <p:nvPr/>
+        </p:nvCxnSpPr>
+        <p:spPr>
+          <a:xfrm>
+            <a:off x="-8709" y="3010566"/>
+            <a:ext cx="12200709" cy="0"/>
+          </a:xfrm>
+          <a:prstGeom prst="line">
+            <a:avLst/>
+          </a:prstGeom>
+          <a:ln w="12700">
+            <a:prstDash val="lgDash"/>
+          </a:ln>
+        </p:spPr>
+        <p:style>
+          <a:lnRef idx="1">
+            <a:schemeClr val="dk1"/>
+          </a:lnRef>
+          <a:fillRef idx="0">
+            <a:schemeClr val="dk1"/>
+          </a:fillRef>
+          <a:effectRef idx="0">
+            <a:schemeClr val="dk1"/>
+          </a:effectRef>
+          <a:fontRef idx="minor">
             <a:schemeClr val="tx1"/>
-          </a:solidFill>
-          <a:ln>
-            <a:noFill/>
-          </a:ln>
-        </p:spPr>
-        <p:style>
-          <a:lnRef idx="2">
-            <a:schemeClr val="accent1">
-              <a:shade val="50000"/>
-            </a:schemeClr>
-          </a:lnRef>
-          <a:fillRef idx="1">
-            <a:schemeClr val="accent1"/>
-          </a:fillRef>
-          <a:effectRef idx="0">
-            <a:schemeClr val="accent1"/>
-          </a:effectRef>
-          <a:fontRef idx="minor">
-            <a:schemeClr val="lt1"/>
-          </a:fontRef>
-        </p:style>
-        <p:txBody>
-          <a:bodyPr rtlCol="0" anchor="ctr"/>
-          <a:lstStyle/>
-          <a:p>
-            <a:pPr algn="ctr"/>
-            <a:endParaRPr lang="en-US" dirty="0"/>
+          </a:fontRef>
+        </p:style>
+      </p:cxnSp>
+      <p:sp>
+        <p:nvSpPr>
+          <p:cNvPr id="48" name="TextBox 47">
+            <a:extLst>
+              <a:ext uri="{FF2B5EF4-FFF2-40B4-BE49-F238E27FC236}">
+                <a16:creationId xmlns:a16="http://schemas.microsoft.com/office/drawing/2014/main" id="{7CB9C1A8-0C70-438E-BA83-C157136DD8AC}"/>
+              </a:ext>
+            </a:extLst>
+          </p:cNvPr>
+          <p:cNvSpPr txBox="1"/>
+          <p:nvPr/>
+        </p:nvSpPr>
+        <p:spPr>
+          <a:xfrm>
+            <a:off x="-104480" y="-144224"/>
+            <a:ext cx="487634" cy="784830"/>
+          </a:xfrm>
+          <a:prstGeom prst="rect">
+            <a:avLst/>
+          </a:prstGeom>
+          <a:noFill/>
+        </p:spPr>
+        <p:txBody>
+          <a:bodyPr wrap="none" rtlCol="0">
+            <a:spAutoFit/>
+          </a:bodyPr>
+          <a:lstStyle/>
+          <a:p>
+            <a:r>
+              <a:rPr lang="en-US" sz="4500" dirty="0"/>
+              <a:t>d</a:t>
+            </a:r>
           </a:p>
         </p:txBody>
       </p:sp>
     </p:spTree>
     <p:extLst>
       <p:ext uri="{BB962C8B-B14F-4D97-AF65-F5344CB8AC3E}">
-        <p14:creationId xmlns:p14="http://schemas.microsoft.com/office/powerpoint/2010/main" val="952412554"/>
+        <p14:creationId xmlns:p14="http://schemas.microsoft.com/office/powerpoint/2010/main" val="2577575797"/>
       </p:ext>
     </p:extLst>
   </p:cSld>
@@ -11472,6 +11777,162 @@
       </p:sp>
       <p:sp>
         <p:nvSpPr>
+          <p:cNvPr id="7" name="Rectangle: Rounded Corners 6">
+            <a:extLst>
+              <a:ext uri="{FF2B5EF4-FFF2-40B4-BE49-F238E27FC236}">
+                <a16:creationId xmlns:a16="http://schemas.microsoft.com/office/drawing/2014/main" id="{7993898E-D6D9-4599-8364-EBDDCD1AEEFD}"/>
+              </a:ext>
+            </a:extLst>
+          </p:cNvPr>
+          <p:cNvSpPr/>
+          <p:nvPr/>
+        </p:nvSpPr>
+        <p:spPr>
+          <a:xfrm>
+            <a:off x="278674" y="1484812"/>
+            <a:ext cx="1341120" cy="931817"/>
+          </a:xfrm>
+          <a:prstGeom prst="roundRect">
+            <a:avLst/>
+          </a:prstGeom>
+          <a:solidFill>
+            <a:schemeClr val="accent1"/>
+          </a:solidFill>
+        </p:spPr>
+        <p:style>
+          <a:lnRef idx="2">
+            <a:schemeClr val="accent1">
+              <a:shade val="50000"/>
+            </a:schemeClr>
+          </a:lnRef>
+          <a:fillRef idx="1">
+            <a:schemeClr val="accent1"/>
+          </a:fillRef>
+          <a:effectRef idx="0">
+            <a:schemeClr val="accent1"/>
+          </a:effectRef>
+          <a:fontRef idx="minor">
+            <a:schemeClr val="lt1"/>
+          </a:fontRef>
+        </p:style>
+        <p:txBody>
+          <a:bodyPr rtlCol="0" anchor="ctr"/>
+          <a:lstStyle/>
+          <a:p>
+            <a:pPr algn="ctr"/>
+            <a:r>
+              <a:rPr lang="en-US" sz="3000" dirty="0"/>
+              <a:t>Y</a:t>
+            </a:r>
+          </a:p>
+        </p:txBody>
+      </p:sp>
+      <p:sp>
+        <p:nvSpPr>
+          <p:cNvPr id="8" name="Rectangle: Rounded Corners 7">
+            <a:extLst>
+              <a:ext uri="{FF2B5EF4-FFF2-40B4-BE49-F238E27FC236}">
+                <a16:creationId xmlns:a16="http://schemas.microsoft.com/office/drawing/2014/main" id="{F093FEC2-C259-4126-9108-254ECF183C2F}"/>
+              </a:ext>
+            </a:extLst>
+          </p:cNvPr>
+          <p:cNvSpPr/>
+          <p:nvPr/>
+        </p:nvSpPr>
+        <p:spPr>
+          <a:xfrm>
+            <a:off x="2351314" y="1484812"/>
+            <a:ext cx="1341120" cy="931817"/>
+          </a:xfrm>
+          <a:prstGeom prst="roundRect">
+            <a:avLst/>
+          </a:prstGeom>
+          <a:solidFill>
+            <a:schemeClr val="accent1"/>
+          </a:solidFill>
+        </p:spPr>
+        <p:style>
+          <a:lnRef idx="2">
+            <a:schemeClr val="accent1">
+              <a:shade val="50000"/>
+            </a:schemeClr>
+          </a:lnRef>
+          <a:fillRef idx="1">
+            <a:schemeClr val="accent1"/>
+          </a:fillRef>
+          <a:effectRef idx="0">
+            <a:schemeClr val="accent1"/>
+          </a:effectRef>
+          <a:fontRef idx="minor">
+            <a:schemeClr val="lt1"/>
+          </a:fontRef>
+        </p:style>
+        <p:txBody>
+          <a:bodyPr rtlCol="0" anchor="ctr"/>
+          <a:lstStyle/>
+          <a:p>
+            <a:pPr algn="ctr"/>
+            <a:r>
+              <a:rPr lang="en-US" sz="3000" dirty="0"/>
+              <a:t>Y</a:t>
+            </a:r>
+          </a:p>
+        </p:txBody>
+      </p:sp>
+      <p:sp>
+        <p:nvSpPr>
+          <p:cNvPr id="9" name="Rectangle: Rounded Corners 8">
+            <a:extLst>
+              <a:ext uri="{FF2B5EF4-FFF2-40B4-BE49-F238E27FC236}">
+                <a16:creationId xmlns:a16="http://schemas.microsoft.com/office/drawing/2014/main" id="{8B249B5F-155C-4C87-8156-4C6069495799}"/>
+              </a:ext>
+            </a:extLst>
+          </p:cNvPr>
+          <p:cNvSpPr/>
+          <p:nvPr/>
+        </p:nvSpPr>
+        <p:spPr>
+          <a:xfrm>
+            <a:off x="3866606" y="1484812"/>
+            <a:ext cx="1341120" cy="931817"/>
+          </a:xfrm>
+          <a:prstGeom prst="roundRect">
+            <a:avLst/>
+          </a:prstGeom>
+          <a:solidFill>
+            <a:schemeClr val="accent1"/>
+          </a:solidFill>
+        </p:spPr>
+        <p:style>
+          <a:lnRef idx="2">
+            <a:schemeClr val="accent1">
+              <a:shade val="50000"/>
+            </a:schemeClr>
+          </a:lnRef>
+          <a:fillRef idx="1">
+            <a:schemeClr val="accent1"/>
+          </a:fillRef>
+          <a:effectRef idx="0">
+            <a:schemeClr val="accent1"/>
+          </a:effectRef>
+          <a:fontRef idx="minor">
+            <a:schemeClr val="lt1"/>
+          </a:fontRef>
+        </p:style>
+        <p:txBody>
+          <a:bodyPr rtlCol="0" anchor="ctr"/>
+          <a:lstStyle/>
+          <a:p>
+            <a:pPr algn="ctr"/>
+            <a:r>
+              <a:rPr lang="en-US" sz="3000" dirty="0"/>
+              <a:t>Y</a:t>
+            </a:r>
+          </a:p>
+        </p:txBody>
+      </p:sp>
+      <p:sp>
+        <p:nvSpPr>
           <p:cNvPr id="10" name="Arrow: Up-Down 9">
             <a:extLst>
               <a:ext uri="{FF2B5EF4-FFF2-40B4-BE49-F238E27FC236}">
@@ -12050,6 +12511,162 @@
       </p:sp>
       <p:sp>
         <p:nvSpPr>
+          <p:cNvPr id="24" name="Rectangle: Rounded Corners 23">
+            <a:extLst>
+              <a:ext uri="{FF2B5EF4-FFF2-40B4-BE49-F238E27FC236}">
+                <a16:creationId xmlns:a16="http://schemas.microsoft.com/office/drawing/2014/main" id="{27842599-C982-460C-A2F1-6AF4D9156F6E}"/>
+              </a:ext>
+            </a:extLst>
+          </p:cNvPr>
+          <p:cNvSpPr/>
+          <p:nvPr/>
+        </p:nvSpPr>
+        <p:spPr>
+          <a:xfrm>
+            <a:off x="278674" y="4741818"/>
+            <a:ext cx="1341120" cy="931817"/>
+          </a:xfrm>
+          <a:prstGeom prst="roundRect">
+            <a:avLst/>
+          </a:prstGeom>
+          <a:solidFill>
+            <a:schemeClr val="accent1"/>
+          </a:solidFill>
+        </p:spPr>
+        <p:style>
+          <a:lnRef idx="2">
+            <a:schemeClr val="accent1">
+              <a:shade val="50000"/>
+            </a:schemeClr>
+          </a:lnRef>
+          <a:fillRef idx="1">
+            <a:schemeClr val="accent1"/>
+          </a:fillRef>
+          <a:effectRef idx="0">
+            <a:schemeClr val="accent1"/>
+          </a:effectRef>
+          <a:fontRef idx="minor">
+            <a:schemeClr val="lt1"/>
+          </a:fontRef>
+        </p:style>
+        <p:txBody>
+          <a:bodyPr rtlCol="0" anchor="ctr"/>
+          <a:lstStyle/>
+          <a:p>
+            <a:pPr algn="ctr"/>
+            <a:r>
+              <a:rPr lang="en-US" sz="3000" dirty="0"/>
+              <a:t>Y</a:t>
+            </a:r>
+          </a:p>
+        </p:txBody>
+      </p:sp>
+      <p:sp>
+        <p:nvSpPr>
+          <p:cNvPr id="25" name="Rectangle: Rounded Corners 24">
+            <a:extLst>
+              <a:ext uri="{FF2B5EF4-FFF2-40B4-BE49-F238E27FC236}">
+                <a16:creationId xmlns:a16="http://schemas.microsoft.com/office/drawing/2014/main" id="{F1A715FE-0A78-42C3-B347-A28DF70DEF15}"/>
+              </a:ext>
+            </a:extLst>
+          </p:cNvPr>
+          <p:cNvSpPr/>
+          <p:nvPr/>
+        </p:nvSpPr>
+        <p:spPr>
+          <a:xfrm>
+            <a:off x="2351314" y="4741818"/>
+            <a:ext cx="1341120" cy="931817"/>
+          </a:xfrm>
+          <a:prstGeom prst="roundRect">
+            <a:avLst/>
+          </a:prstGeom>
+          <a:solidFill>
+            <a:schemeClr val="accent1"/>
+          </a:solidFill>
+        </p:spPr>
+        <p:style>
+          <a:lnRef idx="2">
+            <a:schemeClr val="accent1">
+              <a:shade val="50000"/>
+            </a:schemeClr>
+          </a:lnRef>
+          <a:fillRef idx="1">
+            <a:schemeClr val="accent1"/>
+          </a:fillRef>
+          <a:effectRef idx="0">
+            <a:schemeClr val="accent1"/>
+          </a:effectRef>
+          <a:fontRef idx="minor">
+            <a:schemeClr val="lt1"/>
+          </a:fontRef>
+        </p:style>
+        <p:txBody>
+          <a:bodyPr rtlCol="0" anchor="ctr"/>
+          <a:lstStyle/>
+          <a:p>
+            <a:pPr algn="ctr"/>
+            <a:r>
+              <a:rPr lang="en-US" sz="3000" dirty="0"/>
+              <a:t>Y</a:t>
+            </a:r>
+          </a:p>
+        </p:txBody>
+      </p:sp>
+      <p:sp>
+        <p:nvSpPr>
+          <p:cNvPr id="26" name="Rectangle: Rounded Corners 25">
+            <a:extLst>
+              <a:ext uri="{FF2B5EF4-FFF2-40B4-BE49-F238E27FC236}">
+                <a16:creationId xmlns:a16="http://schemas.microsoft.com/office/drawing/2014/main" id="{DD801DD6-17B0-4B26-B8A1-A397056DEA70}"/>
+              </a:ext>
+            </a:extLst>
+          </p:cNvPr>
+          <p:cNvSpPr/>
+          <p:nvPr/>
+        </p:nvSpPr>
+        <p:spPr>
+          <a:xfrm>
+            <a:off x="3866606" y="4741818"/>
+            <a:ext cx="1341120" cy="931817"/>
+          </a:xfrm>
+          <a:prstGeom prst="roundRect">
+            <a:avLst/>
+          </a:prstGeom>
+          <a:solidFill>
+            <a:schemeClr val="accent1"/>
+          </a:solidFill>
+        </p:spPr>
+        <p:style>
+          <a:lnRef idx="2">
+            <a:schemeClr val="accent1">
+              <a:shade val="50000"/>
+            </a:schemeClr>
+          </a:lnRef>
+          <a:fillRef idx="1">
+            <a:schemeClr val="accent1"/>
+          </a:fillRef>
+          <a:effectRef idx="0">
+            <a:schemeClr val="accent1"/>
+          </a:effectRef>
+          <a:fontRef idx="minor">
+            <a:schemeClr val="lt1"/>
+          </a:fontRef>
+        </p:style>
+        <p:txBody>
+          <a:bodyPr rtlCol="0" anchor="ctr"/>
+          <a:lstStyle/>
+          <a:p>
+            <a:pPr algn="ctr"/>
+            <a:r>
+              <a:rPr lang="en-US" sz="3000" dirty="0"/>
+              <a:t>Y</a:t>
+            </a:r>
+          </a:p>
+        </p:txBody>
+      </p:sp>
+      <p:sp>
+        <p:nvSpPr>
           <p:cNvPr id="27" name="Arrow: Up-Down 26">
             <a:extLst>
               <a:ext uri="{FF2B5EF4-FFF2-40B4-BE49-F238E27FC236}">
@@ -12536,7 +13153,7 @@
         </p:nvSpPr>
         <p:spPr>
           <a:xfrm>
-            <a:off x="8763301" y="3010566"/>
+            <a:off x="1045029" y="3010566"/>
             <a:ext cx="1915886" cy="1921078"/>
           </a:xfrm>
           <a:prstGeom prst="mathMultiply">
@@ -12570,7 +13187,111 @@
           <a:lstStyle/>
           <a:p>
             <a:pPr algn="ctr"/>
-            <a:endParaRPr lang="en-US" dirty="0"/>
+            <a:endParaRPr lang="en-US"/>
+          </a:p>
+        </p:txBody>
+      </p:sp>
+      <p:sp>
+        <p:nvSpPr>
+          <p:cNvPr id="37" name="Multiplication Sign 36">
+            <a:extLst>
+              <a:ext uri="{FF2B5EF4-FFF2-40B4-BE49-F238E27FC236}">
+                <a16:creationId xmlns:a16="http://schemas.microsoft.com/office/drawing/2014/main" id="{13A1C9E6-60BC-4551-B9DB-8FE9CE9A4CCF}"/>
+              </a:ext>
+            </a:extLst>
+          </p:cNvPr>
+          <p:cNvSpPr/>
+          <p:nvPr/>
+        </p:nvSpPr>
+        <p:spPr>
+          <a:xfrm>
+            <a:off x="-8709" y="4247183"/>
+            <a:ext cx="1915886" cy="1921078"/>
+          </a:xfrm>
+          <a:prstGeom prst="mathMultiply">
+            <a:avLst/>
+          </a:prstGeom>
+          <a:solidFill>
+            <a:schemeClr val="tx1"/>
+          </a:solidFill>
+          <a:ln>
+            <a:noFill/>
+          </a:ln>
+        </p:spPr>
+        <p:style>
+          <a:lnRef idx="2">
+            <a:schemeClr val="accent1">
+              <a:shade val="50000"/>
+            </a:schemeClr>
+          </a:lnRef>
+          <a:fillRef idx="1">
+            <a:schemeClr val="accent1"/>
+          </a:fillRef>
+          <a:effectRef idx="0">
+            <a:schemeClr val="accent1"/>
+          </a:effectRef>
+          <a:fontRef idx="minor">
+            <a:schemeClr val="lt1"/>
+          </a:fontRef>
+        </p:style>
+        <p:txBody>
+          <a:bodyPr rtlCol="0" anchor="ctr"/>
+          <a:lstStyle/>
+          <a:p>
+            <a:pPr algn="ctr"/>
+            <a:endParaRPr lang="en-US"/>
+          </a:p>
+        </p:txBody>
+      </p:sp>
+      <p:sp>
+        <p:nvSpPr>
+          <p:cNvPr id="38" name="Multiplication Sign 37">
+            <a:extLst>
+              <a:ext uri="{FF2B5EF4-FFF2-40B4-BE49-F238E27FC236}">
+                <a16:creationId xmlns:a16="http://schemas.microsoft.com/office/drawing/2014/main" id="{7A6BE7E3-6EE7-402A-AE59-FAF5B5ADEF7C}"/>
+              </a:ext>
+            </a:extLst>
+          </p:cNvPr>
+          <p:cNvSpPr/>
+          <p:nvPr/>
+        </p:nvSpPr>
+        <p:spPr>
+          <a:xfrm>
+            <a:off x="3577547" y="3010566"/>
+            <a:ext cx="1915886" cy="1921078"/>
+          </a:xfrm>
+          <a:prstGeom prst="mathMultiply">
+            <a:avLst/>
+          </a:prstGeom>
+          <a:solidFill>
+            <a:schemeClr val="tx1"/>
+          </a:solidFill>
+          <a:ln>
+            <a:noFill/>
+          </a:ln>
+        </p:spPr>
+        <p:style>
+          <a:lnRef idx="2">
+            <a:schemeClr val="accent1">
+              <a:shade val="50000"/>
+            </a:schemeClr>
+          </a:lnRef>
+          <a:fillRef idx="1">
+            <a:schemeClr val="accent1"/>
+          </a:fillRef>
+          <a:effectRef idx="0">
+            <a:schemeClr val="accent1"/>
+          </a:effectRef>
+          <a:fontRef idx="minor">
+            <a:schemeClr val="lt1"/>
+          </a:fontRef>
+        </p:style>
+        <p:txBody>
+          <a:bodyPr rtlCol="0" anchor="ctr"/>
+          <a:lstStyle/>
+          <a:p>
+            <a:pPr algn="ctr"/>
+            <a:endParaRPr lang="en-US"/>
           </a:p>
         </p:txBody>
       </p:sp>
@@ -12589,7 +13310,7 @@
         <p:spPr>
           <a:xfrm>
             <a:off x="10537371" y="942174"/>
-            <a:ext cx="1165704" cy="784830"/>
+            <a:ext cx="1112805" cy="784830"/>
           </a:xfrm>
           <a:prstGeom prst="rect">
             <a:avLst/>
@@ -12604,7 +13325,7 @@
           <a:p>
             <a:r>
               <a:rPr lang="en-US" sz="4500" dirty="0"/>
-              <a:t>P(A)</a:t>
+              <a:t>P(Y)</a:t>
             </a:r>
           </a:p>
         </p:txBody>
@@ -12624,7 +13345,7 @@
         <p:spPr>
           <a:xfrm>
             <a:off x="10537370" y="4199180"/>
-            <a:ext cx="1765227" cy="784830"/>
+            <a:ext cx="1659429" cy="784830"/>
           </a:xfrm>
           <a:prstGeom prst="rect">
             <a:avLst/>
@@ -12638,18 +13359,9 @@
           <a:lstStyle/>
           <a:p>
             <a:r>
-              <a:rPr lang="en-US" sz="4500"/>
-              <a:t>P(A|</a:t>
-            </a:r>
-            <a:r>
               <a:rPr lang="en-US" sz="4500" dirty="0"/>
-              <a:t>A</a:t>
-            </a:r>
-            <a:r>
-              <a:rPr lang="en-US" sz="4500"/>
-              <a:t>)</a:t>
-            </a:r>
-            <a:endParaRPr lang="en-US" sz="4500" dirty="0"/>
+              <a:t>P(Y|Y)</a:t>
+            </a:r>
           </a:p>
         </p:txBody>
       </p:sp>
@@ -12977,270 +13689,123 @@
           </a:p>
         </p:txBody>
       </p:sp>
-      <p:sp>
-        <p:nvSpPr>
-          <p:cNvPr id="48" name="Rectangle: Rounded Corners 47">
-            <a:extLst>
-              <a:ext uri="{FF2B5EF4-FFF2-40B4-BE49-F238E27FC236}">
-                <a16:creationId xmlns:a16="http://schemas.microsoft.com/office/drawing/2014/main" id="{119DD6E7-036C-4FB6-911E-8B068011C83E}"/>
-              </a:ext>
-            </a:extLst>
-          </p:cNvPr>
-          <p:cNvSpPr/>
-          <p:nvPr/>
-        </p:nvSpPr>
-        <p:spPr>
-          <a:xfrm>
-            <a:off x="278674" y="1484808"/>
-            <a:ext cx="3413760" cy="931817"/>
-          </a:xfrm>
-          <a:prstGeom prst="roundRect">
-            <a:avLst/>
-          </a:prstGeom>
-          <a:solidFill>
-            <a:srgbClr val="FF0000"/>
-          </a:solidFill>
-        </p:spPr>
-        <p:style>
-          <a:lnRef idx="2">
-            <a:schemeClr val="accent1">
-              <a:shade val="50000"/>
-            </a:schemeClr>
-          </a:lnRef>
-          <a:fillRef idx="1">
-            <a:schemeClr val="accent1"/>
-          </a:fillRef>
-          <a:effectRef idx="0">
-            <a:schemeClr val="accent1"/>
-          </a:effectRef>
-          <a:fontRef idx="minor">
-            <a:schemeClr val="lt1"/>
-          </a:fontRef>
-        </p:style>
-        <p:txBody>
-          <a:bodyPr rtlCol="0" anchor="ctr"/>
-          <a:lstStyle/>
-          <a:p>
-            <a:pPr algn="ctr"/>
-            <a:r>
-              <a:rPr lang="en-US" sz="3000" dirty="0"/>
-              <a:t>X</a:t>
-            </a:r>
-          </a:p>
-        </p:txBody>
-      </p:sp>
-      <p:sp>
-        <p:nvSpPr>
-          <p:cNvPr id="49" name="Rectangle: Rounded Corners 48">
-            <a:extLst>
-              <a:ext uri="{FF2B5EF4-FFF2-40B4-BE49-F238E27FC236}">
-                <a16:creationId xmlns:a16="http://schemas.microsoft.com/office/drawing/2014/main" id="{B6AF7203-1D7D-40C8-81A2-B83680333817}"/>
-              </a:ext>
-            </a:extLst>
-          </p:cNvPr>
-          <p:cNvSpPr/>
-          <p:nvPr/>
-        </p:nvSpPr>
-        <p:spPr>
-          <a:xfrm>
-            <a:off x="3866606" y="1484808"/>
-            <a:ext cx="1341120" cy="931817"/>
-          </a:xfrm>
-          <a:prstGeom prst="roundRect">
-            <a:avLst/>
-          </a:prstGeom>
-          <a:solidFill>
-            <a:srgbClr val="FF0000"/>
-          </a:solidFill>
-        </p:spPr>
-        <p:style>
-          <a:lnRef idx="2">
-            <a:schemeClr val="accent1">
-              <a:shade val="50000"/>
-            </a:schemeClr>
-          </a:lnRef>
-          <a:fillRef idx="1">
-            <a:schemeClr val="accent1"/>
-          </a:fillRef>
-          <a:effectRef idx="0">
-            <a:schemeClr val="accent1"/>
-          </a:effectRef>
-          <a:fontRef idx="minor">
-            <a:schemeClr val="lt1"/>
-          </a:fontRef>
-        </p:style>
-        <p:txBody>
-          <a:bodyPr rtlCol="0" anchor="ctr"/>
-          <a:lstStyle/>
-          <a:p>
-            <a:pPr algn="ctr"/>
-            <a:r>
-              <a:rPr lang="en-US" sz="3000" dirty="0"/>
-              <a:t>X</a:t>
-            </a:r>
-          </a:p>
-        </p:txBody>
-      </p:sp>
-      <p:sp>
-        <p:nvSpPr>
-          <p:cNvPr id="50" name="Rectangle: Rounded Corners 49">
-            <a:extLst>
-              <a:ext uri="{FF2B5EF4-FFF2-40B4-BE49-F238E27FC236}">
-                <a16:creationId xmlns:a16="http://schemas.microsoft.com/office/drawing/2014/main" id="{6801328F-A3BD-43C1-8530-CD719D5025EA}"/>
-              </a:ext>
-            </a:extLst>
-          </p:cNvPr>
-          <p:cNvSpPr/>
-          <p:nvPr/>
-        </p:nvSpPr>
-        <p:spPr>
-          <a:xfrm>
-            <a:off x="278674" y="4741817"/>
-            <a:ext cx="3413760" cy="931817"/>
-          </a:xfrm>
-          <a:prstGeom prst="roundRect">
-            <a:avLst/>
-          </a:prstGeom>
-          <a:solidFill>
-            <a:srgbClr val="FF0000"/>
-          </a:solidFill>
-        </p:spPr>
-        <p:style>
-          <a:lnRef idx="2">
-            <a:schemeClr val="accent1">
-              <a:shade val="50000"/>
-            </a:schemeClr>
-          </a:lnRef>
-          <a:fillRef idx="1">
-            <a:schemeClr val="accent1"/>
-          </a:fillRef>
-          <a:effectRef idx="0">
-            <a:schemeClr val="accent1"/>
-          </a:effectRef>
-          <a:fontRef idx="minor">
-            <a:schemeClr val="lt1"/>
-          </a:fontRef>
-        </p:style>
-        <p:txBody>
-          <a:bodyPr rtlCol="0" anchor="ctr"/>
-          <a:lstStyle/>
-          <a:p>
-            <a:pPr algn="ctr"/>
-            <a:r>
-              <a:rPr lang="en-US" sz="3000" dirty="0"/>
-              <a:t>X</a:t>
-            </a:r>
-          </a:p>
-        </p:txBody>
-      </p:sp>
-      <p:sp>
-        <p:nvSpPr>
-          <p:cNvPr id="51" name="Rectangle: Rounded Corners 50">
-            <a:extLst>
-              <a:ext uri="{FF2B5EF4-FFF2-40B4-BE49-F238E27FC236}">
-                <a16:creationId xmlns:a16="http://schemas.microsoft.com/office/drawing/2014/main" id="{55832E20-7BE1-4C3C-8E74-0FD0BA9A3A0F}"/>
-              </a:ext>
-            </a:extLst>
-          </p:cNvPr>
-          <p:cNvSpPr/>
-          <p:nvPr/>
-        </p:nvSpPr>
-        <p:spPr>
-          <a:xfrm>
-            <a:off x="3866606" y="4741817"/>
-            <a:ext cx="1341120" cy="931817"/>
-          </a:xfrm>
-          <a:prstGeom prst="roundRect">
-            <a:avLst/>
-          </a:prstGeom>
-          <a:solidFill>
-            <a:srgbClr val="FF0000"/>
-          </a:solidFill>
-        </p:spPr>
-        <p:style>
-          <a:lnRef idx="2">
-            <a:schemeClr val="accent1">
-              <a:shade val="50000"/>
-            </a:schemeClr>
-          </a:lnRef>
-          <a:fillRef idx="1">
-            <a:schemeClr val="accent1"/>
-          </a:fillRef>
-          <a:effectRef idx="0">
-            <a:schemeClr val="accent1"/>
-          </a:effectRef>
-          <a:fontRef idx="minor">
-            <a:schemeClr val="lt1"/>
-          </a:fontRef>
-        </p:style>
-        <p:txBody>
-          <a:bodyPr rtlCol="0" anchor="ctr"/>
-          <a:lstStyle/>
-          <a:p>
-            <a:pPr algn="ctr"/>
-            <a:r>
-              <a:rPr lang="en-US" sz="3000" dirty="0"/>
-              <a:t>X</a:t>
-            </a:r>
-          </a:p>
-        </p:txBody>
-      </p:sp>
-      <p:sp>
-        <p:nvSpPr>
-          <p:cNvPr id="52" name="Multiplication Sign 51">
-            <a:extLst>
-              <a:ext uri="{FF2B5EF4-FFF2-40B4-BE49-F238E27FC236}">
-                <a16:creationId xmlns:a16="http://schemas.microsoft.com/office/drawing/2014/main" id="{60B50A50-5FAA-45C2-875C-20AF736F7C85}"/>
-              </a:ext>
-            </a:extLst>
-          </p:cNvPr>
-          <p:cNvSpPr/>
-          <p:nvPr/>
-        </p:nvSpPr>
-        <p:spPr>
-          <a:xfrm>
-            <a:off x="8763301" y="4247183"/>
-            <a:ext cx="1915886" cy="1921078"/>
-          </a:xfrm>
-          <a:prstGeom prst="mathMultiply">
-            <a:avLst/>
-          </a:prstGeom>
-          <a:solidFill>
+      <p:pic>
+        <p:nvPicPr>
+          <p:cNvPr id="48" name="Graphic 47" descr="Male">
+            <a:extLst>
+              <a:ext uri="{FF2B5EF4-FFF2-40B4-BE49-F238E27FC236}">
+                <a16:creationId xmlns:a16="http://schemas.microsoft.com/office/drawing/2014/main" id="{6A919A0E-D417-4486-96F5-C9BB6ECFA3FB}"/>
+              </a:ext>
+            </a:extLst>
+          </p:cNvPr>
+          <p:cNvPicPr>
+            <a:picLocks noChangeAspect="1"/>
+          </p:cNvPicPr>
+          <p:nvPr/>
+        </p:nvPicPr>
+        <p:blipFill>
+          <a:blip r:embed="rId2">
+            <a:extLst>
+              <a:ext uri="{28A0092B-C50C-407E-A947-70E740481C1C}">
+                <a14:useLocalDpi xmlns:a14="http://schemas.microsoft.com/office/drawing/2010/main" val="0"/>
+              </a:ext>
+              <a:ext uri="{96DAC541-7B7A-43D3-8B79-37D633B846F1}">
+                <asvg:svgBlip xmlns:asvg="http://schemas.microsoft.com/office/drawing/2016/SVG/main" r:embed="rId3"/>
+              </a:ext>
+            </a:extLst>
+          </a:blip>
+          <a:stretch>
+            <a:fillRect/>
+          </a:stretch>
+        </p:blipFill>
+        <p:spPr>
+          <a:xfrm>
+            <a:off x="11115259" y="0"/>
+            <a:ext cx="1082180" cy="1082180"/>
+          </a:xfrm>
+          <a:prstGeom prst="rect">
+            <a:avLst/>
+          </a:prstGeom>
+        </p:spPr>
+      </p:pic>
+      <p:cxnSp>
+        <p:nvCxnSpPr>
+          <p:cNvPr id="49" name="Straight Connector 48">
+            <a:extLst>
+              <a:ext uri="{FF2B5EF4-FFF2-40B4-BE49-F238E27FC236}">
+                <a16:creationId xmlns:a16="http://schemas.microsoft.com/office/drawing/2014/main" id="{39755FDA-80C0-48D3-8DC7-DFED3D3EA04B}"/>
+              </a:ext>
+            </a:extLst>
+          </p:cNvPr>
+          <p:cNvCxnSpPr/>
+          <p:nvPr/>
+        </p:nvCxnSpPr>
+        <p:spPr>
+          <a:xfrm>
+            <a:off x="-8709" y="3010566"/>
+            <a:ext cx="12200709" cy="0"/>
+          </a:xfrm>
+          <a:prstGeom prst="line">
+            <a:avLst/>
+          </a:prstGeom>
+          <a:ln w="12700">
+            <a:prstDash val="lgDash"/>
+          </a:ln>
+        </p:spPr>
+        <p:style>
+          <a:lnRef idx="1">
+            <a:schemeClr val="dk1"/>
+          </a:lnRef>
+          <a:fillRef idx="0">
+            <a:schemeClr val="dk1"/>
+          </a:fillRef>
+          <a:effectRef idx="0">
+            <a:schemeClr val="dk1"/>
+          </a:effectRef>
+          <a:fontRef idx="minor">
             <a:schemeClr val="tx1"/>
-          </a:solidFill>
-          <a:ln>
-            <a:noFill/>
-          </a:ln>
-        </p:spPr>
-        <p:style>
-          <a:lnRef idx="2">
-            <a:schemeClr val="accent1">
-              <a:shade val="50000"/>
-            </a:schemeClr>
-          </a:lnRef>
-          <a:fillRef idx="1">
-            <a:schemeClr val="accent1"/>
-          </a:fillRef>
-          <a:effectRef idx="0">
-            <a:schemeClr val="accent1"/>
-          </a:effectRef>
-          <a:fontRef idx="minor">
-            <a:schemeClr val="lt1"/>
-          </a:fontRef>
-        </p:style>
-        <p:txBody>
-          <a:bodyPr rtlCol="0" anchor="ctr"/>
-          <a:lstStyle/>
-          <a:p>
-            <a:pPr algn="ctr"/>
-            <a:endParaRPr lang="en-US" dirty="0"/>
+          </a:fontRef>
+        </p:style>
+      </p:cxnSp>
+      <p:sp>
+        <p:nvSpPr>
+          <p:cNvPr id="50" name="TextBox 49">
+            <a:extLst>
+              <a:ext uri="{FF2B5EF4-FFF2-40B4-BE49-F238E27FC236}">
+                <a16:creationId xmlns:a16="http://schemas.microsoft.com/office/drawing/2014/main" id="{E4C62C30-B10E-4C54-98A9-E00C7A7CC8A0}"/>
+              </a:ext>
+            </a:extLst>
+          </p:cNvPr>
+          <p:cNvSpPr txBox="1"/>
+          <p:nvPr/>
+        </p:nvSpPr>
+        <p:spPr>
+          <a:xfrm>
+            <a:off x="-59232" y="-246442"/>
+            <a:ext cx="471604" cy="784830"/>
+          </a:xfrm>
+          <a:prstGeom prst="rect">
+            <a:avLst/>
+          </a:prstGeom>
+          <a:noFill/>
+        </p:spPr>
+        <p:txBody>
+          <a:bodyPr wrap="none" rtlCol="0">
+            <a:spAutoFit/>
+          </a:bodyPr>
+          <a:lstStyle/>
+          <a:p>
+            <a:r>
+              <a:rPr lang="en-US" sz="4500" dirty="0"/>
+              <a:t>e</a:t>
+            </a:r>
           </a:p>
         </p:txBody>
       </p:sp>
     </p:spTree>
     <p:extLst>
       <p:ext uri="{BB962C8B-B14F-4D97-AF65-F5344CB8AC3E}">
-        <p14:creationId xmlns:p14="http://schemas.microsoft.com/office/powerpoint/2010/main" val="906711284"/>
+        <p14:creationId xmlns:p14="http://schemas.microsoft.com/office/powerpoint/2010/main" val="2708942075"/>
       </p:ext>
     </p:extLst>
   </p:cSld>
